--- a/week5/graph&DFS,BFS.pptx
+++ b/week5/graph&DFS,BFS.pptx
@@ -5,7 +5,7 @@
     <p:sldMasterId id="2147483648" r:id="rId1"/>
   </p:sldMasterIdLst>
   <p:notesMasterIdLst>
-    <p:notesMasterId r:id="rId9"/>
+    <p:notesMasterId r:id="rId15"/>
   </p:notesMasterIdLst>
   <p:sldIdLst>
     <p:sldId id="256" r:id="rId2"/>
@@ -14,7 +14,13 @@
     <p:sldId id="262" r:id="rId5"/>
     <p:sldId id="263" r:id="rId6"/>
     <p:sldId id="264" r:id="rId7"/>
-    <p:sldId id="265" r:id="rId8"/>
+    <p:sldId id="266" r:id="rId8"/>
+    <p:sldId id="267" r:id="rId9"/>
+    <p:sldId id="269" r:id="rId10"/>
+    <p:sldId id="270" r:id="rId11"/>
+    <p:sldId id="268" r:id="rId12"/>
+    <p:sldId id="265" r:id="rId13"/>
+    <p:sldId id="271" r:id="rId14"/>
   </p:sldIdLst>
   <p:sldSz cx="12192000" cy="6858000"/>
   <p:notesSz cx="6858000" cy="9144000"/>
@@ -203,7 +209,7 @@
           <a:p>
             <a:fld id="{286F87FE-048A-4ED4-8195-0DA2E6093C31}" type="datetimeFigureOut">
               <a:rPr lang="ko-KR" altLang="en-US" smtClean="0"/>
-              <a:t>2023-01-26</a:t>
+              <a:t>2023-02-06</a:t>
             </a:fld>
             <a:endParaRPr lang="ko-KR" altLang="en-US"/>
           </a:p>
@@ -554,6 +560,262 @@
 </p:notes>
 </file>
 
+<file path=ppt/notesSlides/notesSlide10.xml><?xml version="1.0" encoding="utf-8"?>
+<p:notes xmlns:a="http://schemas.openxmlformats.org/drawingml/2006/main" xmlns:r="http://schemas.openxmlformats.org/officeDocument/2006/relationships" xmlns:p="http://schemas.openxmlformats.org/presentationml/2006/main">
+  <p:cSld>
+    <p:spTree>
+      <p:nvGrpSpPr>
+        <p:cNvPr id="1" name=""/>
+        <p:cNvGrpSpPr/>
+        <p:nvPr/>
+      </p:nvGrpSpPr>
+      <p:grpSpPr>
+        <a:xfrm>
+          <a:off x="0" y="0"/>
+          <a:ext cx="0" cy="0"/>
+          <a:chOff x="0" y="0"/>
+          <a:chExt cx="0" cy="0"/>
+        </a:xfrm>
+      </p:grpSpPr>
+      <p:sp>
+        <p:nvSpPr>
+          <p:cNvPr id="2" name="슬라이드 이미지 개체 틀 1"/>
+          <p:cNvSpPr>
+            <a:spLocks noGrp="1" noRot="1" noChangeAspect="1"/>
+          </p:cNvSpPr>
+          <p:nvPr>
+            <p:ph type="sldImg"/>
+          </p:nvPr>
+        </p:nvSpPr>
+        <p:spPr/>
+      </p:sp>
+      <p:sp>
+        <p:nvSpPr>
+          <p:cNvPr id="3" name="슬라이드 노트 개체 틀 2"/>
+          <p:cNvSpPr>
+            <a:spLocks noGrp="1"/>
+          </p:cNvSpPr>
+          <p:nvPr>
+            <p:ph type="body" idx="1"/>
+          </p:nvPr>
+        </p:nvSpPr>
+        <p:spPr/>
+        <p:txBody>
+          <a:bodyPr/>
+          <a:lstStyle/>
+          <a:p>
+            <a:r>
+              <a:rPr lang="en-US" altLang="ko-KR" dirty="0"/>
+              <a:t>https://luv-n-interest.tistory.com/201</a:t>
+            </a:r>
+            <a:endParaRPr lang="ko-KR" altLang="en-US" dirty="0"/>
+          </a:p>
+        </p:txBody>
+      </p:sp>
+      <p:sp>
+        <p:nvSpPr>
+          <p:cNvPr id="4" name="슬라이드 번호 개체 틀 3"/>
+          <p:cNvSpPr>
+            <a:spLocks noGrp="1"/>
+          </p:cNvSpPr>
+          <p:nvPr>
+            <p:ph type="sldNum" sz="quarter" idx="5"/>
+          </p:nvPr>
+        </p:nvSpPr>
+        <p:spPr/>
+        <p:txBody>
+          <a:bodyPr/>
+          <a:lstStyle/>
+          <a:p>
+            <a:fld id="{63C2231A-1593-4E6E-A011-46D19C66ABEC}" type="slidenum">
+              <a:rPr lang="ko-KR" altLang="en-US" smtClean="0"/>
+              <a:t>11</a:t>
+            </a:fld>
+            <a:endParaRPr lang="ko-KR" altLang="en-US"/>
+          </a:p>
+        </p:txBody>
+      </p:sp>
+    </p:spTree>
+    <p:extLst>
+      <p:ext uri="{BB962C8B-B14F-4D97-AF65-F5344CB8AC3E}">
+        <p14:creationId xmlns:p14="http://schemas.microsoft.com/office/powerpoint/2010/main" val="67137319"/>
+      </p:ext>
+    </p:extLst>
+  </p:cSld>
+  <p:clrMapOvr>
+    <a:masterClrMapping/>
+  </p:clrMapOvr>
+</p:notes>
+</file>
+
+<file path=ppt/notesSlides/notesSlide11.xml><?xml version="1.0" encoding="utf-8"?>
+<p:notes xmlns:a="http://schemas.openxmlformats.org/drawingml/2006/main" xmlns:r="http://schemas.openxmlformats.org/officeDocument/2006/relationships" xmlns:p="http://schemas.openxmlformats.org/presentationml/2006/main">
+  <p:cSld>
+    <p:spTree>
+      <p:nvGrpSpPr>
+        <p:cNvPr id="1" name=""/>
+        <p:cNvGrpSpPr/>
+        <p:nvPr/>
+      </p:nvGrpSpPr>
+      <p:grpSpPr>
+        <a:xfrm>
+          <a:off x="0" y="0"/>
+          <a:ext cx="0" cy="0"/>
+          <a:chOff x="0" y="0"/>
+          <a:chExt cx="0" cy="0"/>
+        </a:xfrm>
+      </p:grpSpPr>
+      <p:sp>
+        <p:nvSpPr>
+          <p:cNvPr id="2" name="슬라이드 이미지 개체 틀 1"/>
+          <p:cNvSpPr>
+            <a:spLocks noGrp="1" noRot="1" noChangeAspect="1"/>
+          </p:cNvSpPr>
+          <p:nvPr>
+            <p:ph type="sldImg"/>
+          </p:nvPr>
+        </p:nvSpPr>
+        <p:spPr/>
+      </p:sp>
+      <p:sp>
+        <p:nvSpPr>
+          <p:cNvPr id="3" name="슬라이드 노트 개체 틀 2"/>
+          <p:cNvSpPr>
+            <a:spLocks noGrp="1"/>
+          </p:cNvSpPr>
+          <p:nvPr>
+            <p:ph type="body" idx="1"/>
+          </p:nvPr>
+        </p:nvSpPr>
+        <p:spPr/>
+        <p:txBody>
+          <a:bodyPr/>
+          <a:lstStyle/>
+          <a:p>
+            <a:endParaRPr lang="ko-KR" altLang="en-US" dirty="0"/>
+          </a:p>
+        </p:txBody>
+      </p:sp>
+      <p:sp>
+        <p:nvSpPr>
+          <p:cNvPr id="4" name="슬라이드 번호 개체 틀 3"/>
+          <p:cNvSpPr>
+            <a:spLocks noGrp="1"/>
+          </p:cNvSpPr>
+          <p:nvPr>
+            <p:ph type="sldNum" sz="quarter" idx="5"/>
+          </p:nvPr>
+        </p:nvSpPr>
+        <p:spPr/>
+        <p:txBody>
+          <a:bodyPr/>
+          <a:lstStyle/>
+          <a:p>
+            <a:fld id="{63C2231A-1593-4E6E-A011-46D19C66ABEC}" type="slidenum">
+              <a:rPr lang="ko-KR" altLang="en-US" smtClean="0"/>
+              <a:t>12</a:t>
+            </a:fld>
+            <a:endParaRPr lang="ko-KR" altLang="en-US"/>
+          </a:p>
+        </p:txBody>
+      </p:sp>
+    </p:spTree>
+    <p:extLst>
+      <p:ext uri="{BB962C8B-B14F-4D97-AF65-F5344CB8AC3E}">
+        <p14:creationId xmlns:p14="http://schemas.microsoft.com/office/powerpoint/2010/main" val="3857850576"/>
+      </p:ext>
+    </p:extLst>
+  </p:cSld>
+  <p:clrMapOvr>
+    <a:masterClrMapping/>
+  </p:clrMapOvr>
+</p:notes>
+</file>
+
+<file path=ppt/notesSlides/notesSlide12.xml><?xml version="1.0" encoding="utf-8"?>
+<p:notes xmlns:a="http://schemas.openxmlformats.org/drawingml/2006/main" xmlns:r="http://schemas.openxmlformats.org/officeDocument/2006/relationships" xmlns:p="http://schemas.openxmlformats.org/presentationml/2006/main">
+  <p:cSld>
+    <p:spTree>
+      <p:nvGrpSpPr>
+        <p:cNvPr id="1" name=""/>
+        <p:cNvGrpSpPr/>
+        <p:nvPr/>
+      </p:nvGrpSpPr>
+      <p:grpSpPr>
+        <a:xfrm>
+          <a:off x="0" y="0"/>
+          <a:ext cx="0" cy="0"/>
+          <a:chOff x="0" y="0"/>
+          <a:chExt cx="0" cy="0"/>
+        </a:xfrm>
+      </p:grpSpPr>
+      <p:sp>
+        <p:nvSpPr>
+          <p:cNvPr id="2" name="슬라이드 이미지 개체 틀 1"/>
+          <p:cNvSpPr>
+            <a:spLocks noGrp="1" noRot="1" noChangeAspect="1"/>
+          </p:cNvSpPr>
+          <p:nvPr>
+            <p:ph type="sldImg"/>
+          </p:nvPr>
+        </p:nvSpPr>
+        <p:spPr/>
+      </p:sp>
+      <p:sp>
+        <p:nvSpPr>
+          <p:cNvPr id="3" name="슬라이드 노트 개체 틀 2"/>
+          <p:cNvSpPr>
+            <a:spLocks noGrp="1"/>
+          </p:cNvSpPr>
+          <p:nvPr>
+            <p:ph type="body" idx="1"/>
+          </p:nvPr>
+        </p:nvSpPr>
+        <p:spPr/>
+        <p:txBody>
+          <a:bodyPr/>
+          <a:lstStyle/>
+          <a:p>
+            <a:endParaRPr lang="ko-KR" altLang="en-US" dirty="0"/>
+          </a:p>
+        </p:txBody>
+      </p:sp>
+      <p:sp>
+        <p:nvSpPr>
+          <p:cNvPr id="4" name="슬라이드 번호 개체 틀 3"/>
+          <p:cNvSpPr>
+            <a:spLocks noGrp="1"/>
+          </p:cNvSpPr>
+          <p:nvPr>
+            <p:ph type="sldNum" sz="quarter" idx="5"/>
+          </p:nvPr>
+        </p:nvSpPr>
+        <p:spPr/>
+        <p:txBody>
+          <a:bodyPr/>
+          <a:lstStyle/>
+          <a:p>
+            <a:fld id="{63C2231A-1593-4E6E-A011-46D19C66ABEC}" type="slidenum">
+              <a:rPr lang="ko-KR" altLang="en-US" smtClean="0"/>
+              <a:t>13</a:t>
+            </a:fld>
+            <a:endParaRPr lang="ko-KR" altLang="en-US"/>
+          </a:p>
+        </p:txBody>
+      </p:sp>
+    </p:spTree>
+    <p:extLst>
+      <p:ext uri="{BB962C8B-B14F-4D97-AF65-F5344CB8AC3E}">
+        <p14:creationId xmlns:p14="http://schemas.microsoft.com/office/powerpoint/2010/main" val="2973674219"/>
+      </p:ext>
+    </p:extLst>
+  </p:cSld>
+  <p:clrMapOvr>
+    <a:masterClrMapping/>
+  </p:clrMapOvr>
+</p:notes>
+</file>
+
 <file path=ppt/notesSlides/notesSlide2.xml><?xml version="1.0" encoding="utf-8"?>
 <p:notes xmlns:a="http://schemas.openxmlformats.org/drawingml/2006/main" xmlns:r="http://schemas.openxmlformats.org/officeDocument/2006/relationships" xmlns:p="http://schemas.openxmlformats.org/presentationml/2006/main">
   <p:cSld>
@@ -985,7 +1247,276 @@
     </p:spTree>
     <p:extLst>
       <p:ext uri="{BB962C8B-B14F-4D97-AF65-F5344CB8AC3E}">
-        <p14:creationId xmlns:p14="http://schemas.microsoft.com/office/powerpoint/2010/main" val="3857850576"/>
+        <p14:creationId xmlns:p14="http://schemas.microsoft.com/office/powerpoint/2010/main" val="2095671803"/>
+      </p:ext>
+    </p:extLst>
+  </p:cSld>
+  <p:clrMapOvr>
+    <a:masterClrMapping/>
+  </p:clrMapOvr>
+</p:notes>
+</file>
+
+<file path=ppt/notesSlides/notesSlide7.xml><?xml version="1.0" encoding="utf-8"?>
+<p:notes xmlns:a="http://schemas.openxmlformats.org/drawingml/2006/main" xmlns:r="http://schemas.openxmlformats.org/officeDocument/2006/relationships" xmlns:p="http://schemas.openxmlformats.org/presentationml/2006/main">
+  <p:cSld>
+    <p:spTree>
+      <p:nvGrpSpPr>
+        <p:cNvPr id="1" name=""/>
+        <p:cNvGrpSpPr/>
+        <p:nvPr/>
+      </p:nvGrpSpPr>
+      <p:grpSpPr>
+        <a:xfrm>
+          <a:off x="0" y="0"/>
+          <a:ext cx="0" cy="0"/>
+          <a:chOff x="0" y="0"/>
+          <a:chExt cx="0" cy="0"/>
+        </a:xfrm>
+      </p:grpSpPr>
+      <p:sp>
+        <p:nvSpPr>
+          <p:cNvPr id="2" name="슬라이드 이미지 개체 틀 1"/>
+          <p:cNvSpPr>
+            <a:spLocks noGrp="1" noRot="1" noChangeAspect="1"/>
+          </p:cNvSpPr>
+          <p:nvPr>
+            <p:ph type="sldImg"/>
+          </p:nvPr>
+        </p:nvSpPr>
+        <p:spPr/>
+      </p:sp>
+      <p:sp>
+        <p:nvSpPr>
+          <p:cNvPr id="3" name="슬라이드 노트 개체 틀 2"/>
+          <p:cNvSpPr>
+            <a:spLocks noGrp="1"/>
+          </p:cNvSpPr>
+          <p:nvPr>
+            <p:ph type="body" idx="1"/>
+          </p:nvPr>
+        </p:nvSpPr>
+        <p:spPr/>
+        <p:txBody>
+          <a:bodyPr/>
+          <a:lstStyle/>
+          <a:p>
+            <a:r>
+              <a:rPr lang="en-US" altLang="ko-KR" dirty="0"/>
+              <a:t>https://luv-n-interest.tistory.com/201</a:t>
+            </a:r>
+            <a:endParaRPr lang="ko-KR" altLang="en-US" dirty="0"/>
+          </a:p>
+        </p:txBody>
+      </p:sp>
+      <p:sp>
+        <p:nvSpPr>
+          <p:cNvPr id="4" name="슬라이드 번호 개체 틀 3"/>
+          <p:cNvSpPr>
+            <a:spLocks noGrp="1"/>
+          </p:cNvSpPr>
+          <p:nvPr>
+            <p:ph type="sldNum" sz="quarter" idx="5"/>
+          </p:nvPr>
+        </p:nvSpPr>
+        <p:spPr/>
+        <p:txBody>
+          <a:bodyPr/>
+          <a:lstStyle/>
+          <a:p>
+            <a:fld id="{63C2231A-1593-4E6E-A011-46D19C66ABEC}" type="slidenum">
+              <a:rPr lang="ko-KR" altLang="en-US" smtClean="0"/>
+              <a:t>8</a:t>
+            </a:fld>
+            <a:endParaRPr lang="ko-KR" altLang="en-US"/>
+          </a:p>
+        </p:txBody>
+      </p:sp>
+    </p:spTree>
+    <p:extLst>
+      <p:ext uri="{BB962C8B-B14F-4D97-AF65-F5344CB8AC3E}">
+        <p14:creationId xmlns:p14="http://schemas.microsoft.com/office/powerpoint/2010/main" val="1522600204"/>
+      </p:ext>
+    </p:extLst>
+  </p:cSld>
+  <p:clrMapOvr>
+    <a:masterClrMapping/>
+  </p:clrMapOvr>
+</p:notes>
+</file>
+
+<file path=ppt/notesSlides/notesSlide8.xml><?xml version="1.0" encoding="utf-8"?>
+<p:notes xmlns:a="http://schemas.openxmlformats.org/drawingml/2006/main" xmlns:r="http://schemas.openxmlformats.org/officeDocument/2006/relationships" xmlns:p="http://schemas.openxmlformats.org/presentationml/2006/main">
+  <p:cSld>
+    <p:spTree>
+      <p:nvGrpSpPr>
+        <p:cNvPr id="1" name=""/>
+        <p:cNvGrpSpPr/>
+        <p:nvPr/>
+      </p:nvGrpSpPr>
+      <p:grpSpPr>
+        <a:xfrm>
+          <a:off x="0" y="0"/>
+          <a:ext cx="0" cy="0"/>
+          <a:chOff x="0" y="0"/>
+          <a:chExt cx="0" cy="0"/>
+        </a:xfrm>
+      </p:grpSpPr>
+      <p:sp>
+        <p:nvSpPr>
+          <p:cNvPr id="2" name="슬라이드 이미지 개체 틀 1"/>
+          <p:cNvSpPr>
+            <a:spLocks noGrp="1" noRot="1" noChangeAspect="1"/>
+          </p:cNvSpPr>
+          <p:nvPr>
+            <p:ph type="sldImg"/>
+          </p:nvPr>
+        </p:nvSpPr>
+        <p:spPr/>
+      </p:sp>
+      <p:sp>
+        <p:nvSpPr>
+          <p:cNvPr id="3" name="슬라이드 노트 개체 틀 2"/>
+          <p:cNvSpPr>
+            <a:spLocks noGrp="1"/>
+          </p:cNvSpPr>
+          <p:nvPr>
+            <p:ph type="body" idx="1"/>
+          </p:nvPr>
+        </p:nvSpPr>
+        <p:spPr/>
+        <p:txBody>
+          <a:bodyPr/>
+          <a:lstStyle/>
+          <a:p>
+            <a:r>
+              <a:rPr lang="en-US" altLang="ko-KR" dirty="0"/>
+              <a:t>https://ghkvud2.tistory.com/97</a:t>
+            </a:r>
+          </a:p>
+          <a:p>
+            <a:r>
+              <a:rPr lang="en-US" altLang="ko-KR" dirty="0"/>
+              <a:t>Disjoint Set: https://ghkvud2.tistory.com/98</a:t>
+            </a:r>
+            <a:endParaRPr lang="ko-KR" altLang="en-US" dirty="0"/>
+          </a:p>
+          <a:p>
+            <a:endParaRPr lang="ko-KR" altLang="en-US" dirty="0"/>
+          </a:p>
+        </p:txBody>
+      </p:sp>
+      <p:sp>
+        <p:nvSpPr>
+          <p:cNvPr id="4" name="슬라이드 번호 개체 틀 3"/>
+          <p:cNvSpPr>
+            <a:spLocks noGrp="1"/>
+          </p:cNvSpPr>
+          <p:nvPr>
+            <p:ph type="sldNum" sz="quarter" idx="5"/>
+          </p:nvPr>
+        </p:nvSpPr>
+        <p:spPr/>
+        <p:txBody>
+          <a:bodyPr/>
+          <a:lstStyle/>
+          <a:p>
+            <a:fld id="{63C2231A-1593-4E6E-A011-46D19C66ABEC}" type="slidenum">
+              <a:rPr lang="ko-KR" altLang="en-US" smtClean="0"/>
+              <a:t>9</a:t>
+            </a:fld>
+            <a:endParaRPr lang="ko-KR" altLang="en-US"/>
+          </a:p>
+        </p:txBody>
+      </p:sp>
+    </p:spTree>
+    <p:extLst>
+      <p:ext uri="{BB962C8B-B14F-4D97-AF65-F5344CB8AC3E}">
+        <p14:creationId xmlns:p14="http://schemas.microsoft.com/office/powerpoint/2010/main" val="2097767174"/>
+      </p:ext>
+    </p:extLst>
+  </p:cSld>
+  <p:clrMapOvr>
+    <a:masterClrMapping/>
+  </p:clrMapOvr>
+</p:notes>
+</file>
+
+<file path=ppt/notesSlides/notesSlide9.xml><?xml version="1.0" encoding="utf-8"?>
+<p:notes xmlns:a="http://schemas.openxmlformats.org/drawingml/2006/main" xmlns:r="http://schemas.openxmlformats.org/officeDocument/2006/relationships" xmlns:p="http://schemas.openxmlformats.org/presentationml/2006/main">
+  <p:cSld>
+    <p:spTree>
+      <p:nvGrpSpPr>
+        <p:cNvPr id="1" name=""/>
+        <p:cNvGrpSpPr/>
+        <p:nvPr/>
+      </p:nvGrpSpPr>
+      <p:grpSpPr>
+        <a:xfrm>
+          <a:off x="0" y="0"/>
+          <a:ext cx="0" cy="0"/>
+          <a:chOff x="0" y="0"/>
+          <a:chExt cx="0" cy="0"/>
+        </a:xfrm>
+      </p:grpSpPr>
+      <p:sp>
+        <p:nvSpPr>
+          <p:cNvPr id="2" name="슬라이드 이미지 개체 틀 1"/>
+          <p:cNvSpPr>
+            <a:spLocks noGrp="1" noRot="1" noChangeAspect="1"/>
+          </p:cNvSpPr>
+          <p:nvPr>
+            <p:ph type="sldImg"/>
+          </p:nvPr>
+        </p:nvSpPr>
+        <p:spPr/>
+      </p:sp>
+      <p:sp>
+        <p:nvSpPr>
+          <p:cNvPr id="3" name="슬라이드 노트 개체 틀 2"/>
+          <p:cNvSpPr>
+            <a:spLocks noGrp="1"/>
+          </p:cNvSpPr>
+          <p:nvPr>
+            <p:ph type="body" idx="1"/>
+          </p:nvPr>
+        </p:nvSpPr>
+        <p:spPr/>
+        <p:txBody>
+          <a:bodyPr/>
+          <a:lstStyle/>
+          <a:p>
+            <a:endParaRPr lang="ko-KR" altLang="en-US" dirty="0"/>
+          </a:p>
+        </p:txBody>
+      </p:sp>
+      <p:sp>
+        <p:nvSpPr>
+          <p:cNvPr id="4" name="슬라이드 번호 개체 틀 3"/>
+          <p:cNvSpPr>
+            <a:spLocks noGrp="1"/>
+          </p:cNvSpPr>
+          <p:nvPr>
+            <p:ph type="sldNum" sz="quarter" idx="5"/>
+          </p:nvPr>
+        </p:nvSpPr>
+        <p:spPr/>
+        <p:txBody>
+          <a:bodyPr/>
+          <a:lstStyle/>
+          <a:p>
+            <a:fld id="{63C2231A-1593-4E6E-A011-46D19C66ABEC}" type="slidenum">
+              <a:rPr lang="ko-KR" altLang="en-US" smtClean="0"/>
+              <a:t>10</a:t>
+            </a:fld>
+            <a:endParaRPr lang="ko-KR" altLang="en-US"/>
+          </a:p>
+        </p:txBody>
+      </p:sp>
+    </p:spTree>
+    <p:extLst>
+      <p:ext uri="{BB962C8B-B14F-4D97-AF65-F5344CB8AC3E}">
+        <p14:creationId xmlns:p14="http://schemas.microsoft.com/office/powerpoint/2010/main" val="1841970723"/>
       </p:ext>
     </p:extLst>
   </p:cSld>
@@ -1142,7 +1673,7 @@
           <a:p>
             <a:fld id="{BA45EB35-398F-4593-8298-79268765641B}" type="datetimeFigureOut">
               <a:rPr lang="ko-KR" altLang="en-US" smtClean="0"/>
-              <a:t>2023-01-26</a:t>
+              <a:t>2023-02-06</a:t>
             </a:fld>
             <a:endParaRPr lang="ko-KR" altLang="en-US"/>
           </a:p>
@@ -1340,7 +1871,7 @@
           <a:p>
             <a:fld id="{BA45EB35-398F-4593-8298-79268765641B}" type="datetimeFigureOut">
               <a:rPr lang="ko-KR" altLang="en-US" smtClean="0"/>
-              <a:t>2023-01-26</a:t>
+              <a:t>2023-02-06</a:t>
             </a:fld>
             <a:endParaRPr lang="ko-KR" altLang="en-US"/>
           </a:p>
@@ -1548,7 +2079,7 @@
           <a:p>
             <a:fld id="{BA45EB35-398F-4593-8298-79268765641B}" type="datetimeFigureOut">
               <a:rPr lang="ko-KR" altLang="en-US" smtClean="0"/>
-              <a:t>2023-01-26</a:t>
+              <a:t>2023-02-06</a:t>
             </a:fld>
             <a:endParaRPr lang="ko-KR" altLang="en-US"/>
           </a:p>
@@ -1746,7 +2277,7 @@
           <a:p>
             <a:fld id="{BA45EB35-398F-4593-8298-79268765641B}" type="datetimeFigureOut">
               <a:rPr lang="ko-KR" altLang="en-US" smtClean="0"/>
-              <a:t>2023-01-26</a:t>
+              <a:t>2023-02-06</a:t>
             </a:fld>
             <a:endParaRPr lang="ko-KR" altLang="en-US"/>
           </a:p>
@@ -2021,7 +2552,7 @@
           <a:p>
             <a:fld id="{BA45EB35-398F-4593-8298-79268765641B}" type="datetimeFigureOut">
               <a:rPr lang="ko-KR" altLang="en-US" smtClean="0"/>
-              <a:t>2023-01-26</a:t>
+              <a:t>2023-02-06</a:t>
             </a:fld>
             <a:endParaRPr lang="ko-KR" altLang="en-US"/>
           </a:p>
@@ -2286,7 +2817,7 @@
           <a:p>
             <a:fld id="{BA45EB35-398F-4593-8298-79268765641B}" type="datetimeFigureOut">
               <a:rPr lang="ko-KR" altLang="en-US" smtClean="0"/>
-              <a:t>2023-01-26</a:t>
+              <a:t>2023-02-06</a:t>
             </a:fld>
             <a:endParaRPr lang="ko-KR" altLang="en-US"/>
           </a:p>
@@ -2698,7 +3229,7 @@
           <a:p>
             <a:fld id="{BA45EB35-398F-4593-8298-79268765641B}" type="datetimeFigureOut">
               <a:rPr lang="ko-KR" altLang="en-US" smtClean="0"/>
-              <a:t>2023-01-26</a:t>
+              <a:t>2023-02-06</a:t>
             </a:fld>
             <a:endParaRPr lang="ko-KR" altLang="en-US"/>
           </a:p>
@@ -2839,7 +3370,7 @@
           <a:p>
             <a:fld id="{BA45EB35-398F-4593-8298-79268765641B}" type="datetimeFigureOut">
               <a:rPr lang="ko-KR" altLang="en-US" smtClean="0"/>
-              <a:t>2023-01-26</a:t>
+              <a:t>2023-02-06</a:t>
             </a:fld>
             <a:endParaRPr lang="ko-KR" altLang="en-US"/>
           </a:p>
@@ -2952,7 +3483,7 @@
           <a:p>
             <a:fld id="{BA45EB35-398F-4593-8298-79268765641B}" type="datetimeFigureOut">
               <a:rPr lang="ko-KR" altLang="en-US" smtClean="0"/>
-              <a:t>2023-01-26</a:t>
+              <a:t>2023-02-06</a:t>
             </a:fld>
             <a:endParaRPr lang="ko-KR" altLang="en-US"/>
           </a:p>
@@ -3263,7 +3794,7 @@
           <a:p>
             <a:fld id="{BA45EB35-398F-4593-8298-79268765641B}" type="datetimeFigureOut">
               <a:rPr lang="ko-KR" altLang="en-US" smtClean="0"/>
-              <a:t>2023-01-26</a:t>
+              <a:t>2023-02-06</a:t>
             </a:fld>
             <a:endParaRPr lang="ko-KR" altLang="en-US"/>
           </a:p>
@@ -3551,7 +4082,7 @@
           <a:p>
             <a:fld id="{BA45EB35-398F-4593-8298-79268765641B}" type="datetimeFigureOut">
               <a:rPr lang="ko-KR" altLang="en-US" smtClean="0"/>
-              <a:t>2023-01-26</a:t>
+              <a:t>2023-02-06</a:t>
             </a:fld>
             <a:endParaRPr lang="ko-KR" altLang="en-US"/>
           </a:p>
@@ -3792,7 +4323,7 @@
           <a:p>
             <a:fld id="{BA45EB35-398F-4593-8298-79268765641B}" type="datetimeFigureOut">
               <a:rPr lang="ko-KR" altLang="en-US" smtClean="0"/>
-              <a:t>2023-01-26</a:t>
+              <a:t>2023-02-06</a:t>
             </a:fld>
             <a:endParaRPr lang="ko-KR" altLang="en-US"/>
           </a:p>
@@ -4269,7 +4800,7 @@
             <a:pPr algn="r"/>
             <a:r>
               <a:rPr lang="en-US" altLang="ko-KR" dirty="0"/>
-              <a:t>2023-01-30</a:t>
+              <a:t>2023-02-06</a:t>
             </a:r>
           </a:p>
           <a:p>
@@ -4293,6 +4824,2188 @@
     <p:extLst>
       <p:ext uri="{BB962C8B-B14F-4D97-AF65-F5344CB8AC3E}">
         <p14:creationId xmlns:p14="http://schemas.microsoft.com/office/powerpoint/2010/main" val="1094483536"/>
+      </p:ext>
+    </p:extLst>
+  </p:cSld>
+  <p:clrMapOvr>
+    <a:masterClrMapping/>
+  </p:clrMapOvr>
+</p:sld>
+</file>
+
+<file path=ppt/slides/slide10.xml><?xml version="1.0" encoding="utf-8"?>
+<p:sld xmlns:a="http://schemas.openxmlformats.org/drawingml/2006/main" xmlns:r="http://schemas.openxmlformats.org/officeDocument/2006/relationships" xmlns:p="http://schemas.openxmlformats.org/presentationml/2006/main">
+  <p:cSld>
+    <p:spTree>
+      <p:nvGrpSpPr>
+        <p:cNvPr id="1" name=""/>
+        <p:cNvGrpSpPr/>
+        <p:nvPr/>
+      </p:nvGrpSpPr>
+      <p:grpSpPr>
+        <a:xfrm>
+          <a:off x="0" y="0"/>
+          <a:ext cx="0" cy="0"/>
+          <a:chOff x="0" y="0"/>
+          <a:chExt cx="0" cy="0"/>
+        </a:xfrm>
+      </p:grpSpPr>
+      <p:sp>
+        <p:nvSpPr>
+          <p:cNvPr id="2" name="TextBox 1">
+            <a:extLst>
+              <a:ext uri="{FF2B5EF4-FFF2-40B4-BE49-F238E27FC236}">
+                <a16:creationId xmlns:a16="http://schemas.microsoft.com/office/drawing/2014/main" id="{55BB2B3D-7EFE-4E80-80D2-F23079C3D781}"/>
+              </a:ext>
+            </a:extLst>
+          </p:cNvPr>
+          <p:cNvSpPr txBox="1"/>
+          <p:nvPr/>
+        </p:nvSpPr>
+        <p:spPr>
+          <a:xfrm>
+            <a:off x="351623" y="381178"/>
+            <a:ext cx="11294946" cy="5324535"/>
+          </a:xfrm>
+          <a:prstGeom prst="rect">
+            <a:avLst/>
+          </a:prstGeom>
+          <a:noFill/>
+        </p:spPr>
+        <p:txBody>
+          <a:bodyPr wrap="square" rtlCol="0">
+            <a:spAutoFit/>
+          </a:bodyPr>
+          <a:lstStyle/>
+          <a:p>
+            <a:r>
+              <a:rPr lang="en-US" altLang="ko-KR" sz="2000" b="1" dirty="0"/>
+              <a:t>- </a:t>
+            </a:r>
+            <a:r>
+              <a:rPr lang="ko-KR" altLang="en-US" sz="2000" b="1" dirty="0"/>
+              <a:t>최소 비용 신장 트리</a:t>
+            </a:r>
+            <a:r>
+              <a:rPr lang="en-US" altLang="ko-KR" sz="2000" b="1" dirty="0"/>
+              <a:t> minimum cost spanning tree (MST)</a:t>
+            </a:r>
+          </a:p>
+          <a:p>
+            <a:r>
+              <a:rPr lang="ko-KR" altLang="en-US" sz="2000" dirty="0"/>
+              <a:t>가중치가 부여된 </a:t>
+            </a:r>
+            <a:r>
+              <a:rPr lang="ko-KR" altLang="en-US" sz="2000" dirty="0" err="1"/>
+              <a:t>무방향</a:t>
+            </a:r>
+            <a:r>
+              <a:rPr lang="ko-KR" altLang="en-US" sz="2000" dirty="0"/>
+              <a:t> 그래프의 신장 트리 비용</a:t>
+            </a:r>
+            <a:r>
+              <a:rPr lang="en-US" altLang="ko-KR" sz="2000" dirty="0"/>
+              <a:t>: </a:t>
+            </a:r>
+            <a:r>
+              <a:rPr lang="ko-KR" altLang="en-US" sz="2000" dirty="0"/>
+              <a:t>신장 트리를 구성하는 모든 간선의 비용의 합</a:t>
+            </a:r>
+            <a:endParaRPr lang="en-US" altLang="ko-KR" sz="2000" dirty="0"/>
+          </a:p>
+          <a:p>
+            <a:r>
+              <a:rPr lang="ko-KR" altLang="en-US" sz="2000" dirty="0"/>
+              <a:t>최소 비용 신장 </a:t>
+            </a:r>
+            <a:r>
+              <a:rPr lang="ko-KR" altLang="en-US" sz="2000" dirty="0" err="1"/>
+              <a:t>트리란</a:t>
+            </a:r>
+            <a:r>
+              <a:rPr lang="en-US" altLang="ko-KR" sz="2000" dirty="0"/>
+              <a:t>? </a:t>
+            </a:r>
+            <a:r>
+              <a:rPr lang="ko-KR" altLang="en-US" sz="2000" dirty="0"/>
+              <a:t>트리를 구성하는 간선들의 가중치를 합한 것이 최소가 되는 신장 트리</a:t>
+            </a:r>
+            <a:endParaRPr lang="en-US" altLang="ko-KR" sz="2000" dirty="0"/>
+          </a:p>
+          <a:p>
+            <a:endParaRPr lang="en-US" altLang="ko-KR" sz="2000" dirty="0"/>
+          </a:p>
+          <a:p>
+            <a:r>
+              <a:rPr lang="ko-KR" altLang="en-US" sz="2000" dirty="0"/>
+              <a:t>최소 비용 신장 트리를 찾아내는 방법</a:t>
+            </a:r>
+            <a:r>
+              <a:rPr lang="en-US" altLang="ko-KR" sz="2000" dirty="0"/>
+              <a:t>: </a:t>
+            </a:r>
+            <a:r>
+              <a:rPr lang="ko-KR" altLang="en-US" sz="2000" dirty="0" err="1"/>
+              <a:t>프림</a:t>
+            </a:r>
+            <a:r>
+              <a:rPr lang="en-US" altLang="ko-KR" sz="2000" dirty="0"/>
+              <a:t>(Prim), </a:t>
+            </a:r>
+            <a:r>
+              <a:rPr lang="ko-KR" altLang="en-US" sz="2000" dirty="0" err="1"/>
+              <a:t>크루스칼</a:t>
+            </a:r>
+            <a:r>
+              <a:rPr lang="en-US" altLang="ko-KR" sz="2000" dirty="0"/>
+              <a:t>(Kruskal) &lt;- greedy method</a:t>
+            </a:r>
+            <a:r>
+              <a:rPr lang="ko-KR" altLang="en-US" sz="2000" dirty="0"/>
+              <a:t>로 구현됨</a:t>
+            </a:r>
+            <a:endParaRPr lang="en-US" altLang="ko-KR" sz="2000" dirty="0"/>
+          </a:p>
+          <a:p>
+            <a:endParaRPr lang="en-US" altLang="ko-KR" sz="2000" dirty="0"/>
+          </a:p>
+          <a:p>
+            <a:r>
+              <a:rPr lang="en-US" altLang="ko-KR" sz="2000" b="1" dirty="0"/>
+              <a:t>- </a:t>
+            </a:r>
+            <a:r>
+              <a:rPr lang="ko-KR" altLang="en-US" sz="2000" b="1" dirty="0" err="1"/>
+              <a:t>프림</a:t>
+            </a:r>
+            <a:r>
+              <a:rPr lang="ko-KR" altLang="en-US" sz="2000" b="1" dirty="0"/>
+              <a:t> </a:t>
+            </a:r>
+            <a:r>
+              <a:rPr lang="en-US" altLang="ko-KR" sz="2000" b="1" dirty="0"/>
+              <a:t>prim </a:t>
+            </a:r>
+            <a:r>
+              <a:rPr lang="ko-KR" altLang="en-US" sz="2000" b="1" dirty="0"/>
+              <a:t>알고리즘</a:t>
+            </a:r>
+            <a:endParaRPr lang="en-US" altLang="ko-KR" sz="2000" b="1" dirty="0"/>
+          </a:p>
+          <a:p>
+            <a:r>
+              <a:rPr lang="ko-KR" altLang="en-US" sz="2000" dirty="0"/>
+              <a:t>임의의 노드부터 출발하여 신장 트리 집합을 단계적으로 확장해 나감</a:t>
+            </a:r>
+            <a:endParaRPr lang="en-US" altLang="ko-KR" sz="2000" dirty="0"/>
+          </a:p>
+          <a:p>
+            <a:pPr marL="457200" indent="-457200">
+              <a:buAutoNum type="arabicPeriod"/>
+            </a:pPr>
+            <a:r>
+              <a:rPr lang="ko-KR" altLang="en-US" sz="2000" dirty="0"/>
+              <a:t>임의의 노드를 출발 노드로 선택</a:t>
+            </a:r>
+            <a:endParaRPr lang="en-US" altLang="ko-KR" sz="2000" dirty="0"/>
+          </a:p>
+          <a:p>
+            <a:pPr marL="457200" indent="-457200">
+              <a:buAutoNum type="arabicPeriod"/>
+            </a:pPr>
+            <a:r>
+              <a:rPr lang="ko-KR" altLang="en-US" sz="2000" dirty="0"/>
+              <a:t>출발 노드를 포함하는 트리를 점점 확장해 나감</a:t>
+            </a:r>
+            <a:endParaRPr lang="en-US" altLang="ko-KR" sz="2000" dirty="0"/>
+          </a:p>
+          <a:p>
+            <a:pPr marL="457200" indent="-457200">
+              <a:buAutoNum type="arabicPeriod"/>
+            </a:pPr>
+            <a:r>
+              <a:rPr lang="ko-KR" altLang="en-US" sz="2000" dirty="0"/>
+              <a:t>매 단계에서 이미 트리에 포함된 노드와 포함되지 않은 노드를 연결하는 에지들 중 가장 가중치가 작은 </a:t>
+            </a:r>
+            <a:r>
+              <a:rPr lang="ko-KR" altLang="en-US" sz="2000" dirty="0" err="1"/>
+              <a:t>에지를</a:t>
+            </a:r>
+            <a:r>
+              <a:rPr lang="ko-KR" altLang="en-US" sz="2000" dirty="0"/>
+              <a:t> 선택</a:t>
+            </a:r>
+            <a:endParaRPr lang="en-US" altLang="ko-KR" sz="2000" dirty="0"/>
+          </a:p>
+          <a:p>
+            <a:endParaRPr lang="en-US" altLang="ko-KR" sz="2000" dirty="0"/>
+          </a:p>
+          <a:p>
+            <a:endParaRPr lang="en-US" altLang="ko-KR" sz="2000" dirty="0"/>
+          </a:p>
+          <a:p>
+            <a:r>
+              <a:rPr lang="ko-KR" altLang="en-US" sz="2000" dirty="0"/>
+              <a:t>각 가지에 부여된 비용이 모두 다른 경우에는 두 알고리즘으로 구한 최소신장 트리의 모양이 같지만</a:t>
+            </a:r>
+            <a:r>
+              <a:rPr lang="en-US" altLang="ko-KR" sz="2000" dirty="0"/>
+              <a:t>, </a:t>
+            </a:r>
+            <a:r>
+              <a:rPr lang="ko-KR" altLang="en-US" sz="2000" u="sng" dirty="0"/>
+              <a:t>비용이 같은 가지를 포함한 그래프에서는 두 알고리즘으로 구한 최소신장 트리의 모양이 같을 수도 있고 다를 수도 있다</a:t>
+            </a:r>
+            <a:endParaRPr lang="en-US" altLang="ko-KR" sz="2000" u="sng" dirty="0"/>
+          </a:p>
+        </p:txBody>
+      </p:sp>
+    </p:spTree>
+    <p:extLst>
+      <p:ext uri="{BB962C8B-B14F-4D97-AF65-F5344CB8AC3E}">
+        <p14:creationId xmlns:p14="http://schemas.microsoft.com/office/powerpoint/2010/main" val="2627903105"/>
+      </p:ext>
+    </p:extLst>
+  </p:cSld>
+  <p:clrMapOvr>
+    <a:masterClrMapping/>
+  </p:clrMapOvr>
+</p:sld>
+</file>
+
+<file path=ppt/slides/slide11.xml><?xml version="1.0" encoding="utf-8"?>
+<p:sld xmlns:a="http://schemas.openxmlformats.org/drawingml/2006/main" xmlns:r="http://schemas.openxmlformats.org/officeDocument/2006/relationships" xmlns:p="http://schemas.openxmlformats.org/presentationml/2006/main">
+  <p:cSld>
+    <p:spTree>
+      <p:nvGrpSpPr>
+        <p:cNvPr id="1" name=""/>
+        <p:cNvGrpSpPr/>
+        <p:nvPr/>
+      </p:nvGrpSpPr>
+      <p:grpSpPr>
+        <a:xfrm>
+          <a:off x="0" y="0"/>
+          <a:ext cx="0" cy="0"/>
+          <a:chOff x="0" y="0"/>
+          <a:chExt cx="0" cy="0"/>
+        </a:xfrm>
+      </p:grpSpPr>
+      <p:sp>
+        <p:nvSpPr>
+          <p:cNvPr id="2" name="TextBox 1">
+            <a:extLst>
+              <a:ext uri="{FF2B5EF4-FFF2-40B4-BE49-F238E27FC236}">
+                <a16:creationId xmlns:a16="http://schemas.microsoft.com/office/drawing/2014/main" id="{55BB2B3D-7EFE-4E80-80D2-F23079C3D781}"/>
+              </a:ext>
+            </a:extLst>
+          </p:cNvPr>
+          <p:cNvSpPr txBox="1"/>
+          <p:nvPr/>
+        </p:nvSpPr>
+        <p:spPr>
+          <a:xfrm>
+            <a:off x="351623" y="381178"/>
+            <a:ext cx="11294946" cy="1323439"/>
+          </a:xfrm>
+          <a:prstGeom prst="rect">
+            <a:avLst/>
+          </a:prstGeom>
+          <a:noFill/>
+        </p:spPr>
+        <p:txBody>
+          <a:bodyPr wrap="square" rtlCol="0">
+            <a:spAutoFit/>
+          </a:bodyPr>
+          <a:lstStyle/>
+          <a:p>
+            <a:r>
+              <a:rPr lang="en-US" altLang="ko-KR" sz="2000" b="1" dirty="0"/>
+              <a:t>- </a:t>
+            </a:r>
+            <a:r>
+              <a:rPr lang="ko-KR" altLang="en-US" sz="2000" b="1" dirty="0"/>
+              <a:t>위상 정렬</a:t>
+            </a:r>
+            <a:r>
+              <a:rPr lang="en-US" altLang="ko-KR" sz="2000" b="1" dirty="0"/>
+              <a:t> topological sort</a:t>
+            </a:r>
+          </a:p>
+          <a:p>
+            <a:r>
+              <a:rPr lang="ko-KR" altLang="en-US" sz="2000" dirty="0"/>
+              <a:t>그래프의 특성을 정말 잘 이용하는 정렬 방법</a:t>
+            </a:r>
+            <a:endParaRPr lang="en-US" altLang="ko-KR" sz="2000" dirty="0"/>
+          </a:p>
+          <a:p>
+            <a:r>
+              <a:rPr lang="ko-KR" altLang="en-US" sz="2000" dirty="0"/>
+              <a:t>방향 그래프에서 존재하는 정점들의 선행 순서를 위배하지 않으면서 모든 정점을 </a:t>
+            </a:r>
+            <a:r>
+              <a:rPr lang="ko-KR" altLang="en-US" sz="2000" dirty="0" err="1"/>
+              <a:t>나열시킴</a:t>
+            </a:r>
+            <a:endParaRPr lang="en-US" altLang="ko-KR" sz="2000" dirty="0"/>
+          </a:p>
+          <a:p>
+            <a:endParaRPr lang="en-US" altLang="ko-KR" sz="2000" dirty="0"/>
+          </a:p>
+        </p:txBody>
+      </p:sp>
+      <p:pic>
+        <p:nvPicPr>
+          <p:cNvPr id="5" name="그림 4">
+            <a:extLst>
+              <a:ext uri="{FF2B5EF4-FFF2-40B4-BE49-F238E27FC236}">
+                <a16:creationId xmlns:a16="http://schemas.microsoft.com/office/drawing/2014/main" id="{5C32BD99-BBA9-029F-D6C1-468DC682BFE8}"/>
+              </a:ext>
+            </a:extLst>
+          </p:cNvPr>
+          <p:cNvPicPr>
+            <a:picLocks noChangeAspect="1"/>
+          </p:cNvPicPr>
+          <p:nvPr/>
+        </p:nvPicPr>
+        <p:blipFill>
+          <a:blip r:embed="rId3"/>
+          <a:stretch>
+            <a:fillRect/>
+          </a:stretch>
+        </p:blipFill>
+        <p:spPr>
+          <a:xfrm>
+            <a:off x="1761874" y="1833562"/>
+            <a:ext cx="7705725" cy="3190875"/>
+          </a:xfrm>
+          <a:prstGeom prst="rect">
+            <a:avLst/>
+          </a:prstGeom>
+        </p:spPr>
+      </p:pic>
+      <p:sp>
+        <p:nvSpPr>
+          <p:cNvPr id="6" name="TextBox 5">
+            <a:extLst>
+              <a:ext uri="{FF2B5EF4-FFF2-40B4-BE49-F238E27FC236}">
+                <a16:creationId xmlns:a16="http://schemas.microsoft.com/office/drawing/2014/main" id="{76AEADC6-464F-5D05-46EF-8CAD0CDBC7C9}"/>
+              </a:ext>
+            </a:extLst>
+          </p:cNvPr>
+          <p:cNvSpPr txBox="1"/>
+          <p:nvPr/>
+        </p:nvSpPr>
+        <p:spPr>
+          <a:xfrm>
+            <a:off x="510516" y="5153382"/>
+            <a:ext cx="8120137" cy="1323439"/>
+          </a:xfrm>
+          <a:prstGeom prst="rect">
+            <a:avLst/>
+          </a:prstGeom>
+          <a:noFill/>
+        </p:spPr>
+        <p:txBody>
+          <a:bodyPr wrap="square" rtlCol="0">
+            <a:spAutoFit/>
+          </a:bodyPr>
+          <a:lstStyle/>
+          <a:p>
+            <a:pPr marL="457200" indent="-457200">
+              <a:buAutoNum type="arabicPeriod"/>
+            </a:pPr>
+            <a:r>
+              <a:rPr lang="ko-KR" altLang="en-US" sz="2000" dirty="0" err="1"/>
+              <a:t>진입차수가</a:t>
+            </a:r>
+            <a:r>
+              <a:rPr lang="ko-KR" altLang="en-US" sz="2000" dirty="0"/>
+              <a:t> </a:t>
+            </a:r>
+            <a:r>
+              <a:rPr lang="en-US" altLang="ko-KR" sz="2000" dirty="0"/>
+              <a:t>0</a:t>
+            </a:r>
+            <a:r>
+              <a:rPr lang="ko-KR" altLang="en-US" sz="2000" dirty="0"/>
+              <a:t>인 정점 선택</a:t>
+            </a:r>
+            <a:endParaRPr lang="en-US" altLang="ko-KR" sz="2000" dirty="0"/>
+          </a:p>
+          <a:p>
+            <a:pPr marL="457200" indent="-457200">
+              <a:buAutoNum type="arabicPeriod"/>
+            </a:pPr>
+            <a:r>
+              <a:rPr lang="ko-KR" altLang="en-US" sz="2000" dirty="0"/>
+              <a:t>선택된 정점과 여기에 부착된 모든 간선을 삭제</a:t>
+            </a:r>
+            <a:endParaRPr lang="en-US" altLang="ko-KR" sz="2000" dirty="0"/>
+          </a:p>
+          <a:p>
+            <a:pPr marL="457200" indent="-457200">
+              <a:buAutoNum type="arabicPeriod"/>
+            </a:pPr>
+            <a:r>
+              <a:rPr lang="ko-KR" altLang="en-US" sz="2000" dirty="0"/>
+              <a:t>삭제되는 간선과 연결된 남아있는 정점들의 </a:t>
+            </a:r>
+            <a:r>
+              <a:rPr lang="ko-KR" altLang="en-US" sz="2000" dirty="0" err="1"/>
+              <a:t>진입차수</a:t>
+            </a:r>
+            <a:r>
+              <a:rPr lang="ko-KR" altLang="en-US" sz="2000" dirty="0"/>
+              <a:t> 변경</a:t>
+            </a:r>
+            <a:endParaRPr lang="en-US" altLang="ko-KR" sz="2000" dirty="0"/>
+          </a:p>
+          <a:p>
+            <a:pPr marL="457200" indent="-457200">
+              <a:buAutoNum type="arabicPeriod"/>
+            </a:pPr>
+            <a:r>
+              <a:rPr lang="en-US" altLang="ko-KR" sz="2000" dirty="0"/>
+              <a:t>1-3 </a:t>
+            </a:r>
+            <a:r>
+              <a:rPr lang="ko-KR" altLang="en-US" sz="2000" dirty="0"/>
+              <a:t>반복</a:t>
+            </a:r>
+            <a:endParaRPr lang="en-US" altLang="ko-KR" sz="2000" dirty="0"/>
+          </a:p>
+        </p:txBody>
+      </p:sp>
+      <p:sp>
+        <p:nvSpPr>
+          <p:cNvPr id="3" name="TextBox 2">
+            <a:extLst>
+              <a:ext uri="{FF2B5EF4-FFF2-40B4-BE49-F238E27FC236}">
+                <a16:creationId xmlns:a16="http://schemas.microsoft.com/office/drawing/2014/main" id="{3F6E0657-9607-89EC-4711-A9B05D9C0000}"/>
+              </a:ext>
+            </a:extLst>
+          </p:cNvPr>
+          <p:cNvSpPr txBox="1"/>
+          <p:nvPr/>
+        </p:nvSpPr>
+        <p:spPr>
+          <a:xfrm>
+            <a:off x="8114476" y="5153381"/>
+            <a:ext cx="3820850" cy="1323439"/>
+          </a:xfrm>
+          <a:prstGeom prst="rect">
+            <a:avLst/>
+          </a:prstGeom>
+          <a:noFill/>
+        </p:spPr>
+        <p:txBody>
+          <a:bodyPr wrap="square" rtlCol="0">
+            <a:spAutoFit/>
+          </a:bodyPr>
+          <a:lstStyle/>
+          <a:p>
+            <a:r>
+              <a:rPr lang="ko-KR" altLang="en-US" sz="2000" dirty="0"/>
+              <a:t>예시</a:t>
+            </a:r>
+            <a:r>
+              <a:rPr lang="en-US" altLang="ko-KR" sz="2000" dirty="0"/>
+              <a:t>)</a:t>
+            </a:r>
+          </a:p>
+          <a:p>
+            <a:pPr marL="457200" indent="-457200">
+              <a:buAutoNum type="arabicPeriod"/>
+            </a:pPr>
+            <a:r>
+              <a:rPr lang="ko-KR" altLang="en-US" sz="2000" dirty="0"/>
+              <a:t>각각의 작업이 완료돼야만 끝나는 프로젝트</a:t>
+            </a:r>
+            <a:endParaRPr lang="en-US" altLang="ko-KR" sz="2000" dirty="0"/>
+          </a:p>
+          <a:p>
+            <a:pPr marL="457200" indent="-457200">
+              <a:buAutoNum type="arabicPeriod"/>
+            </a:pPr>
+            <a:r>
+              <a:rPr lang="ko-KR" altLang="en-US" sz="2000" dirty="0"/>
+              <a:t>선수 과목</a:t>
+            </a:r>
+            <a:endParaRPr lang="en-US" altLang="ko-KR" sz="2000" dirty="0"/>
+          </a:p>
+        </p:txBody>
+      </p:sp>
+    </p:spTree>
+    <p:extLst>
+      <p:ext uri="{BB962C8B-B14F-4D97-AF65-F5344CB8AC3E}">
+        <p14:creationId xmlns:p14="http://schemas.microsoft.com/office/powerpoint/2010/main" val="1826260901"/>
+      </p:ext>
+    </p:extLst>
+  </p:cSld>
+  <p:clrMapOvr>
+    <a:masterClrMapping/>
+  </p:clrMapOvr>
+</p:sld>
+</file>
+
+<file path=ppt/slides/slide12.xml><?xml version="1.0" encoding="utf-8"?>
+<p:sld xmlns:a="http://schemas.openxmlformats.org/drawingml/2006/main" xmlns:r="http://schemas.openxmlformats.org/officeDocument/2006/relationships" xmlns:p="http://schemas.openxmlformats.org/presentationml/2006/main">
+  <p:cSld>
+    <p:spTree>
+      <p:nvGrpSpPr>
+        <p:cNvPr id="1" name=""/>
+        <p:cNvGrpSpPr/>
+        <p:nvPr/>
+      </p:nvGrpSpPr>
+      <p:grpSpPr>
+        <a:xfrm>
+          <a:off x="0" y="0"/>
+          <a:ext cx="0" cy="0"/>
+          <a:chOff x="0" y="0"/>
+          <a:chExt cx="0" cy="0"/>
+        </a:xfrm>
+      </p:grpSpPr>
+      <p:sp>
+        <p:nvSpPr>
+          <p:cNvPr id="2" name="TextBox 1">
+            <a:extLst>
+              <a:ext uri="{FF2B5EF4-FFF2-40B4-BE49-F238E27FC236}">
+                <a16:creationId xmlns:a16="http://schemas.microsoft.com/office/drawing/2014/main" id="{55BB2B3D-7EFE-4E80-80D2-F23079C3D781}"/>
+              </a:ext>
+            </a:extLst>
+          </p:cNvPr>
+          <p:cNvSpPr txBox="1"/>
+          <p:nvPr/>
+        </p:nvSpPr>
+        <p:spPr>
+          <a:xfrm>
+            <a:off x="351622" y="381178"/>
+            <a:ext cx="11840378" cy="2246769"/>
+          </a:xfrm>
+          <a:prstGeom prst="rect">
+            <a:avLst/>
+          </a:prstGeom>
+          <a:noFill/>
+        </p:spPr>
+        <p:txBody>
+          <a:bodyPr wrap="square" rtlCol="0">
+            <a:spAutoFit/>
+          </a:bodyPr>
+          <a:lstStyle/>
+          <a:p>
+            <a:r>
+              <a:rPr lang="en-US" altLang="ko-KR" sz="2000" b="1" dirty="0"/>
+              <a:t>[</a:t>
+            </a:r>
+            <a:r>
+              <a:rPr lang="ko-KR" altLang="en-US" sz="2000" b="1" dirty="0"/>
+              <a:t>그래프 탐색</a:t>
+            </a:r>
+            <a:r>
+              <a:rPr lang="en-US" altLang="ko-KR" sz="2000" b="1" dirty="0"/>
+              <a:t>]</a:t>
+            </a:r>
+          </a:p>
+          <a:p>
+            <a:endParaRPr lang="en-US" altLang="ko-KR" sz="2000" b="1" dirty="0"/>
+          </a:p>
+          <a:p>
+            <a:r>
+              <a:rPr lang="en-US" altLang="ko-KR" sz="2000" b="1" dirty="0"/>
+              <a:t>BFS, </a:t>
+            </a:r>
+            <a:r>
+              <a:rPr lang="ko-KR" altLang="en-US" sz="2000" dirty="0"/>
+              <a:t>넓이 우선 탐색</a:t>
+            </a:r>
+            <a:endParaRPr lang="en-US" altLang="ko-KR" sz="2000" dirty="0"/>
+          </a:p>
+          <a:p>
+            <a:r>
+              <a:rPr lang="ko-KR" altLang="en-US" sz="2000" dirty="0"/>
+              <a:t>정점을 기준으로 간선이 연결되어 있는 모든 정점들을 차례로 방문하고 </a:t>
+            </a:r>
+            <a:endParaRPr lang="en-US" altLang="ko-KR" sz="2000" dirty="0"/>
+          </a:p>
+          <a:p>
+            <a:r>
+              <a:rPr lang="ko-KR" altLang="en-US" sz="2000" dirty="0"/>
+              <a:t>찾고자 하는 정점을 만날 때까지 반복한다</a:t>
+            </a:r>
+            <a:r>
+              <a:rPr lang="en-US" altLang="ko-KR" sz="2000" dirty="0"/>
+              <a:t>. </a:t>
+            </a:r>
+            <a:r>
+              <a:rPr lang="ko-KR" altLang="en-US" sz="2000" dirty="0"/>
+              <a:t>일반적으로 </a:t>
+            </a:r>
+            <a:r>
+              <a:rPr lang="en-US" altLang="ko-KR" sz="2000" dirty="0">
+                <a:highlight>
+                  <a:srgbClr val="FFFF00"/>
+                </a:highlight>
+              </a:rPr>
+              <a:t>Queue</a:t>
+            </a:r>
+            <a:r>
+              <a:rPr lang="ko-KR" altLang="en-US" sz="2000" dirty="0">
+                <a:highlight>
+                  <a:srgbClr val="FFFF00"/>
+                </a:highlight>
+              </a:rPr>
+              <a:t>로 구현</a:t>
+            </a:r>
+            <a:endParaRPr lang="en-US" altLang="ko-KR" sz="2000" dirty="0">
+              <a:highlight>
+                <a:srgbClr val="FFFF00"/>
+              </a:highlight>
+            </a:endParaRPr>
+          </a:p>
+          <a:p>
+            <a:endParaRPr lang="en-US" altLang="ko-KR" sz="2000" dirty="0"/>
+          </a:p>
+          <a:p>
+            <a:r>
+              <a:rPr lang="ko-KR" altLang="en-US" sz="2000" dirty="0"/>
+              <a:t>주로 두 노드 사이의 </a:t>
+            </a:r>
+            <a:r>
+              <a:rPr lang="ko-KR" altLang="en-US" sz="2000" b="1" dirty="0"/>
+              <a:t>최단 경로</a:t>
+            </a:r>
+            <a:r>
+              <a:rPr lang="ko-KR" altLang="en-US" sz="2000" dirty="0"/>
+              <a:t>를 찾고 싶을 때 이 방법 선택</a:t>
+            </a:r>
+            <a:endParaRPr lang="en-US" altLang="ko-KR" sz="2000" dirty="0"/>
+          </a:p>
+        </p:txBody>
+      </p:sp>
+      <p:pic>
+        <p:nvPicPr>
+          <p:cNvPr id="1030" name="Picture 6">
+            <a:extLst>
+              <a:ext uri="{FF2B5EF4-FFF2-40B4-BE49-F238E27FC236}">
+                <a16:creationId xmlns:a16="http://schemas.microsoft.com/office/drawing/2014/main" id="{1EE9ECCB-991C-B02A-54E1-F02F4F02ED81}"/>
+              </a:ext>
+            </a:extLst>
+          </p:cNvPr>
+          <p:cNvPicPr>
+            <a:picLocks noChangeAspect="1" noChangeArrowheads="1"/>
+          </p:cNvPicPr>
+          <p:nvPr/>
+        </p:nvPicPr>
+        <p:blipFill>
+          <a:blip r:embed="rId3">
+            <a:extLst>
+              <a:ext uri="{28A0092B-C50C-407E-A947-70E740481C1C}">
+                <a14:useLocalDpi xmlns:a14="http://schemas.microsoft.com/office/drawing/2010/main" val="0"/>
+              </a:ext>
+            </a:extLst>
+          </a:blip>
+          <a:srcRect/>
+          <a:stretch>
+            <a:fillRect/>
+          </a:stretch>
+        </p:blipFill>
+        <p:spPr bwMode="auto">
+          <a:xfrm>
+            <a:off x="6271811" y="2973924"/>
+            <a:ext cx="5501158" cy="2862322"/>
+          </a:xfrm>
+          <a:prstGeom prst="rect">
+            <a:avLst/>
+          </a:prstGeom>
+          <a:noFill/>
+          <a:extLst>
+            <a:ext uri="{909E8E84-426E-40DD-AFC4-6F175D3DCCD1}">
+              <a14:hiddenFill xmlns:a14="http://schemas.microsoft.com/office/drawing/2010/main">
+                <a:solidFill>
+                  <a:srgbClr val="FFFFFF"/>
+                </a:solidFill>
+              </a14:hiddenFill>
+            </a:ext>
+          </a:extLst>
+        </p:spPr>
+      </p:pic>
+      <p:sp>
+        <p:nvSpPr>
+          <p:cNvPr id="7" name="TextBox 6">
+            <a:extLst>
+              <a:ext uri="{FF2B5EF4-FFF2-40B4-BE49-F238E27FC236}">
+                <a16:creationId xmlns:a16="http://schemas.microsoft.com/office/drawing/2014/main" id="{74D0A707-1D74-7F2E-4862-670E532600B9}"/>
+              </a:ext>
+            </a:extLst>
+          </p:cNvPr>
+          <p:cNvSpPr txBox="1"/>
+          <p:nvPr/>
+        </p:nvSpPr>
+        <p:spPr>
+          <a:xfrm>
+            <a:off x="609600" y="2973924"/>
+            <a:ext cx="6096000" cy="2862322"/>
+          </a:xfrm>
+          <a:prstGeom prst="rect">
+            <a:avLst/>
+          </a:prstGeom>
+          <a:noFill/>
+        </p:spPr>
+        <p:txBody>
+          <a:bodyPr wrap="square">
+            <a:spAutoFit/>
+          </a:bodyPr>
+          <a:lstStyle/>
+          <a:p>
+            <a:r>
+              <a:rPr lang="en-US" altLang="ko-KR" b="0" dirty="0">
+                <a:solidFill>
+                  <a:srgbClr val="0000FF"/>
+                </a:solidFill>
+                <a:effectLst/>
+                <a:latin typeface="Consolas" panose="020B0609020204030204" pitchFamily="49" charset="0"/>
+              </a:rPr>
+              <a:t>def</a:t>
+            </a:r>
+            <a:r>
+              <a:rPr lang="en-US" altLang="ko-KR" b="0" dirty="0">
+                <a:solidFill>
+                  <a:srgbClr val="000000"/>
+                </a:solidFill>
+                <a:effectLst/>
+                <a:latin typeface="Consolas" panose="020B0609020204030204" pitchFamily="49" charset="0"/>
+              </a:rPr>
+              <a:t> </a:t>
+            </a:r>
+            <a:r>
+              <a:rPr lang="en-US" altLang="ko-KR" b="0" dirty="0" err="1">
+                <a:solidFill>
+                  <a:srgbClr val="795E26"/>
+                </a:solidFill>
+                <a:effectLst/>
+                <a:latin typeface="Consolas" panose="020B0609020204030204" pitchFamily="49" charset="0"/>
+              </a:rPr>
+              <a:t>bfs</a:t>
+            </a:r>
+            <a:r>
+              <a:rPr lang="en-US" altLang="ko-KR" b="0" dirty="0">
+                <a:solidFill>
+                  <a:srgbClr val="000000"/>
+                </a:solidFill>
+                <a:effectLst/>
+                <a:latin typeface="Consolas" panose="020B0609020204030204" pitchFamily="49" charset="0"/>
+              </a:rPr>
+              <a:t>(</a:t>
+            </a:r>
+            <a:r>
+              <a:rPr lang="en-US" altLang="ko-KR" b="0" dirty="0">
+                <a:solidFill>
+                  <a:srgbClr val="001080"/>
+                </a:solidFill>
+                <a:effectLst/>
+                <a:latin typeface="Consolas" panose="020B0609020204030204" pitchFamily="49" charset="0"/>
+              </a:rPr>
+              <a:t>x</a:t>
+            </a:r>
+            <a:r>
+              <a:rPr lang="en-US" altLang="ko-KR" b="0" dirty="0">
+                <a:solidFill>
+                  <a:srgbClr val="000000"/>
+                </a:solidFill>
+                <a:effectLst/>
+                <a:latin typeface="Consolas" panose="020B0609020204030204" pitchFamily="49" charset="0"/>
+              </a:rPr>
+              <a:t>):</a:t>
+            </a:r>
+          </a:p>
+          <a:p>
+            <a:r>
+              <a:rPr lang="en-US" altLang="ko-KR" b="0" dirty="0">
+                <a:solidFill>
+                  <a:srgbClr val="000000"/>
+                </a:solidFill>
+                <a:effectLst/>
+                <a:latin typeface="Consolas" panose="020B0609020204030204" pitchFamily="49" charset="0"/>
+              </a:rPr>
+              <a:t>    </a:t>
+            </a:r>
+            <a:r>
+              <a:rPr lang="en-US" altLang="ko-KR" b="0" dirty="0">
+                <a:solidFill>
+                  <a:srgbClr val="001080"/>
+                </a:solidFill>
+                <a:effectLst/>
+                <a:latin typeface="Consolas" panose="020B0609020204030204" pitchFamily="49" charset="0"/>
+              </a:rPr>
+              <a:t>q</a:t>
+            </a:r>
+            <a:r>
+              <a:rPr lang="en-US" altLang="ko-KR" b="0" dirty="0">
+                <a:solidFill>
+                  <a:srgbClr val="000000"/>
+                </a:solidFill>
+                <a:effectLst/>
+                <a:latin typeface="Consolas" panose="020B0609020204030204" pitchFamily="49" charset="0"/>
+              </a:rPr>
+              <a:t> = </a:t>
+            </a:r>
+            <a:r>
+              <a:rPr lang="en-US" altLang="ko-KR" b="0" dirty="0">
+                <a:solidFill>
+                  <a:srgbClr val="267F99"/>
+                </a:solidFill>
+                <a:effectLst/>
+                <a:latin typeface="Consolas" panose="020B0609020204030204" pitchFamily="49" charset="0"/>
+              </a:rPr>
+              <a:t>deque</a:t>
+            </a:r>
+            <a:r>
+              <a:rPr lang="en-US" altLang="ko-KR" b="0" dirty="0">
+                <a:solidFill>
+                  <a:srgbClr val="000000"/>
+                </a:solidFill>
+                <a:effectLst/>
+                <a:latin typeface="Consolas" panose="020B0609020204030204" pitchFamily="49" charset="0"/>
+              </a:rPr>
+              <a:t>([</a:t>
+            </a:r>
+            <a:r>
+              <a:rPr lang="en-US" altLang="ko-KR" b="0" dirty="0">
+                <a:solidFill>
+                  <a:srgbClr val="001080"/>
+                </a:solidFill>
+                <a:effectLst/>
+                <a:latin typeface="Consolas" panose="020B0609020204030204" pitchFamily="49" charset="0"/>
+              </a:rPr>
+              <a:t>x</a:t>
+            </a:r>
+            <a:r>
+              <a:rPr lang="en-US" altLang="ko-KR" b="0" dirty="0">
+                <a:solidFill>
+                  <a:srgbClr val="000000"/>
+                </a:solidFill>
+                <a:effectLst/>
+                <a:latin typeface="Consolas" panose="020B0609020204030204" pitchFamily="49" charset="0"/>
+              </a:rPr>
+              <a:t>])</a:t>
+            </a:r>
+          </a:p>
+          <a:p>
+            <a:r>
+              <a:rPr lang="en-US" altLang="ko-KR" b="0" dirty="0">
+                <a:solidFill>
+                  <a:srgbClr val="000000"/>
+                </a:solidFill>
+                <a:effectLst/>
+                <a:latin typeface="Consolas" panose="020B0609020204030204" pitchFamily="49" charset="0"/>
+              </a:rPr>
+              <a:t>    </a:t>
+            </a:r>
+            <a:r>
+              <a:rPr lang="en-US" altLang="ko-KR" b="0" dirty="0">
+                <a:solidFill>
+                  <a:srgbClr val="001080"/>
+                </a:solidFill>
+                <a:effectLst/>
+                <a:latin typeface="Consolas" panose="020B0609020204030204" pitchFamily="49" charset="0"/>
+              </a:rPr>
+              <a:t>visited</a:t>
+            </a:r>
+            <a:r>
+              <a:rPr lang="en-US" altLang="ko-KR" b="0" dirty="0">
+                <a:solidFill>
+                  <a:srgbClr val="000000"/>
+                </a:solidFill>
+                <a:effectLst/>
+                <a:latin typeface="Consolas" panose="020B0609020204030204" pitchFamily="49" charset="0"/>
+              </a:rPr>
+              <a:t>[</a:t>
+            </a:r>
+            <a:r>
+              <a:rPr lang="en-US" altLang="ko-KR" b="0" dirty="0">
+                <a:solidFill>
+                  <a:srgbClr val="001080"/>
+                </a:solidFill>
+                <a:effectLst/>
+                <a:latin typeface="Consolas" panose="020B0609020204030204" pitchFamily="49" charset="0"/>
+              </a:rPr>
+              <a:t>x</a:t>
+            </a:r>
+            <a:r>
+              <a:rPr lang="en-US" altLang="ko-KR" b="0" dirty="0">
+                <a:solidFill>
+                  <a:srgbClr val="000000"/>
+                </a:solidFill>
+                <a:effectLst/>
+                <a:latin typeface="Consolas" panose="020B0609020204030204" pitchFamily="49" charset="0"/>
+              </a:rPr>
+              <a:t>] = </a:t>
+            </a:r>
+            <a:r>
+              <a:rPr lang="en-US" altLang="ko-KR" b="0" dirty="0">
+                <a:solidFill>
+                  <a:srgbClr val="0000FF"/>
+                </a:solidFill>
+                <a:effectLst/>
+                <a:latin typeface="Consolas" panose="020B0609020204030204" pitchFamily="49" charset="0"/>
+              </a:rPr>
+              <a:t>True</a:t>
+            </a:r>
+            <a:endParaRPr lang="en-US" altLang="ko-KR" b="0" dirty="0">
+              <a:solidFill>
+                <a:srgbClr val="000000"/>
+              </a:solidFill>
+              <a:effectLst/>
+              <a:latin typeface="Consolas" panose="020B0609020204030204" pitchFamily="49" charset="0"/>
+            </a:endParaRPr>
+          </a:p>
+          <a:p>
+            <a:r>
+              <a:rPr lang="en-US" altLang="ko-KR" b="0" dirty="0">
+                <a:solidFill>
+                  <a:srgbClr val="000000"/>
+                </a:solidFill>
+                <a:effectLst/>
+                <a:latin typeface="Consolas" panose="020B0609020204030204" pitchFamily="49" charset="0"/>
+              </a:rPr>
+              <a:t>    </a:t>
+            </a:r>
+            <a:r>
+              <a:rPr lang="en-US" altLang="ko-KR" b="0" dirty="0">
+                <a:solidFill>
+                  <a:srgbClr val="AF00DB"/>
+                </a:solidFill>
+                <a:effectLst/>
+                <a:latin typeface="Consolas" panose="020B0609020204030204" pitchFamily="49" charset="0"/>
+              </a:rPr>
+              <a:t>while</a:t>
+            </a:r>
+            <a:r>
+              <a:rPr lang="en-US" altLang="ko-KR" b="0" dirty="0">
+                <a:solidFill>
+                  <a:srgbClr val="000000"/>
+                </a:solidFill>
+                <a:effectLst/>
+                <a:latin typeface="Consolas" panose="020B0609020204030204" pitchFamily="49" charset="0"/>
+              </a:rPr>
+              <a:t> </a:t>
+            </a:r>
+            <a:r>
+              <a:rPr lang="en-US" altLang="ko-KR" b="0" dirty="0">
+                <a:solidFill>
+                  <a:srgbClr val="001080"/>
+                </a:solidFill>
+                <a:effectLst/>
+                <a:latin typeface="Consolas" panose="020B0609020204030204" pitchFamily="49" charset="0"/>
+              </a:rPr>
+              <a:t>q</a:t>
+            </a:r>
+            <a:r>
+              <a:rPr lang="en-US" altLang="ko-KR" b="0" dirty="0">
+                <a:solidFill>
+                  <a:srgbClr val="000000"/>
+                </a:solidFill>
+                <a:effectLst/>
+                <a:latin typeface="Consolas" panose="020B0609020204030204" pitchFamily="49" charset="0"/>
+              </a:rPr>
+              <a:t>:</a:t>
+            </a:r>
+          </a:p>
+          <a:p>
+            <a:r>
+              <a:rPr lang="en-US" altLang="ko-KR" b="0" dirty="0">
+                <a:solidFill>
+                  <a:srgbClr val="000000"/>
+                </a:solidFill>
+                <a:effectLst/>
+                <a:latin typeface="Consolas" panose="020B0609020204030204" pitchFamily="49" charset="0"/>
+              </a:rPr>
+              <a:t>        </a:t>
+            </a:r>
+            <a:r>
+              <a:rPr lang="en-US" altLang="ko-KR" b="0" dirty="0">
+                <a:solidFill>
+                  <a:srgbClr val="001080"/>
+                </a:solidFill>
+                <a:effectLst/>
+                <a:latin typeface="Consolas" panose="020B0609020204030204" pitchFamily="49" charset="0"/>
+              </a:rPr>
+              <a:t>x</a:t>
+            </a:r>
+            <a:r>
+              <a:rPr lang="en-US" altLang="ko-KR" b="0" dirty="0">
+                <a:solidFill>
+                  <a:srgbClr val="000000"/>
+                </a:solidFill>
+                <a:effectLst/>
+                <a:latin typeface="Consolas" panose="020B0609020204030204" pitchFamily="49" charset="0"/>
+              </a:rPr>
+              <a:t> = </a:t>
+            </a:r>
+            <a:r>
+              <a:rPr lang="en-US" altLang="ko-KR" b="0" dirty="0" err="1">
+                <a:solidFill>
+                  <a:srgbClr val="001080"/>
+                </a:solidFill>
+                <a:effectLst/>
+                <a:latin typeface="Consolas" panose="020B0609020204030204" pitchFamily="49" charset="0"/>
+              </a:rPr>
+              <a:t>q</a:t>
+            </a:r>
+            <a:r>
+              <a:rPr lang="en-US" altLang="ko-KR" b="0" dirty="0" err="1">
+                <a:solidFill>
+                  <a:srgbClr val="000000"/>
+                </a:solidFill>
+                <a:effectLst/>
+                <a:latin typeface="Consolas" panose="020B0609020204030204" pitchFamily="49" charset="0"/>
+              </a:rPr>
+              <a:t>.</a:t>
+            </a:r>
+            <a:r>
+              <a:rPr lang="en-US" altLang="ko-KR" b="0" dirty="0" err="1">
+                <a:solidFill>
+                  <a:srgbClr val="795E26"/>
+                </a:solidFill>
+                <a:effectLst/>
+                <a:latin typeface="Consolas" panose="020B0609020204030204" pitchFamily="49" charset="0"/>
+              </a:rPr>
+              <a:t>popleft</a:t>
+            </a:r>
+            <a:r>
+              <a:rPr lang="en-US" altLang="ko-KR" b="0" dirty="0">
+                <a:solidFill>
+                  <a:srgbClr val="000000"/>
+                </a:solidFill>
+                <a:effectLst/>
+                <a:latin typeface="Consolas" panose="020B0609020204030204" pitchFamily="49" charset="0"/>
+              </a:rPr>
+              <a:t>()</a:t>
+            </a:r>
+          </a:p>
+          <a:p>
+            <a:r>
+              <a:rPr lang="en-US" altLang="ko-KR" b="0" dirty="0">
+                <a:solidFill>
+                  <a:srgbClr val="000000"/>
+                </a:solidFill>
+                <a:effectLst/>
+                <a:latin typeface="Consolas" panose="020B0609020204030204" pitchFamily="49" charset="0"/>
+              </a:rPr>
+              <a:t>        </a:t>
+            </a:r>
+            <a:r>
+              <a:rPr lang="en-US" altLang="ko-KR" b="0" dirty="0">
+                <a:solidFill>
+                  <a:srgbClr val="795E26"/>
+                </a:solidFill>
+                <a:effectLst/>
+                <a:latin typeface="Consolas" panose="020B0609020204030204" pitchFamily="49" charset="0"/>
+              </a:rPr>
+              <a:t>print</a:t>
+            </a:r>
+            <a:r>
+              <a:rPr lang="en-US" altLang="ko-KR" b="0" dirty="0">
+                <a:solidFill>
+                  <a:srgbClr val="000000"/>
+                </a:solidFill>
+                <a:effectLst/>
+                <a:latin typeface="Consolas" panose="020B0609020204030204" pitchFamily="49" charset="0"/>
+              </a:rPr>
+              <a:t>(</a:t>
+            </a:r>
+            <a:r>
+              <a:rPr lang="en-US" altLang="ko-KR" b="0" dirty="0">
+                <a:solidFill>
+                  <a:srgbClr val="001080"/>
+                </a:solidFill>
+                <a:effectLst/>
+                <a:latin typeface="Consolas" panose="020B0609020204030204" pitchFamily="49" charset="0"/>
+              </a:rPr>
+              <a:t>x</a:t>
+            </a:r>
+            <a:r>
+              <a:rPr lang="en-US" altLang="ko-KR" b="0" dirty="0">
+                <a:solidFill>
+                  <a:srgbClr val="000000"/>
+                </a:solidFill>
+                <a:effectLst/>
+                <a:latin typeface="Consolas" panose="020B0609020204030204" pitchFamily="49" charset="0"/>
+              </a:rPr>
+              <a:t>, </a:t>
+            </a:r>
+            <a:r>
+              <a:rPr lang="en-US" altLang="ko-KR" b="0" dirty="0">
+                <a:solidFill>
+                  <a:srgbClr val="001080"/>
+                </a:solidFill>
+                <a:effectLst/>
+                <a:latin typeface="Consolas" panose="020B0609020204030204" pitchFamily="49" charset="0"/>
+              </a:rPr>
+              <a:t>end</a:t>
+            </a:r>
+            <a:r>
+              <a:rPr lang="en-US" altLang="ko-KR" b="0" dirty="0">
+                <a:solidFill>
+                  <a:srgbClr val="000000"/>
+                </a:solidFill>
+                <a:effectLst/>
+                <a:latin typeface="Consolas" panose="020B0609020204030204" pitchFamily="49" charset="0"/>
+              </a:rPr>
+              <a:t>=</a:t>
+            </a:r>
+            <a:r>
+              <a:rPr lang="en-US" altLang="ko-KR" b="0" dirty="0">
+                <a:solidFill>
+                  <a:srgbClr val="A31515"/>
+                </a:solidFill>
+                <a:effectLst/>
+                <a:latin typeface="Consolas" panose="020B0609020204030204" pitchFamily="49" charset="0"/>
+              </a:rPr>
+              <a:t>' '</a:t>
+            </a:r>
+            <a:r>
+              <a:rPr lang="en-US" altLang="ko-KR" b="0" dirty="0">
+                <a:solidFill>
+                  <a:srgbClr val="000000"/>
+                </a:solidFill>
+                <a:effectLst/>
+                <a:latin typeface="Consolas" panose="020B0609020204030204" pitchFamily="49" charset="0"/>
+              </a:rPr>
+              <a:t>)</a:t>
+            </a:r>
+          </a:p>
+          <a:p>
+            <a:r>
+              <a:rPr lang="en-US" altLang="ko-KR" b="0" dirty="0">
+                <a:solidFill>
+                  <a:srgbClr val="000000"/>
+                </a:solidFill>
+                <a:effectLst/>
+                <a:latin typeface="Consolas" panose="020B0609020204030204" pitchFamily="49" charset="0"/>
+              </a:rPr>
+              <a:t>        </a:t>
+            </a:r>
+            <a:r>
+              <a:rPr lang="en-US" altLang="ko-KR" b="0" dirty="0">
+                <a:solidFill>
+                  <a:srgbClr val="AF00DB"/>
+                </a:solidFill>
+                <a:effectLst/>
+                <a:latin typeface="Consolas" panose="020B0609020204030204" pitchFamily="49" charset="0"/>
+              </a:rPr>
+              <a:t>for</a:t>
+            </a:r>
+            <a:r>
+              <a:rPr lang="en-US" altLang="ko-KR" b="0" dirty="0">
+                <a:solidFill>
+                  <a:srgbClr val="000000"/>
+                </a:solidFill>
+                <a:effectLst/>
+                <a:latin typeface="Consolas" panose="020B0609020204030204" pitchFamily="49" charset="0"/>
+              </a:rPr>
+              <a:t> </a:t>
+            </a:r>
+            <a:r>
+              <a:rPr lang="en-US" altLang="ko-KR" b="0" dirty="0">
+                <a:solidFill>
+                  <a:srgbClr val="001080"/>
+                </a:solidFill>
+                <a:effectLst/>
+                <a:latin typeface="Consolas" panose="020B0609020204030204" pitchFamily="49" charset="0"/>
+              </a:rPr>
+              <a:t>y</a:t>
+            </a:r>
+            <a:r>
+              <a:rPr lang="en-US" altLang="ko-KR" b="0" dirty="0">
+                <a:solidFill>
+                  <a:srgbClr val="000000"/>
+                </a:solidFill>
+                <a:effectLst/>
+                <a:latin typeface="Consolas" panose="020B0609020204030204" pitchFamily="49" charset="0"/>
+              </a:rPr>
+              <a:t> </a:t>
+            </a:r>
+            <a:r>
+              <a:rPr lang="en-US" altLang="ko-KR" b="0" dirty="0">
+                <a:solidFill>
+                  <a:srgbClr val="AF00DB"/>
+                </a:solidFill>
+                <a:effectLst/>
+                <a:latin typeface="Consolas" panose="020B0609020204030204" pitchFamily="49" charset="0"/>
+              </a:rPr>
+              <a:t>in</a:t>
+            </a:r>
+            <a:r>
+              <a:rPr lang="en-US" altLang="ko-KR" b="0" dirty="0">
+                <a:solidFill>
+                  <a:srgbClr val="000000"/>
+                </a:solidFill>
+                <a:effectLst/>
+                <a:latin typeface="Consolas" panose="020B0609020204030204" pitchFamily="49" charset="0"/>
+              </a:rPr>
+              <a:t> </a:t>
+            </a:r>
+            <a:r>
+              <a:rPr lang="en-US" altLang="ko-KR" b="0" dirty="0">
+                <a:solidFill>
+                  <a:srgbClr val="001080"/>
+                </a:solidFill>
+                <a:effectLst/>
+                <a:latin typeface="Consolas" panose="020B0609020204030204" pitchFamily="49" charset="0"/>
+              </a:rPr>
+              <a:t>graph</a:t>
+            </a:r>
+            <a:r>
+              <a:rPr lang="en-US" altLang="ko-KR" b="0" dirty="0">
+                <a:solidFill>
+                  <a:srgbClr val="000000"/>
+                </a:solidFill>
+                <a:effectLst/>
+                <a:latin typeface="Consolas" panose="020B0609020204030204" pitchFamily="49" charset="0"/>
+              </a:rPr>
+              <a:t>[</a:t>
+            </a:r>
+            <a:r>
+              <a:rPr lang="en-US" altLang="ko-KR" b="0" dirty="0">
+                <a:solidFill>
+                  <a:srgbClr val="001080"/>
+                </a:solidFill>
+                <a:effectLst/>
+                <a:latin typeface="Consolas" panose="020B0609020204030204" pitchFamily="49" charset="0"/>
+              </a:rPr>
+              <a:t>x</a:t>
+            </a:r>
+            <a:r>
+              <a:rPr lang="en-US" altLang="ko-KR" b="0" dirty="0">
+                <a:solidFill>
+                  <a:srgbClr val="000000"/>
+                </a:solidFill>
+                <a:effectLst/>
+                <a:latin typeface="Consolas" panose="020B0609020204030204" pitchFamily="49" charset="0"/>
+              </a:rPr>
+              <a:t>]:</a:t>
+            </a:r>
+          </a:p>
+          <a:p>
+            <a:r>
+              <a:rPr lang="en-US" altLang="ko-KR" b="0" dirty="0">
+                <a:solidFill>
+                  <a:srgbClr val="000000"/>
+                </a:solidFill>
+                <a:effectLst/>
+                <a:latin typeface="Consolas" panose="020B0609020204030204" pitchFamily="49" charset="0"/>
+              </a:rPr>
+              <a:t>            </a:t>
+            </a:r>
+            <a:r>
+              <a:rPr lang="en-US" altLang="ko-KR" b="0" dirty="0">
+                <a:solidFill>
+                  <a:srgbClr val="AF00DB"/>
+                </a:solidFill>
+                <a:effectLst/>
+                <a:latin typeface="Consolas" panose="020B0609020204030204" pitchFamily="49" charset="0"/>
+              </a:rPr>
+              <a:t>if</a:t>
+            </a:r>
+            <a:r>
+              <a:rPr lang="en-US" altLang="ko-KR" b="0" dirty="0">
+                <a:solidFill>
+                  <a:srgbClr val="000000"/>
+                </a:solidFill>
+                <a:effectLst/>
+                <a:latin typeface="Consolas" panose="020B0609020204030204" pitchFamily="49" charset="0"/>
+              </a:rPr>
+              <a:t> </a:t>
+            </a:r>
+            <a:r>
+              <a:rPr lang="en-US" altLang="ko-KR" b="0" dirty="0">
+                <a:solidFill>
+                  <a:srgbClr val="0000FF"/>
+                </a:solidFill>
+                <a:effectLst/>
+                <a:latin typeface="Consolas" panose="020B0609020204030204" pitchFamily="49" charset="0"/>
+              </a:rPr>
+              <a:t>not</a:t>
+            </a:r>
+            <a:r>
+              <a:rPr lang="en-US" altLang="ko-KR" b="0" dirty="0">
+                <a:solidFill>
+                  <a:srgbClr val="000000"/>
+                </a:solidFill>
+                <a:effectLst/>
+                <a:latin typeface="Consolas" panose="020B0609020204030204" pitchFamily="49" charset="0"/>
+              </a:rPr>
+              <a:t> </a:t>
+            </a:r>
+            <a:r>
+              <a:rPr lang="en-US" altLang="ko-KR" b="0" dirty="0">
+                <a:solidFill>
+                  <a:srgbClr val="001080"/>
+                </a:solidFill>
+                <a:effectLst/>
+                <a:latin typeface="Consolas" panose="020B0609020204030204" pitchFamily="49" charset="0"/>
+              </a:rPr>
+              <a:t>visited</a:t>
+            </a:r>
+            <a:r>
+              <a:rPr lang="en-US" altLang="ko-KR" b="0" dirty="0">
+                <a:solidFill>
+                  <a:srgbClr val="000000"/>
+                </a:solidFill>
+                <a:effectLst/>
+                <a:latin typeface="Consolas" panose="020B0609020204030204" pitchFamily="49" charset="0"/>
+              </a:rPr>
+              <a:t>[</a:t>
+            </a:r>
+            <a:r>
+              <a:rPr lang="en-US" altLang="ko-KR" b="0" dirty="0">
+                <a:solidFill>
+                  <a:srgbClr val="001080"/>
+                </a:solidFill>
+                <a:effectLst/>
+                <a:latin typeface="Consolas" panose="020B0609020204030204" pitchFamily="49" charset="0"/>
+              </a:rPr>
+              <a:t>y</a:t>
+            </a:r>
+            <a:r>
+              <a:rPr lang="en-US" altLang="ko-KR" b="0" dirty="0">
+                <a:solidFill>
+                  <a:srgbClr val="000000"/>
+                </a:solidFill>
+                <a:effectLst/>
+                <a:latin typeface="Consolas" panose="020B0609020204030204" pitchFamily="49" charset="0"/>
+              </a:rPr>
+              <a:t>]:</a:t>
+            </a:r>
+          </a:p>
+          <a:p>
+            <a:r>
+              <a:rPr lang="en-US" altLang="ko-KR" b="0" dirty="0">
+                <a:solidFill>
+                  <a:srgbClr val="000000"/>
+                </a:solidFill>
+                <a:effectLst/>
+                <a:latin typeface="Consolas" panose="020B0609020204030204" pitchFamily="49" charset="0"/>
+              </a:rPr>
+              <a:t>                </a:t>
+            </a:r>
+            <a:r>
+              <a:rPr lang="en-US" altLang="ko-KR" b="0" dirty="0" err="1">
+                <a:solidFill>
+                  <a:srgbClr val="001080"/>
+                </a:solidFill>
+                <a:effectLst/>
+                <a:latin typeface="Consolas" panose="020B0609020204030204" pitchFamily="49" charset="0"/>
+              </a:rPr>
+              <a:t>q</a:t>
+            </a:r>
+            <a:r>
+              <a:rPr lang="en-US" altLang="ko-KR" b="0" dirty="0" err="1">
+                <a:solidFill>
+                  <a:srgbClr val="000000"/>
+                </a:solidFill>
+                <a:effectLst/>
+                <a:latin typeface="Consolas" panose="020B0609020204030204" pitchFamily="49" charset="0"/>
+              </a:rPr>
+              <a:t>.</a:t>
+            </a:r>
+            <a:r>
+              <a:rPr lang="en-US" altLang="ko-KR" b="0" dirty="0" err="1">
+                <a:solidFill>
+                  <a:srgbClr val="795E26"/>
+                </a:solidFill>
+                <a:effectLst/>
+                <a:latin typeface="Consolas" panose="020B0609020204030204" pitchFamily="49" charset="0"/>
+              </a:rPr>
+              <a:t>append</a:t>
+            </a:r>
+            <a:r>
+              <a:rPr lang="en-US" altLang="ko-KR" b="0" dirty="0">
+                <a:solidFill>
+                  <a:srgbClr val="000000"/>
+                </a:solidFill>
+                <a:effectLst/>
+                <a:latin typeface="Consolas" panose="020B0609020204030204" pitchFamily="49" charset="0"/>
+              </a:rPr>
+              <a:t>(</a:t>
+            </a:r>
+            <a:r>
+              <a:rPr lang="en-US" altLang="ko-KR" b="0" dirty="0">
+                <a:solidFill>
+                  <a:srgbClr val="001080"/>
+                </a:solidFill>
+                <a:effectLst/>
+                <a:latin typeface="Consolas" panose="020B0609020204030204" pitchFamily="49" charset="0"/>
+              </a:rPr>
+              <a:t>y</a:t>
+            </a:r>
+            <a:r>
+              <a:rPr lang="en-US" altLang="ko-KR" b="0" dirty="0">
+                <a:solidFill>
+                  <a:srgbClr val="000000"/>
+                </a:solidFill>
+                <a:effectLst/>
+                <a:latin typeface="Consolas" panose="020B0609020204030204" pitchFamily="49" charset="0"/>
+              </a:rPr>
+              <a:t>)</a:t>
+            </a:r>
+          </a:p>
+          <a:p>
+            <a:r>
+              <a:rPr lang="en-US" altLang="ko-KR" b="0" dirty="0">
+                <a:solidFill>
+                  <a:srgbClr val="000000"/>
+                </a:solidFill>
+                <a:effectLst/>
+                <a:latin typeface="Consolas" panose="020B0609020204030204" pitchFamily="49" charset="0"/>
+              </a:rPr>
+              <a:t>                </a:t>
+            </a:r>
+            <a:r>
+              <a:rPr lang="en-US" altLang="ko-KR" b="0" dirty="0">
+                <a:solidFill>
+                  <a:srgbClr val="001080"/>
+                </a:solidFill>
+                <a:effectLst/>
+                <a:latin typeface="Consolas" panose="020B0609020204030204" pitchFamily="49" charset="0"/>
+              </a:rPr>
+              <a:t>visited</a:t>
+            </a:r>
+            <a:r>
+              <a:rPr lang="en-US" altLang="ko-KR" b="0" dirty="0">
+                <a:solidFill>
+                  <a:srgbClr val="000000"/>
+                </a:solidFill>
+                <a:effectLst/>
+                <a:latin typeface="Consolas" panose="020B0609020204030204" pitchFamily="49" charset="0"/>
+              </a:rPr>
+              <a:t>[</a:t>
+            </a:r>
+            <a:r>
+              <a:rPr lang="en-US" altLang="ko-KR" b="0" dirty="0">
+                <a:solidFill>
+                  <a:srgbClr val="001080"/>
+                </a:solidFill>
+                <a:effectLst/>
+                <a:latin typeface="Consolas" panose="020B0609020204030204" pitchFamily="49" charset="0"/>
+              </a:rPr>
+              <a:t>y</a:t>
+            </a:r>
+            <a:r>
+              <a:rPr lang="en-US" altLang="ko-KR" b="0" dirty="0">
+                <a:solidFill>
+                  <a:srgbClr val="000000"/>
+                </a:solidFill>
+                <a:effectLst/>
+                <a:latin typeface="Consolas" panose="020B0609020204030204" pitchFamily="49" charset="0"/>
+              </a:rPr>
+              <a:t>] = </a:t>
+            </a:r>
+            <a:r>
+              <a:rPr lang="en-US" altLang="ko-KR" b="0" dirty="0">
+                <a:solidFill>
+                  <a:srgbClr val="0000FF"/>
+                </a:solidFill>
+                <a:effectLst/>
+                <a:latin typeface="Consolas" panose="020B0609020204030204" pitchFamily="49" charset="0"/>
+              </a:rPr>
+              <a:t>True</a:t>
+            </a:r>
+            <a:endParaRPr lang="en-US" altLang="ko-KR" b="0" dirty="0">
+              <a:solidFill>
+                <a:srgbClr val="000000"/>
+              </a:solidFill>
+              <a:effectLst/>
+              <a:latin typeface="Consolas" panose="020B0609020204030204" pitchFamily="49" charset="0"/>
+            </a:endParaRPr>
+          </a:p>
+        </p:txBody>
+      </p:sp>
+    </p:spTree>
+    <p:extLst>
+      <p:ext uri="{BB962C8B-B14F-4D97-AF65-F5344CB8AC3E}">
+        <p14:creationId xmlns:p14="http://schemas.microsoft.com/office/powerpoint/2010/main" val="1381487637"/>
+      </p:ext>
+    </p:extLst>
+  </p:cSld>
+  <p:clrMapOvr>
+    <a:masterClrMapping/>
+  </p:clrMapOvr>
+</p:sld>
+</file>
+
+<file path=ppt/slides/slide13.xml><?xml version="1.0" encoding="utf-8"?>
+<p:sld xmlns:a="http://schemas.openxmlformats.org/drawingml/2006/main" xmlns:r="http://schemas.openxmlformats.org/officeDocument/2006/relationships" xmlns:p="http://schemas.openxmlformats.org/presentationml/2006/main">
+  <p:cSld>
+    <p:spTree>
+      <p:nvGrpSpPr>
+        <p:cNvPr id="1" name=""/>
+        <p:cNvGrpSpPr/>
+        <p:nvPr/>
+      </p:nvGrpSpPr>
+      <p:grpSpPr>
+        <a:xfrm>
+          <a:off x="0" y="0"/>
+          <a:ext cx="0" cy="0"/>
+          <a:chOff x="0" y="0"/>
+          <a:chExt cx="0" cy="0"/>
+        </a:xfrm>
+      </p:grpSpPr>
+      <p:sp>
+        <p:nvSpPr>
+          <p:cNvPr id="2" name="TextBox 1">
+            <a:extLst>
+              <a:ext uri="{FF2B5EF4-FFF2-40B4-BE49-F238E27FC236}">
+                <a16:creationId xmlns:a16="http://schemas.microsoft.com/office/drawing/2014/main" id="{55BB2B3D-7EFE-4E80-80D2-F23079C3D781}"/>
+              </a:ext>
+            </a:extLst>
+          </p:cNvPr>
+          <p:cNvSpPr txBox="1"/>
+          <p:nvPr/>
+        </p:nvSpPr>
+        <p:spPr>
+          <a:xfrm>
+            <a:off x="351622" y="381178"/>
+            <a:ext cx="11840378" cy="6247864"/>
+          </a:xfrm>
+          <a:prstGeom prst="rect">
+            <a:avLst/>
+          </a:prstGeom>
+          <a:noFill/>
+        </p:spPr>
+        <p:txBody>
+          <a:bodyPr wrap="square" rtlCol="0">
+            <a:spAutoFit/>
+          </a:bodyPr>
+          <a:lstStyle/>
+          <a:p>
+            <a:r>
+              <a:rPr lang="en-US" altLang="ko-KR" sz="2000" b="1" dirty="0"/>
+              <a:t>[</a:t>
+            </a:r>
+            <a:r>
+              <a:rPr lang="ko-KR" altLang="en-US" sz="2000" b="1" dirty="0"/>
+              <a:t>그래프 탐색</a:t>
+            </a:r>
+            <a:r>
+              <a:rPr lang="en-US" altLang="ko-KR" sz="2000" b="1" dirty="0"/>
+              <a:t>]</a:t>
+            </a:r>
+          </a:p>
+          <a:p>
+            <a:endParaRPr lang="en-US" altLang="ko-KR" sz="2000" dirty="0"/>
+          </a:p>
+          <a:p>
+            <a:r>
+              <a:rPr lang="en-US" altLang="ko-KR" sz="2000" b="1" dirty="0"/>
+              <a:t>DFS</a:t>
+            </a:r>
+            <a:r>
+              <a:rPr lang="en-US" altLang="ko-KR" sz="2000" dirty="0"/>
+              <a:t>, </a:t>
+            </a:r>
+            <a:r>
+              <a:rPr lang="ko-KR" altLang="en-US" sz="2000" dirty="0"/>
+              <a:t>깊이 우선 탐색</a:t>
+            </a:r>
+            <a:endParaRPr lang="en-US" altLang="ko-KR" sz="2000" dirty="0"/>
+          </a:p>
+          <a:p>
+            <a:r>
+              <a:rPr lang="ko-KR" altLang="en-US" sz="2000" dirty="0"/>
+              <a:t>정점을 기준으로 간선이 연결되어 있는 정점들 중 하나를 선택해 이동하고 </a:t>
+            </a:r>
+            <a:endParaRPr lang="en-US" altLang="ko-KR" sz="2000" dirty="0"/>
+          </a:p>
+          <a:p>
+            <a:r>
+              <a:rPr lang="ko-KR" altLang="en-US" sz="2000" dirty="0"/>
+              <a:t>다시 이동한 정점을 기준으로 다시 인접 정점 선택</a:t>
+            </a:r>
+            <a:r>
+              <a:rPr lang="en-US" altLang="ko-KR" sz="2000" dirty="0"/>
+              <a:t>.</a:t>
+            </a:r>
+          </a:p>
+          <a:p>
+            <a:r>
+              <a:rPr lang="ko-KR" altLang="en-US" sz="2000" dirty="0"/>
+              <a:t>간선을 따라 찾고자 하는 정점을 만날 때까지 진행하고 찾지 못하면 다시 이전 정점으로 돌아와 반복</a:t>
+            </a:r>
+            <a:endParaRPr lang="en-US" altLang="ko-KR" sz="2000" dirty="0"/>
+          </a:p>
+          <a:p>
+            <a:r>
+              <a:rPr lang="ko-KR" altLang="en-US" sz="2000" dirty="0">
+                <a:highlight>
+                  <a:srgbClr val="FFFF00"/>
+                </a:highlight>
+              </a:rPr>
+              <a:t>재귀함수 또는 </a:t>
+            </a:r>
+            <a:r>
+              <a:rPr lang="en-US" altLang="ko-KR" sz="2000" dirty="0">
+                <a:highlight>
+                  <a:srgbClr val="FFFF00"/>
+                </a:highlight>
+              </a:rPr>
+              <a:t>Stack </a:t>
+            </a:r>
+            <a:r>
+              <a:rPr lang="ko-KR" altLang="en-US" sz="2000" dirty="0">
+                <a:highlight>
+                  <a:srgbClr val="FFFF00"/>
+                </a:highlight>
+              </a:rPr>
+              <a:t>으로 구현</a:t>
+            </a:r>
+            <a:r>
+              <a:rPr lang="en-US" altLang="ko-KR" sz="2000" dirty="0">
+                <a:highlight>
+                  <a:srgbClr val="FFFF00"/>
+                </a:highlight>
+              </a:rPr>
+              <a:t>,</a:t>
+            </a:r>
+            <a:r>
+              <a:rPr lang="en-US" altLang="ko-KR" sz="2000" dirty="0"/>
+              <a:t> </a:t>
+            </a:r>
+            <a:r>
+              <a:rPr lang="ko-KR" altLang="en-US" sz="2000" dirty="0"/>
+              <a:t>재귀 함수 이용하는 것이 가장 보편적이고 짧은 코드 작성</a:t>
+            </a:r>
+            <a:endParaRPr lang="en-US" altLang="ko-KR" sz="2000" dirty="0"/>
+          </a:p>
+          <a:p>
+            <a:endParaRPr lang="en-US" altLang="ko-KR" sz="2000" dirty="0">
+              <a:highlight>
+                <a:srgbClr val="FFFF00"/>
+              </a:highlight>
+            </a:endParaRPr>
+          </a:p>
+          <a:p>
+            <a:endParaRPr lang="en-US" altLang="ko-KR" sz="2000" dirty="0">
+              <a:highlight>
+                <a:srgbClr val="FFFF00"/>
+              </a:highlight>
+            </a:endParaRPr>
+          </a:p>
+          <a:p>
+            <a:endParaRPr lang="en-US" altLang="ko-KR" sz="2000" dirty="0">
+              <a:highlight>
+                <a:srgbClr val="FFFF00"/>
+              </a:highlight>
+            </a:endParaRPr>
+          </a:p>
+          <a:p>
+            <a:endParaRPr lang="en-US" altLang="ko-KR" sz="2000" dirty="0">
+              <a:highlight>
+                <a:srgbClr val="FFFF00"/>
+              </a:highlight>
+            </a:endParaRPr>
+          </a:p>
+          <a:p>
+            <a:endParaRPr lang="en-US" altLang="ko-KR" sz="2000" dirty="0">
+              <a:highlight>
+                <a:srgbClr val="FFFF00"/>
+              </a:highlight>
+            </a:endParaRPr>
+          </a:p>
+          <a:p>
+            <a:endParaRPr lang="en-US" altLang="ko-KR" sz="2000" dirty="0">
+              <a:highlight>
+                <a:srgbClr val="FFFF00"/>
+              </a:highlight>
+            </a:endParaRPr>
+          </a:p>
+          <a:p>
+            <a:endParaRPr lang="en-US" altLang="ko-KR" sz="2000" dirty="0">
+              <a:highlight>
+                <a:srgbClr val="FFFF00"/>
+              </a:highlight>
+            </a:endParaRPr>
+          </a:p>
+          <a:p>
+            <a:r>
+              <a:rPr lang="en-US" altLang="ko-KR" sz="2000" dirty="0"/>
+              <a:t>DFS</a:t>
+            </a:r>
+            <a:r>
+              <a:rPr lang="ko-KR" altLang="en-US" sz="2000" dirty="0"/>
+              <a:t>가 </a:t>
+            </a:r>
+            <a:r>
+              <a:rPr lang="en-US" altLang="ko-KR" sz="2000" dirty="0"/>
+              <a:t>BFS</a:t>
+            </a:r>
+            <a:r>
+              <a:rPr lang="ko-KR" altLang="en-US" sz="2000" dirty="0"/>
+              <a:t>보다 좀 더 간단</a:t>
+            </a:r>
+            <a:endParaRPr lang="en-US" altLang="ko-KR" sz="2000" dirty="0"/>
+          </a:p>
+          <a:p>
+            <a:r>
+              <a:rPr lang="ko-KR" altLang="en-US" sz="2000" dirty="0"/>
+              <a:t>검색 속도 자체는 </a:t>
+            </a:r>
+            <a:r>
+              <a:rPr lang="en-US" altLang="ko-KR" sz="2000" dirty="0"/>
+              <a:t>BFS</a:t>
+            </a:r>
+            <a:r>
+              <a:rPr lang="ko-KR" altLang="en-US" sz="2000" dirty="0"/>
+              <a:t>가 빠름</a:t>
+            </a:r>
+            <a:endParaRPr lang="en-US" altLang="ko-KR" sz="2000" dirty="0"/>
+          </a:p>
+          <a:p>
+            <a:r>
+              <a:rPr lang="ko-KR" altLang="en-US" sz="2000" dirty="0"/>
+              <a:t>두 방식 모두 조건 내의 모든 노드 검색하므로 </a:t>
+            </a:r>
+            <a:r>
+              <a:rPr lang="ko-KR" altLang="en-US" sz="2000" dirty="0" err="1"/>
+              <a:t>시간복잡도는</a:t>
+            </a:r>
+            <a:r>
+              <a:rPr lang="ko-KR" altLang="en-US" sz="2000" dirty="0"/>
+              <a:t> 동일</a:t>
+            </a:r>
+            <a:endParaRPr lang="en-US" altLang="ko-KR" sz="2000" dirty="0"/>
+          </a:p>
+          <a:p>
+            <a:r>
+              <a:rPr lang="en-US" altLang="ko-KR" sz="2000" dirty="0"/>
+              <a:t>	</a:t>
+            </a:r>
+            <a:r>
+              <a:rPr lang="ko-KR" altLang="en-US" sz="2000" dirty="0"/>
+              <a:t>인접 리스트</a:t>
+            </a:r>
+            <a:r>
+              <a:rPr lang="en-US" altLang="ko-KR" sz="2000" dirty="0"/>
+              <a:t>: O(N+E)</a:t>
+            </a:r>
+          </a:p>
+          <a:p>
+            <a:r>
+              <a:rPr lang="en-US" altLang="ko-KR" sz="2000" dirty="0"/>
+              <a:t>	</a:t>
+            </a:r>
+            <a:r>
+              <a:rPr lang="ko-KR" altLang="en-US" sz="2000" dirty="0"/>
+              <a:t>인접 행렬</a:t>
+            </a:r>
+            <a:r>
+              <a:rPr lang="en-US" altLang="ko-KR" sz="2000" dirty="0"/>
+              <a:t>: O(N^2)</a:t>
+            </a:r>
+          </a:p>
+          <a:p>
+            <a:r>
+              <a:rPr lang="en-US" altLang="ko-KR" sz="2000" dirty="0"/>
+              <a:t>	</a:t>
+            </a:r>
+            <a:r>
+              <a:rPr lang="ko-KR" altLang="en-US" sz="2000" dirty="0"/>
+              <a:t>일반적으로 </a:t>
+            </a:r>
+            <a:r>
+              <a:rPr lang="en-US" altLang="ko-KR" sz="2000" dirty="0"/>
+              <a:t>E&lt;N^2</a:t>
+            </a:r>
+            <a:r>
+              <a:rPr lang="ko-KR" altLang="en-US" sz="2000" dirty="0"/>
+              <a:t>이므로 인접 리스트 방식이 효율적</a:t>
+            </a:r>
+            <a:endParaRPr lang="en-US" altLang="ko-KR" sz="2000" dirty="0"/>
+          </a:p>
+        </p:txBody>
+      </p:sp>
+      <p:pic>
+        <p:nvPicPr>
+          <p:cNvPr id="1030" name="Picture 6">
+            <a:extLst>
+              <a:ext uri="{FF2B5EF4-FFF2-40B4-BE49-F238E27FC236}">
+                <a16:creationId xmlns:a16="http://schemas.microsoft.com/office/drawing/2014/main" id="{1EE9ECCB-991C-B02A-54E1-F02F4F02ED81}"/>
+              </a:ext>
+            </a:extLst>
+          </p:cNvPr>
+          <p:cNvPicPr>
+            <a:picLocks noChangeAspect="1" noChangeArrowheads="1"/>
+          </p:cNvPicPr>
+          <p:nvPr/>
+        </p:nvPicPr>
+        <p:blipFill>
+          <a:blip r:embed="rId3">
+            <a:extLst>
+              <a:ext uri="{28A0092B-C50C-407E-A947-70E740481C1C}">
+                <a14:useLocalDpi xmlns:a14="http://schemas.microsoft.com/office/drawing/2010/main" val="0"/>
+              </a:ext>
+            </a:extLst>
+          </a:blip>
+          <a:srcRect/>
+          <a:stretch>
+            <a:fillRect/>
+          </a:stretch>
+        </p:blipFill>
+        <p:spPr bwMode="auto">
+          <a:xfrm>
+            <a:off x="7929522" y="4576011"/>
+            <a:ext cx="4262478" cy="2217821"/>
+          </a:xfrm>
+          <a:prstGeom prst="rect">
+            <a:avLst/>
+          </a:prstGeom>
+          <a:noFill/>
+          <a:extLst>
+            <a:ext uri="{909E8E84-426E-40DD-AFC4-6F175D3DCCD1}">
+              <a14:hiddenFill xmlns:a14="http://schemas.microsoft.com/office/drawing/2010/main">
+                <a:solidFill>
+                  <a:srgbClr val="FFFFFF"/>
+                </a:solidFill>
+              </a14:hiddenFill>
+            </a:ext>
+          </a:extLst>
+        </p:spPr>
+      </p:pic>
+      <p:sp>
+        <p:nvSpPr>
+          <p:cNvPr id="4" name="TextBox 3">
+            <a:extLst>
+              <a:ext uri="{FF2B5EF4-FFF2-40B4-BE49-F238E27FC236}">
+                <a16:creationId xmlns:a16="http://schemas.microsoft.com/office/drawing/2014/main" id="{DB1A4569-F56F-4421-5993-839EAAA7711D}"/>
+              </a:ext>
+            </a:extLst>
+          </p:cNvPr>
+          <p:cNvSpPr txBox="1"/>
+          <p:nvPr/>
+        </p:nvSpPr>
+        <p:spPr>
+          <a:xfrm>
+            <a:off x="580573" y="2715032"/>
+            <a:ext cx="6096000" cy="1754326"/>
+          </a:xfrm>
+          <a:prstGeom prst="rect">
+            <a:avLst/>
+          </a:prstGeom>
+          <a:noFill/>
+        </p:spPr>
+        <p:txBody>
+          <a:bodyPr wrap="square">
+            <a:spAutoFit/>
+          </a:bodyPr>
+          <a:lstStyle/>
+          <a:p>
+            <a:r>
+              <a:rPr lang="en-US" altLang="ko-KR" b="0" dirty="0">
+                <a:solidFill>
+                  <a:srgbClr val="0000FF"/>
+                </a:solidFill>
+                <a:effectLst/>
+                <a:latin typeface="Consolas" panose="020B0609020204030204" pitchFamily="49" charset="0"/>
+              </a:rPr>
+              <a:t>def</a:t>
+            </a:r>
+            <a:r>
+              <a:rPr lang="en-US" altLang="ko-KR" b="0" dirty="0">
+                <a:solidFill>
+                  <a:srgbClr val="000000"/>
+                </a:solidFill>
+                <a:effectLst/>
+                <a:latin typeface="Consolas" panose="020B0609020204030204" pitchFamily="49" charset="0"/>
+              </a:rPr>
+              <a:t> </a:t>
+            </a:r>
+            <a:r>
+              <a:rPr lang="en-US" altLang="ko-KR" b="0" dirty="0" err="1">
+                <a:solidFill>
+                  <a:srgbClr val="795E26"/>
+                </a:solidFill>
+                <a:effectLst/>
+                <a:latin typeface="Consolas" panose="020B0609020204030204" pitchFamily="49" charset="0"/>
+              </a:rPr>
+              <a:t>dfs</a:t>
+            </a:r>
+            <a:r>
+              <a:rPr lang="en-US" altLang="ko-KR" b="0" dirty="0">
+                <a:solidFill>
+                  <a:srgbClr val="000000"/>
+                </a:solidFill>
+                <a:effectLst/>
+                <a:latin typeface="Consolas" panose="020B0609020204030204" pitchFamily="49" charset="0"/>
+              </a:rPr>
+              <a:t>(</a:t>
+            </a:r>
+            <a:r>
+              <a:rPr lang="en-US" altLang="ko-KR" b="0" dirty="0">
+                <a:solidFill>
+                  <a:srgbClr val="001080"/>
+                </a:solidFill>
+                <a:effectLst/>
+                <a:latin typeface="Consolas" panose="020B0609020204030204" pitchFamily="49" charset="0"/>
+              </a:rPr>
+              <a:t>x</a:t>
+            </a:r>
+            <a:r>
+              <a:rPr lang="en-US" altLang="ko-KR" b="0" dirty="0">
+                <a:solidFill>
+                  <a:srgbClr val="000000"/>
+                </a:solidFill>
+                <a:effectLst/>
+                <a:latin typeface="Consolas" panose="020B0609020204030204" pitchFamily="49" charset="0"/>
+              </a:rPr>
+              <a:t>):</a:t>
+            </a:r>
+          </a:p>
+          <a:p>
+            <a:r>
+              <a:rPr lang="en-US" altLang="ko-KR" b="0" dirty="0">
+                <a:solidFill>
+                  <a:srgbClr val="000000"/>
+                </a:solidFill>
+                <a:effectLst/>
+                <a:latin typeface="Consolas" panose="020B0609020204030204" pitchFamily="49" charset="0"/>
+              </a:rPr>
+              <a:t>    </a:t>
+            </a:r>
+            <a:r>
+              <a:rPr lang="en-US" altLang="ko-KR" b="0" dirty="0">
+                <a:solidFill>
+                  <a:srgbClr val="795E26"/>
+                </a:solidFill>
+                <a:effectLst/>
+                <a:latin typeface="Consolas" panose="020B0609020204030204" pitchFamily="49" charset="0"/>
+              </a:rPr>
+              <a:t>print</a:t>
+            </a:r>
+            <a:r>
+              <a:rPr lang="en-US" altLang="ko-KR" b="0" dirty="0">
+                <a:solidFill>
+                  <a:srgbClr val="000000"/>
+                </a:solidFill>
+                <a:effectLst/>
+                <a:latin typeface="Consolas" panose="020B0609020204030204" pitchFamily="49" charset="0"/>
+              </a:rPr>
+              <a:t>(x, </a:t>
+            </a:r>
+            <a:r>
+              <a:rPr lang="en-US" altLang="ko-KR" b="0" dirty="0">
+                <a:solidFill>
+                  <a:srgbClr val="001080"/>
+                </a:solidFill>
+                <a:effectLst/>
+                <a:latin typeface="Consolas" panose="020B0609020204030204" pitchFamily="49" charset="0"/>
+              </a:rPr>
+              <a:t>end</a:t>
+            </a:r>
+            <a:r>
+              <a:rPr lang="en-US" altLang="ko-KR" b="0" dirty="0">
+                <a:solidFill>
+                  <a:srgbClr val="000000"/>
+                </a:solidFill>
+                <a:effectLst/>
+                <a:latin typeface="Consolas" panose="020B0609020204030204" pitchFamily="49" charset="0"/>
+              </a:rPr>
+              <a:t>=</a:t>
+            </a:r>
+            <a:r>
+              <a:rPr lang="en-US" altLang="ko-KR" b="0" dirty="0">
+                <a:solidFill>
+                  <a:srgbClr val="A31515"/>
+                </a:solidFill>
+                <a:effectLst/>
+                <a:latin typeface="Consolas" panose="020B0609020204030204" pitchFamily="49" charset="0"/>
+              </a:rPr>
+              <a:t>' '</a:t>
+            </a:r>
+            <a:r>
+              <a:rPr lang="en-US" altLang="ko-KR" b="0" dirty="0">
+                <a:solidFill>
+                  <a:srgbClr val="000000"/>
+                </a:solidFill>
+                <a:effectLst/>
+                <a:latin typeface="Consolas" panose="020B0609020204030204" pitchFamily="49" charset="0"/>
+              </a:rPr>
+              <a:t>)</a:t>
+            </a:r>
+          </a:p>
+          <a:p>
+            <a:r>
+              <a:rPr lang="en-US" altLang="ko-KR" b="0" dirty="0">
+                <a:solidFill>
+                  <a:srgbClr val="000000"/>
+                </a:solidFill>
+                <a:effectLst/>
+                <a:latin typeface="Consolas" panose="020B0609020204030204" pitchFamily="49" charset="0"/>
+              </a:rPr>
+              <a:t>    visited[x] = </a:t>
+            </a:r>
+            <a:r>
+              <a:rPr lang="en-US" altLang="ko-KR" b="0" dirty="0">
+                <a:solidFill>
+                  <a:srgbClr val="0000FF"/>
+                </a:solidFill>
+                <a:effectLst/>
+                <a:latin typeface="Consolas" panose="020B0609020204030204" pitchFamily="49" charset="0"/>
+              </a:rPr>
+              <a:t>True</a:t>
+            </a:r>
+            <a:endParaRPr lang="en-US" altLang="ko-KR" b="0" dirty="0">
+              <a:solidFill>
+                <a:srgbClr val="000000"/>
+              </a:solidFill>
+              <a:effectLst/>
+              <a:latin typeface="Consolas" panose="020B0609020204030204" pitchFamily="49" charset="0"/>
+            </a:endParaRPr>
+          </a:p>
+          <a:p>
+            <a:r>
+              <a:rPr lang="en-US" altLang="ko-KR" b="0" dirty="0">
+                <a:solidFill>
+                  <a:srgbClr val="000000"/>
+                </a:solidFill>
+                <a:effectLst/>
+                <a:latin typeface="Consolas" panose="020B0609020204030204" pitchFamily="49" charset="0"/>
+              </a:rPr>
+              <a:t>    </a:t>
+            </a:r>
+            <a:r>
+              <a:rPr lang="en-US" altLang="ko-KR" b="0" dirty="0">
+                <a:solidFill>
+                  <a:srgbClr val="AF00DB"/>
+                </a:solidFill>
+                <a:effectLst/>
+                <a:latin typeface="Consolas" panose="020B0609020204030204" pitchFamily="49" charset="0"/>
+              </a:rPr>
+              <a:t>for</a:t>
+            </a:r>
+            <a:r>
+              <a:rPr lang="en-US" altLang="ko-KR" b="0" dirty="0">
+                <a:solidFill>
+                  <a:srgbClr val="000000"/>
+                </a:solidFill>
+                <a:effectLst/>
+                <a:latin typeface="Consolas" panose="020B0609020204030204" pitchFamily="49" charset="0"/>
+              </a:rPr>
+              <a:t> y </a:t>
+            </a:r>
+            <a:r>
+              <a:rPr lang="en-US" altLang="ko-KR" b="0" dirty="0">
+                <a:solidFill>
+                  <a:srgbClr val="AF00DB"/>
+                </a:solidFill>
+                <a:effectLst/>
+                <a:latin typeface="Consolas" panose="020B0609020204030204" pitchFamily="49" charset="0"/>
+              </a:rPr>
+              <a:t>in</a:t>
+            </a:r>
+            <a:r>
+              <a:rPr lang="en-US" altLang="ko-KR" b="0" dirty="0">
+                <a:solidFill>
+                  <a:srgbClr val="000000"/>
+                </a:solidFill>
+                <a:effectLst/>
+                <a:latin typeface="Consolas" panose="020B0609020204030204" pitchFamily="49" charset="0"/>
+              </a:rPr>
+              <a:t> graph[x]:</a:t>
+            </a:r>
+          </a:p>
+          <a:p>
+            <a:r>
+              <a:rPr lang="en-US" altLang="ko-KR" b="0" dirty="0">
+                <a:solidFill>
+                  <a:srgbClr val="000000"/>
+                </a:solidFill>
+                <a:effectLst/>
+                <a:latin typeface="Consolas" panose="020B0609020204030204" pitchFamily="49" charset="0"/>
+              </a:rPr>
+              <a:t>        </a:t>
+            </a:r>
+            <a:r>
+              <a:rPr lang="en-US" altLang="ko-KR" b="0" dirty="0">
+                <a:solidFill>
+                  <a:srgbClr val="AF00DB"/>
+                </a:solidFill>
+                <a:effectLst/>
+                <a:latin typeface="Consolas" panose="020B0609020204030204" pitchFamily="49" charset="0"/>
+              </a:rPr>
+              <a:t>if</a:t>
+            </a:r>
+            <a:r>
+              <a:rPr lang="en-US" altLang="ko-KR" b="0" dirty="0">
+                <a:solidFill>
+                  <a:srgbClr val="000000"/>
+                </a:solidFill>
+                <a:effectLst/>
+                <a:latin typeface="Consolas" panose="020B0609020204030204" pitchFamily="49" charset="0"/>
+              </a:rPr>
+              <a:t> </a:t>
+            </a:r>
+            <a:r>
+              <a:rPr lang="en-US" altLang="ko-KR" b="0" dirty="0">
+                <a:solidFill>
+                  <a:srgbClr val="0000FF"/>
+                </a:solidFill>
+                <a:effectLst/>
+                <a:latin typeface="Consolas" panose="020B0609020204030204" pitchFamily="49" charset="0"/>
+              </a:rPr>
+              <a:t>not</a:t>
+            </a:r>
+            <a:r>
+              <a:rPr lang="en-US" altLang="ko-KR" b="0" dirty="0">
+                <a:solidFill>
+                  <a:srgbClr val="000000"/>
+                </a:solidFill>
+                <a:effectLst/>
+                <a:latin typeface="Consolas" panose="020B0609020204030204" pitchFamily="49" charset="0"/>
+              </a:rPr>
+              <a:t>(visited[y]):</a:t>
+            </a:r>
+          </a:p>
+          <a:p>
+            <a:r>
+              <a:rPr lang="en-US" altLang="ko-KR" b="0" dirty="0">
+                <a:solidFill>
+                  <a:srgbClr val="000000"/>
+                </a:solidFill>
+                <a:effectLst/>
+                <a:latin typeface="Consolas" panose="020B0609020204030204" pitchFamily="49" charset="0"/>
+              </a:rPr>
+              <a:t>            </a:t>
+            </a:r>
+            <a:r>
+              <a:rPr lang="en-US" altLang="ko-KR" b="0" dirty="0" err="1">
+                <a:solidFill>
+                  <a:srgbClr val="000000"/>
+                </a:solidFill>
+                <a:effectLst/>
+                <a:latin typeface="Consolas" panose="020B0609020204030204" pitchFamily="49" charset="0"/>
+              </a:rPr>
+              <a:t>dfs</a:t>
+            </a:r>
+            <a:r>
+              <a:rPr lang="en-US" altLang="ko-KR" b="0" dirty="0">
+                <a:solidFill>
+                  <a:srgbClr val="000000"/>
+                </a:solidFill>
+                <a:effectLst/>
+                <a:latin typeface="Consolas" panose="020B0609020204030204" pitchFamily="49" charset="0"/>
+              </a:rPr>
+              <a:t>(y)</a:t>
+            </a:r>
+          </a:p>
+        </p:txBody>
+      </p:sp>
+    </p:spTree>
+    <p:extLst>
+      <p:ext uri="{BB962C8B-B14F-4D97-AF65-F5344CB8AC3E}">
+        <p14:creationId xmlns:p14="http://schemas.microsoft.com/office/powerpoint/2010/main" val="3720022850"/>
       </p:ext>
     </p:extLst>
   </p:cSld>
@@ -4371,8 +7084,8 @@
         </p:nvSpPr>
         <p:spPr>
           <a:xfrm>
-            <a:off x="5312531" y="2177355"/>
-            <a:ext cx="3145670" cy="3201468"/>
+            <a:off x="1687015" y="1984850"/>
+            <a:ext cx="8515764" cy="4143234"/>
           </a:xfrm>
         </p:spPr>
         <p:txBody>
@@ -4387,6 +7100,69 @@
             <a:r>
               <a:rPr lang="en-US" altLang="ko-KR" dirty="0"/>
               <a:t>Graph</a:t>
+            </a:r>
+          </a:p>
+          <a:p>
+            <a:pPr marL="914400" lvl="1" indent="-457200" algn="l">
+              <a:buAutoNum type="arabicParenR"/>
+            </a:pPr>
+            <a:r>
+              <a:rPr lang="en-US" altLang="ko-KR" dirty="0"/>
+              <a:t>Adjacency matrix, list</a:t>
+            </a:r>
+          </a:p>
+          <a:p>
+            <a:pPr marL="914400" lvl="1" indent="-457200" algn="l">
+              <a:buAutoNum type="arabicParenR"/>
+            </a:pPr>
+            <a:r>
+              <a:rPr lang="en-US" altLang="ko-KR" dirty="0"/>
+              <a:t>Connected Component</a:t>
+            </a:r>
+          </a:p>
+          <a:p>
+            <a:pPr marL="914400" lvl="1" indent="-457200" algn="l">
+              <a:buAutoNum type="arabicParenR"/>
+            </a:pPr>
+            <a:r>
+              <a:rPr lang="en-US" altLang="ko-KR" dirty="0"/>
+              <a:t>Spanning tree</a:t>
+            </a:r>
+          </a:p>
+          <a:p>
+            <a:pPr marL="914400" lvl="1" indent="-457200" algn="l">
+              <a:buAutoNum type="arabicParenR"/>
+            </a:pPr>
+            <a:r>
+              <a:rPr lang="en-US" altLang="ko-KR" dirty="0"/>
+              <a:t>Minimum cost Spanning Tree (MST)</a:t>
+            </a:r>
+          </a:p>
+          <a:p>
+            <a:pPr marL="1371600" lvl="2" indent="-457200" algn="l">
+              <a:buAutoNum type="arabicParenR"/>
+            </a:pPr>
+            <a:r>
+              <a:rPr lang="en-US" altLang="ko-KR" dirty="0"/>
+              <a:t>Kruskal algorithm</a:t>
+            </a:r>
+          </a:p>
+          <a:p>
+            <a:pPr marL="1371600" lvl="2" indent="-457200" algn="l">
+              <a:buAutoNum type="arabicParenR"/>
+            </a:pPr>
+            <a:r>
+              <a:rPr lang="en-US" altLang="ko-KR" dirty="0"/>
+              <a:t>Prim algorithm</a:t>
+            </a:r>
+          </a:p>
+          <a:p>
+            <a:pPr marL="914400" lvl="1" indent="-457200" algn="l">
+              <a:buAutoNum type="arabicParenR"/>
+            </a:pPr>
+            <a:r>
+              <a:rPr lang="en-US" altLang="ko-KR" dirty="0"/>
+              <a:t>Topological sort</a:t>
             </a:r>
           </a:p>
           <a:p>
@@ -5499,7 +8275,7 @@
         </p:nvSpPr>
         <p:spPr>
           <a:xfrm>
-            <a:off x="351622" y="4553957"/>
+            <a:off x="351622" y="4760976"/>
             <a:ext cx="11192488" cy="1477328"/>
           </a:xfrm>
           <a:prstGeom prst="rect">
@@ -6285,8 +9061,8 @@
         </p:nvSpPr>
         <p:spPr>
           <a:xfrm>
-            <a:off x="351622" y="381178"/>
-            <a:ext cx="11700639" cy="5324535"/>
+            <a:off x="351623" y="381178"/>
+            <a:ext cx="11294946" cy="3477875"/>
           </a:xfrm>
           <a:prstGeom prst="rect">
             <a:avLst/>
@@ -6294,109 +9070,60 @@
           <a:noFill/>
         </p:spPr>
         <p:txBody>
-          <a:bodyPr wrap="none" rtlCol="0">
+          <a:bodyPr wrap="square" rtlCol="0">
             <a:spAutoFit/>
           </a:bodyPr>
           <a:lstStyle/>
           <a:p>
             <a:r>
               <a:rPr lang="en-US" altLang="ko-KR" sz="2000" b="1" dirty="0"/>
-              <a:t>[</a:t>
+              <a:t>- </a:t>
             </a:r>
             <a:r>
               <a:rPr lang="ko-KR" altLang="en-US" sz="2000" b="1" dirty="0"/>
-              <a:t>그래프 탐색</a:t>
+              <a:t>연결 성분 </a:t>
             </a:r>
             <a:r>
               <a:rPr lang="en-US" altLang="ko-KR" sz="2000" b="1" dirty="0"/>
-              <a:t>]</a:t>
-            </a:r>
-          </a:p>
-          <a:p>
-            <a:endParaRPr lang="en-US" altLang="ko-KR" sz="2000" b="1" dirty="0"/>
-          </a:p>
-          <a:p>
-            <a:r>
-              <a:rPr lang="en-US" altLang="ko-KR" sz="2000" b="1" dirty="0"/>
-              <a:t>BFS, </a:t>
-            </a:r>
+              <a:t>Connected Component</a:t>
+            </a:r>
+          </a:p>
+          <a:p>
             <a:r>
               <a:rPr lang="ko-KR" altLang="en-US" sz="2000" dirty="0"/>
-              <a:t>넓이 우선 탐색</a:t>
+              <a:t>서로 연결되어 있는 여러 개의 고립된 부분 그래프</a:t>
             </a:r>
             <a:endParaRPr lang="en-US" altLang="ko-KR" sz="2000" dirty="0"/>
           </a:p>
           <a:p>
+            <a:endParaRPr lang="en-US" altLang="ko-KR" sz="2000" dirty="0"/>
+          </a:p>
+          <a:p>
             <a:r>
               <a:rPr lang="ko-KR" altLang="en-US" sz="2000" dirty="0"/>
-              <a:t>정점을 기준으로 간선이 연결되어 있는 모든 정점들을 차례로 방문하고 </a:t>
+              <a:t>연결 성분을 찾는 방법</a:t>
+            </a:r>
+            <a:r>
+              <a:rPr lang="en-US" altLang="ko-KR" sz="2000" dirty="0"/>
+              <a:t>: BFS, DFS </a:t>
+            </a:r>
+            <a:r>
+              <a:rPr lang="ko-KR" altLang="en-US" sz="2000" dirty="0"/>
+              <a:t>탐색</a:t>
             </a:r>
             <a:endParaRPr lang="en-US" altLang="ko-KR" sz="2000" dirty="0"/>
           </a:p>
           <a:p>
+            <a:pPr marL="457200" indent="-457200">
+              <a:buAutoNum type="arabicPeriod"/>
+            </a:pPr>
+            <a:r>
+              <a:rPr lang="en-US" altLang="ko-KR" sz="2000" dirty="0"/>
+              <a:t>BFS, DFS</a:t>
+            </a:r>
             <a:r>
               <a:rPr lang="ko-KR" altLang="en-US" sz="2000" dirty="0"/>
-              <a:t>찾고자 하는 정점을 만날 때까지 반복한다</a:t>
-            </a:r>
-            <a:r>
-              <a:rPr lang="en-US" altLang="ko-KR" sz="2000" dirty="0"/>
-              <a:t>. </a:t>
-            </a:r>
-            <a:r>
-              <a:rPr lang="ko-KR" altLang="en-US" sz="2000" dirty="0"/>
-              <a:t>일반적으로 </a:t>
-            </a:r>
-            <a:r>
-              <a:rPr lang="en-US" altLang="ko-KR" sz="2000" dirty="0">
-                <a:highlight>
-                  <a:srgbClr val="FFFF00"/>
-                </a:highlight>
-              </a:rPr>
-              <a:t>Queue</a:t>
-            </a:r>
-            <a:r>
-              <a:rPr lang="ko-KR" altLang="en-US" sz="2000" dirty="0">
-                <a:highlight>
-                  <a:srgbClr val="FFFF00"/>
-                </a:highlight>
-              </a:rPr>
-              <a:t>로 구현</a:t>
-            </a:r>
-            <a:endParaRPr lang="en-US" altLang="ko-KR" sz="2000" dirty="0">
-              <a:highlight>
-                <a:srgbClr val="FFFF00"/>
-              </a:highlight>
-            </a:endParaRPr>
-          </a:p>
-          <a:p>
-            <a:endParaRPr lang="en-US" altLang="ko-KR" sz="2000" dirty="0"/>
-          </a:p>
-          <a:p>
-            <a:r>
-              <a:rPr lang="en-US" altLang="ko-KR" sz="2000" b="1" dirty="0"/>
-              <a:t>DFS</a:t>
-            </a:r>
-            <a:r>
-              <a:rPr lang="en-US" altLang="ko-KR" sz="2000" dirty="0"/>
-              <a:t>, </a:t>
-            </a:r>
-            <a:r>
-              <a:rPr lang="ko-KR" altLang="en-US" sz="2000" dirty="0"/>
-              <a:t>깊이 우선 탐색</a:t>
-            </a:r>
-            <a:endParaRPr lang="en-US" altLang="ko-KR" sz="2000" dirty="0"/>
-          </a:p>
-          <a:p>
-            <a:r>
-              <a:rPr lang="ko-KR" altLang="en-US" sz="2000" dirty="0"/>
-              <a:t>정점을 기준으로 간선이 연결되어 있는 정점들 중 하나를 선택해 이동하고 </a:t>
-            </a:r>
-            <a:endParaRPr lang="en-US" altLang="ko-KR" sz="2000" dirty="0"/>
-          </a:p>
-          <a:p>
-            <a:r>
-              <a:rPr lang="ko-KR" altLang="en-US" sz="2000" dirty="0"/>
-              <a:t>다시 이동한 정점을 기준으로 다시 인접 정점 선택</a:t>
+              <a:t>를 시작하면 시작 정점으로부터 도달 가능한 모든 정점들이 하나의 연결 성분이 된다</a:t>
             </a:r>
             <a:r>
               <a:rPr lang="en-US" altLang="ko-KR" sz="2000" dirty="0"/>
@@ -6404,81 +9131,700 @@
             </a:r>
           </a:p>
           <a:p>
+            <a:pPr marL="457200" indent="-457200">
+              <a:buAutoNum type="arabicPeriod"/>
+            </a:pPr>
             <a:r>
               <a:rPr lang="ko-KR" altLang="en-US" sz="2000" dirty="0"/>
-              <a:t>간선을 따라 찾고자 하는 정점을 만날 때까지 진행하고 찾지 못하면 다시 이전 정점으로 돌아와 반복</a:t>
-            </a:r>
+              <a:t>다음에 방문하지 않은 정점을 선택해서 다시 탐색을 시작하면 그 정점을 포함하는 연결 성분이 구해진다</a:t>
+            </a:r>
+            <a:r>
+              <a:rPr lang="en-US" altLang="ko-KR" sz="2000" dirty="0"/>
+              <a:t>.</a:t>
+            </a:r>
+          </a:p>
+          <a:p>
+            <a:pPr marL="457200" indent="-457200">
+              <a:buAutoNum type="arabicPeriod"/>
+            </a:pPr>
+            <a:r>
+              <a:rPr lang="ko-KR" altLang="en-US" sz="2000" dirty="0"/>
+              <a:t>이 과정을 그래프 상의 모든 정점이 방문 될 때까지 반복하면 그래프에 존재하는 모든 연결 성분들을 찾을 수 있다</a:t>
+            </a:r>
+            <a:r>
+              <a:rPr lang="en-US" altLang="ko-KR" sz="2000" dirty="0"/>
+              <a:t>.</a:t>
+            </a:r>
+          </a:p>
+          <a:p>
             <a:endParaRPr lang="en-US" altLang="ko-KR" sz="2000" dirty="0"/>
           </a:p>
           <a:p>
             <a:r>
-              <a:rPr lang="ko-KR" altLang="en-US" sz="2000" dirty="0">
-                <a:highlight>
-                  <a:srgbClr val="FFFF00"/>
-                </a:highlight>
-              </a:rPr>
-              <a:t>재귀함수 또는 </a:t>
-            </a:r>
-            <a:r>
-              <a:rPr lang="en-US" altLang="ko-KR" sz="2000" dirty="0">
-                <a:highlight>
-                  <a:srgbClr val="FFFF00"/>
-                </a:highlight>
-              </a:rPr>
-              <a:t>Stack </a:t>
-            </a:r>
-            <a:r>
-              <a:rPr lang="ko-KR" altLang="en-US" sz="2000" dirty="0">
-                <a:highlight>
-                  <a:srgbClr val="FFFF00"/>
-                </a:highlight>
-              </a:rPr>
-              <a:t>으로 구현</a:t>
-            </a:r>
-            <a:endParaRPr lang="en-US" altLang="ko-KR" sz="2000" dirty="0">
-              <a:highlight>
-                <a:srgbClr val="FFFF00"/>
-              </a:highlight>
+              <a:rPr lang="ko-KR" altLang="en-US" sz="2000" dirty="0"/>
+              <a:t>연결 성분의 개수 구하는 방법</a:t>
+            </a:r>
+            <a:endParaRPr lang="en-US" altLang="ko-KR" sz="2000" dirty="0"/>
+          </a:p>
+        </p:txBody>
+      </p:sp>
+      <p:sp>
+        <p:nvSpPr>
+          <p:cNvPr id="12" name="TextBox 11">
+            <a:extLst>
+              <a:ext uri="{FF2B5EF4-FFF2-40B4-BE49-F238E27FC236}">
+                <a16:creationId xmlns:a16="http://schemas.microsoft.com/office/drawing/2014/main" id="{6FD876A3-FBD5-D0D2-1D74-C4AA87F939D4}"/>
+              </a:ext>
+            </a:extLst>
+          </p:cNvPr>
+          <p:cNvSpPr txBox="1"/>
+          <p:nvPr/>
+        </p:nvSpPr>
+        <p:spPr>
+          <a:xfrm>
+            <a:off x="385011" y="3859053"/>
+            <a:ext cx="11261558" cy="2585323"/>
+          </a:xfrm>
+          <a:prstGeom prst="rect">
+            <a:avLst/>
+          </a:prstGeom>
+          <a:noFill/>
+        </p:spPr>
+        <p:txBody>
+          <a:bodyPr wrap="square">
+            <a:spAutoFit/>
+          </a:bodyPr>
+          <a:lstStyle/>
+          <a:p>
+            <a:r>
+              <a:rPr lang="en-US" altLang="ko-KR" b="0" dirty="0" err="1">
+                <a:solidFill>
+                  <a:srgbClr val="000000"/>
+                </a:solidFill>
+                <a:effectLst/>
+                <a:latin typeface="Consolas" panose="020B0609020204030204" pitchFamily="49" charset="0"/>
+              </a:rPr>
+              <a:t>boolean</a:t>
+            </a:r>
+            <a:r>
+              <a:rPr lang="en-US" altLang="ko-KR" b="0" dirty="0">
+                <a:solidFill>
+                  <a:srgbClr val="000000"/>
+                </a:solidFill>
+                <a:effectLst/>
+                <a:latin typeface="Consolas" panose="020B0609020204030204" pitchFamily="49" charset="0"/>
+              </a:rPr>
+              <a:t>[] </a:t>
+            </a:r>
+            <a:r>
+              <a:rPr lang="en-US" altLang="ko-KR" b="0" dirty="0">
+                <a:solidFill>
+                  <a:srgbClr val="001080"/>
+                </a:solidFill>
+                <a:effectLst/>
+                <a:latin typeface="Consolas" panose="020B0609020204030204" pitchFamily="49" charset="0"/>
+              </a:rPr>
+              <a:t>visited</a:t>
+            </a:r>
+            <a:r>
+              <a:rPr lang="en-US" altLang="ko-KR" b="0" dirty="0">
+                <a:solidFill>
+                  <a:srgbClr val="000000"/>
+                </a:solidFill>
+                <a:effectLst/>
+                <a:latin typeface="Consolas" panose="020B0609020204030204" pitchFamily="49" charset="0"/>
+              </a:rPr>
+              <a:t> = new </a:t>
+            </a:r>
+            <a:r>
+              <a:rPr lang="en-US" altLang="ko-KR" b="0" dirty="0" err="1">
+                <a:solidFill>
+                  <a:srgbClr val="000000"/>
+                </a:solidFill>
+                <a:effectLst/>
+                <a:latin typeface="Consolas" panose="020B0609020204030204" pitchFamily="49" charset="0"/>
+              </a:rPr>
+              <a:t>boolean</a:t>
+            </a:r>
+            <a:r>
+              <a:rPr lang="en-US" altLang="ko-KR" b="0" dirty="0">
+                <a:solidFill>
+                  <a:srgbClr val="000000"/>
+                </a:solidFill>
+                <a:effectLst/>
+                <a:latin typeface="Consolas" panose="020B0609020204030204" pitchFamily="49" charset="0"/>
+              </a:rPr>
+              <a:t>[</a:t>
+            </a:r>
+            <a:r>
+              <a:rPr lang="en-US" altLang="ko-KR" b="0" dirty="0">
+                <a:solidFill>
+                  <a:srgbClr val="0070C1"/>
+                </a:solidFill>
+                <a:effectLst/>
+                <a:latin typeface="Consolas" panose="020B0609020204030204" pitchFamily="49" charset="0"/>
+              </a:rPr>
+              <a:t>N</a:t>
+            </a:r>
+            <a:r>
+              <a:rPr lang="en-US" altLang="ko-KR" b="0" dirty="0">
+                <a:solidFill>
+                  <a:srgbClr val="000000"/>
+                </a:solidFill>
+                <a:effectLst/>
+                <a:latin typeface="Consolas" panose="020B0609020204030204" pitchFamily="49" charset="0"/>
+              </a:rPr>
+              <a:t> + </a:t>
+            </a:r>
+            <a:r>
+              <a:rPr lang="en-US" altLang="ko-KR" b="0" dirty="0">
+                <a:solidFill>
+                  <a:srgbClr val="098658"/>
+                </a:solidFill>
+                <a:effectLst/>
+                <a:latin typeface="Consolas" panose="020B0609020204030204" pitchFamily="49" charset="0"/>
+              </a:rPr>
+              <a:t>1</a:t>
+            </a:r>
+            <a:r>
+              <a:rPr lang="en-US" altLang="ko-KR" b="0" dirty="0">
+                <a:solidFill>
+                  <a:srgbClr val="000000"/>
+                </a:solidFill>
+                <a:effectLst/>
+                <a:latin typeface="Consolas" panose="020B0609020204030204" pitchFamily="49" charset="0"/>
+              </a:rPr>
+              <a:t>]; // N: </a:t>
+            </a:r>
+            <a:r>
+              <a:rPr lang="ko-KR" altLang="en-US" b="0" dirty="0">
+                <a:solidFill>
+                  <a:srgbClr val="000000"/>
+                </a:solidFill>
+                <a:effectLst/>
+                <a:latin typeface="Consolas" panose="020B0609020204030204" pitchFamily="49" charset="0"/>
+              </a:rPr>
+              <a:t>정점의 수</a:t>
+            </a:r>
+          </a:p>
+          <a:p>
+            <a:r>
+              <a:rPr lang="en-US" altLang="ko-KR" b="0" dirty="0">
+                <a:solidFill>
+                  <a:srgbClr val="267F99"/>
+                </a:solidFill>
+                <a:effectLst/>
+                <a:latin typeface="Consolas" panose="020B0609020204030204" pitchFamily="49" charset="0"/>
+              </a:rPr>
+              <a:t>int</a:t>
+            </a:r>
+            <a:r>
+              <a:rPr lang="en-US" altLang="ko-KR" b="0" dirty="0">
+                <a:solidFill>
+                  <a:srgbClr val="000000"/>
+                </a:solidFill>
+                <a:effectLst/>
+                <a:latin typeface="Consolas" panose="020B0609020204030204" pitchFamily="49" charset="0"/>
+              </a:rPr>
+              <a:t> </a:t>
+            </a:r>
+            <a:r>
+              <a:rPr lang="en-US" altLang="ko-KR" b="0" dirty="0" err="1">
+                <a:solidFill>
+                  <a:srgbClr val="001080"/>
+                </a:solidFill>
+                <a:effectLst/>
+                <a:latin typeface="Consolas" panose="020B0609020204030204" pitchFamily="49" charset="0"/>
+              </a:rPr>
+              <a:t>cntComponent</a:t>
+            </a:r>
+            <a:r>
+              <a:rPr lang="en-US" altLang="ko-KR" b="0" dirty="0">
+                <a:solidFill>
+                  <a:srgbClr val="000000"/>
+                </a:solidFill>
+                <a:effectLst/>
+                <a:latin typeface="Consolas" panose="020B0609020204030204" pitchFamily="49" charset="0"/>
+              </a:rPr>
+              <a:t> = </a:t>
+            </a:r>
+            <a:r>
+              <a:rPr lang="en-US" altLang="ko-KR" b="0" dirty="0">
+                <a:solidFill>
+                  <a:srgbClr val="098658"/>
+                </a:solidFill>
+                <a:effectLst/>
+                <a:latin typeface="Consolas" panose="020B0609020204030204" pitchFamily="49" charset="0"/>
+              </a:rPr>
+              <a:t>0</a:t>
+            </a:r>
+            <a:r>
+              <a:rPr lang="en-US" altLang="ko-KR" b="0" dirty="0">
+                <a:solidFill>
+                  <a:srgbClr val="CD3131"/>
+                </a:solidFill>
+                <a:effectLst/>
+                <a:latin typeface="Consolas" panose="020B0609020204030204" pitchFamily="49" charset="0"/>
+              </a:rPr>
+              <a:t>;</a:t>
+            </a:r>
+            <a:endParaRPr lang="en-US" altLang="ko-KR" b="0" dirty="0">
+              <a:solidFill>
+                <a:srgbClr val="000000"/>
+              </a:solidFill>
+              <a:effectLst/>
+              <a:latin typeface="Consolas" panose="020B0609020204030204" pitchFamily="49" charset="0"/>
             </a:endParaRPr>
           </a:p>
           <a:p>
-            <a:endParaRPr lang="en-US" altLang="ko-KR" sz="2000" dirty="0">
-              <a:highlight>
-                <a:srgbClr val="FFFF00"/>
-              </a:highlight>
+            <a:r>
+              <a:rPr lang="en-US" altLang="ko-KR" b="0" dirty="0">
+                <a:solidFill>
+                  <a:srgbClr val="000000"/>
+                </a:solidFill>
+                <a:effectLst/>
+                <a:latin typeface="Consolas" panose="020B0609020204030204" pitchFamily="49" charset="0"/>
+              </a:rPr>
+              <a:t>// </a:t>
+            </a:r>
+            <a:r>
+              <a:rPr lang="ko-KR" altLang="en-US" b="0" dirty="0">
+                <a:solidFill>
+                  <a:srgbClr val="000000"/>
+                </a:solidFill>
+                <a:effectLst/>
+                <a:latin typeface="Consolas" panose="020B0609020204030204" pitchFamily="49" charset="0"/>
+              </a:rPr>
+              <a:t>각 정점에 대해서 한번씩 확인</a:t>
+            </a:r>
+            <a:r>
+              <a:rPr lang="en-US" altLang="ko-KR" b="0" dirty="0">
+                <a:solidFill>
+                  <a:srgbClr val="000000"/>
+                </a:solidFill>
+                <a:effectLst/>
+                <a:latin typeface="Consolas" panose="020B0609020204030204" pitchFamily="49" charset="0"/>
+              </a:rPr>
+              <a:t>.</a:t>
+            </a:r>
+          </a:p>
+          <a:p>
+            <a:r>
+              <a:rPr lang="en-US" altLang="ko-KR" b="0" dirty="0">
+                <a:solidFill>
+                  <a:srgbClr val="AF00DB"/>
+                </a:solidFill>
+                <a:effectLst/>
+                <a:latin typeface="Consolas" panose="020B0609020204030204" pitchFamily="49" charset="0"/>
+              </a:rPr>
+              <a:t>for</a:t>
+            </a:r>
+            <a:r>
+              <a:rPr lang="en-US" altLang="ko-KR" b="0" dirty="0">
+                <a:solidFill>
+                  <a:srgbClr val="000000"/>
+                </a:solidFill>
+                <a:effectLst/>
+                <a:latin typeface="Consolas" panose="020B0609020204030204" pitchFamily="49" charset="0"/>
+              </a:rPr>
+              <a:t> </a:t>
+            </a:r>
+            <a:r>
+              <a:rPr lang="en-US" altLang="ko-KR" b="0" dirty="0">
+                <a:solidFill>
+                  <a:srgbClr val="267F99"/>
+                </a:solidFill>
+                <a:effectLst/>
+                <a:latin typeface="Consolas" panose="020B0609020204030204" pitchFamily="49" charset="0"/>
+              </a:rPr>
+              <a:t>(int</a:t>
+            </a:r>
+            <a:r>
+              <a:rPr lang="en-US" altLang="ko-KR" b="0" dirty="0">
+                <a:solidFill>
+                  <a:srgbClr val="000000"/>
+                </a:solidFill>
+                <a:effectLst/>
+                <a:latin typeface="Consolas" panose="020B0609020204030204" pitchFamily="49" charset="0"/>
+              </a:rPr>
+              <a:t> </a:t>
+            </a:r>
+            <a:r>
+              <a:rPr lang="en-US" altLang="ko-KR" b="0" dirty="0" err="1">
+                <a:solidFill>
+                  <a:srgbClr val="000000"/>
+                </a:solidFill>
+                <a:effectLst/>
+                <a:latin typeface="Consolas" panose="020B0609020204030204" pitchFamily="49" charset="0"/>
+              </a:rPr>
+              <a:t>i</a:t>
+            </a:r>
+            <a:r>
+              <a:rPr lang="en-US" altLang="ko-KR" b="0" dirty="0">
+                <a:solidFill>
+                  <a:srgbClr val="000000"/>
+                </a:solidFill>
+                <a:effectLst/>
+                <a:latin typeface="Consolas" panose="020B0609020204030204" pitchFamily="49" charset="0"/>
+              </a:rPr>
+              <a:t> = </a:t>
+            </a:r>
+            <a:r>
+              <a:rPr lang="en-US" altLang="ko-KR" b="0" dirty="0">
+                <a:solidFill>
+                  <a:srgbClr val="098658"/>
+                </a:solidFill>
+                <a:effectLst/>
+                <a:latin typeface="Consolas" panose="020B0609020204030204" pitchFamily="49" charset="0"/>
+              </a:rPr>
+              <a:t>1</a:t>
+            </a:r>
+            <a:r>
+              <a:rPr lang="en-US" altLang="ko-KR" b="0" dirty="0">
+                <a:solidFill>
+                  <a:srgbClr val="000000"/>
+                </a:solidFill>
+                <a:effectLst/>
+                <a:latin typeface="Consolas" panose="020B0609020204030204" pitchFamily="49" charset="0"/>
+              </a:rPr>
+              <a:t>; </a:t>
+            </a:r>
+            <a:r>
+              <a:rPr lang="en-US" altLang="ko-KR" b="0" dirty="0" err="1">
+                <a:solidFill>
+                  <a:srgbClr val="000000"/>
+                </a:solidFill>
+                <a:effectLst/>
+                <a:latin typeface="Consolas" panose="020B0609020204030204" pitchFamily="49" charset="0"/>
+              </a:rPr>
+              <a:t>i</a:t>
+            </a:r>
+            <a:r>
+              <a:rPr lang="en-US" altLang="ko-KR" b="0" dirty="0">
+                <a:solidFill>
+                  <a:srgbClr val="000000"/>
+                </a:solidFill>
+                <a:effectLst/>
+                <a:latin typeface="Consolas" panose="020B0609020204030204" pitchFamily="49" charset="0"/>
+              </a:rPr>
+              <a:t> &lt;= N; </a:t>
+            </a:r>
+            <a:r>
+              <a:rPr lang="en-US" altLang="ko-KR" b="0" dirty="0" err="1">
+                <a:solidFill>
+                  <a:srgbClr val="000000"/>
+                </a:solidFill>
+                <a:effectLst/>
+                <a:latin typeface="Consolas" panose="020B0609020204030204" pitchFamily="49" charset="0"/>
+              </a:rPr>
+              <a:t>i</a:t>
+            </a:r>
+            <a:r>
+              <a:rPr lang="en-US" altLang="ko-KR" b="0" dirty="0">
+                <a:solidFill>
+                  <a:srgbClr val="CD3131"/>
+                </a:solidFill>
+                <a:effectLst/>
+                <a:latin typeface="Consolas" panose="020B0609020204030204" pitchFamily="49" charset="0"/>
+              </a:rPr>
+              <a:t>++</a:t>
+            </a:r>
+            <a:r>
+              <a:rPr lang="en-US" altLang="ko-KR" b="0" dirty="0">
+                <a:solidFill>
+                  <a:srgbClr val="000000"/>
+                </a:solidFill>
+                <a:effectLst/>
+                <a:latin typeface="Consolas" panose="020B0609020204030204" pitchFamily="49" charset="0"/>
+              </a:rPr>
+              <a:t>) {</a:t>
+            </a:r>
+          </a:p>
+          <a:p>
+            <a:r>
+              <a:rPr lang="en-US" altLang="ko-KR" b="0" dirty="0">
+                <a:solidFill>
+                  <a:srgbClr val="000000"/>
+                </a:solidFill>
+                <a:effectLst/>
+                <a:latin typeface="Consolas" panose="020B0609020204030204" pitchFamily="49" charset="0"/>
+              </a:rPr>
+              <a:t>    </a:t>
+            </a:r>
+            <a:r>
+              <a:rPr lang="en-US" altLang="ko-KR" b="0" dirty="0">
+                <a:solidFill>
+                  <a:srgbClr val="AF00DB"/>
+                </a:solidFill>
+                <a:effectLst/>
+                <a:latin typeface="Consolas" panose="020B0609020204030204" pitchFamily="49" charset="0"/>
+              </a:rPr>
+              <a:t>if</a:t>
+            </a:r>
+            <a:r>
+              <a:rPr lang="en-US" altLang="ko-KR" b="0" dirty="0">
+                <a:solidFill>
+                  <a:srgbClr val="000000"/>
+                </a:solidFill>
+                <a:effectLst/>
+                <a:latin typeface="Consolas" panose="020B0609020204030204" pitchFamily="49" charset="0"/>
+              </a:rPr>
+              <a:t> (</a:t>
+            </a:r>
+            <a:r>
+              <a:rPr lang="en-US" altLang="ko-KR" b="0" dirty="0">
+                <a:solidFill>
+                  <a:srgbClr val="CD3131"/>
+                </a:solidFill>
+                <a:effectLst/>
+                <a:latin typeface="Consolas" panose="020B0609020204030204" pitchFamily="49" charset="0"/>
+              </a:rPr>
+              <a:t>!</a:t>
+            </a:r>
+            <a:r>
+              <a:rPr lang="en-US" altLang="ko-KR" b="0" dirty="0">
+                <a:solidFill>
+                  <a:srgbClr val="000000"/>
+                </a:solidFill>
+                <a:effectLst/>
+                <a:latin typeface="Consolas" panose="020B0609020204030204" pitchFamily="49" charset="0"/>
+              </a:rPr>
+              <a:t>visited[</a:t>
+            </a:r>
+            <a:r>
+              <a:rPr lang="en-US" altLang="ko-KR" b="0" dirty="0" err="1">
+                <a:solidFill>
+                  <a:srgbClr val="000000"/>
+                </a:solidFill>
+                <a:effectLst/>
+                <a:latin typeface="Consolas" panose="020B0609020204030204" pitchFamily="49" charset="0"/>
+              </a:rPr>
+              <a:t>i</a:t>
+            </a:r>
+            <a:r>
+              <a:rPr lang="en-US" altLang="ko-KR" b="0" dirty="0">
+                <a:solidFill>
+                  <a:srgbClr val="000000"/>
+                </a:solidFill>
+                <a:effectLst/>
+                <a:latin typeface="Consolas" panose="020B0609020204030204" pitchFamily="49" charset="0"/>
+              </a:rPr>
+              <a:t>]) { // </a:t>
+            </a:r>
+            <a:r>
+              <a:rPr lang="ko-KR" altLang="en-US" b="0" dirty="0">
+                <a:solidFill>
+                  <a:srgbClr val="000000"/>
+                </a:solidFill>
+                <a:effectLst/>
+                <a:latin typeface="Consolas" panose="020B0609020204030204" pitchFamily="49" charset="0"/>
+              </a:rPr>
+              <a:t>방문했던 정점은 지나치므로</a:t>
+            </a:r>
+            <a:r>
+              <a:rPr lang="en-US" altLang="ko-KR" b="0" dirty="0">
+                <a:solidFill>
+                  <a:srgbClr val="000000"/>
+                </a:solidFill>
+                <a:effectLst/>
+                <a:latin typeface="Consolas" panose="020B0609020204030204" pitchFamily="49" charset="0"/>
+              </a:rPr>
+              <a:t>, </a:t>
+            </a:r>
+            <a:r>
+              <a:rPr lang="ko-KR" altLang="en-US" b="0" dirty="0">
+                <a:solidFill>
+                  <a:srgbClr val="000000"/>
+                </a:solidFill>
+                <a:effectLst/>
+                <a:latin typeface="Consolas" panose="020B0609020204030204" pitchFamily="49" charset="0"/>
+              </a:rPr>
+              <a:t>연결이 떨어진 정점에 대해서만 카운트</a:t>
+            </a:r>
+            <a:r>
+              <a:rPr lang="en-US" altLang="ko-KR" b="0" dirty="0">
+                <a:solidFill>
+                  <a:srgbClr val="CD3131"/>
+                </a:solidFill>
+                <a:effectLst/>
+                <a:latin typeface="Consolas" panose="020B0609020204030204" pitchFamily="49" charset="0"/>
+              </a:rPr>
+              <a:t>++</a:t>
+            </a:r>
+            <a:endParaRPr lang="ko-KR" altLang="en-US" b="0" dirty="0">
+              <a:solidFill>
+                <a:srgbClr val="000000"/>
+              </a:solidFill>
+              <a:effectLst/>
+              <a:latin typeface="Consolas" panose="020B0609020204030204" pitchFamily="49" charset="0"/>
             </a:endParaRPr>
           </a:p>
           <a:p>
             <a:r>
-              <a:rPr lang="ko-KR" altLang="en-US" sz="2000" b="1" dirty="0"/>
-              <a:t>연결 성분 </a:t>
-            </a:r>
-            <a:r>
-              <a:rPr lang="en-US" altLang="ko-KR" sz="2000" b="1" dirty="0"/>
-              <a:t>Connected Component</a:t>
-            </a:r>
-          </a:p>
-          <a:p>
-            <a:r>
-              <a:rPr lang="ko-KR" altLang="en-US" sz="2000" dirty="0"/>
-              <a:t>여러 개의 노드 집합에서 간선으로 연결된 각각의 그래프</a:t>
-            </a:r>
-            <a:endParaRPr lang="en-US" altLang="ko-KR" sz="2000" dirty="0"/>
-          </a:p>
-          <a:p>
-            <a:endParaRPr lang="en-US" altLang="ko-KR" sz="2000" dirty="0"/>
-          </a:p>
-          <a:p>
-            <a:endParaRPr lang="en-US" altLang="ko-KR" sz="2000" b="1" dirty="0"/>
-          </a:p>
-          <a:p>
-            <a:r>
-              <a:rPr lang="ko-KR" altLang="en-US" sz="2000" b="1" dirty="0"/>
-              <a:t>신장 트리</a:t>
-            </a:r>
-            <a:r>
-              <a:rPr lang="en-US" altLang="ko-KR" sz="2000" b="1" dirty="0"/>
-              <a:t> Spanning Tree</a:t>
+              <a:rPr lang="ko-KR" altLang="en-US" b="0" dirty="0">
+                <a:solidFill>
+                  <a:srgbClr val="000000"/>
+                </a:solidFill>
+                <a:effectLst/>
+                <a:latin typeface="Consolas" panose="020B0609020204030204" pitchFamily="49" charset="0"/>
+              </a:rPr>
+              <a:t>        </a:t>
+            </a:r>
+            <a:r>
+              <a:rPr lang="en-US" altLang="ko-KR" b="0" dirty="0" err="1">
+                <a:solidFill>
+                  <a:srgbClr val="000000"/>
+                </a:solidFill>
+                <a:effectLst/>
+                <a:latin typeface="Consolas" panose="020B0609020204030204" pitchFamily="49" charset="0"/>
+              </a:rPr>
+              <a:t>dfs</a:t>
+            </a:r>
+            <a:r>
+              <a:rPr lang="en-US" altLang="ko-KR" b="0" dirty="0">
+                <a:solidFill>
+                  <a:srgbClr val="000000"/>
+                </a:solidFill>
+                <a:effectLst/>
+                <a:latin typeface="Consolas" panose="020B0609020204030204" pitchFamily="49" charset="0"/>
+              </a:rPr>
+              <a:t>(</a:t>
+            </a:r>
+            <a:r>
+              <a:rPr lang="en-US" altLang="ko-KR" b="0" dirty="0" err="1">
+                <a:solidFill>
+                  <a:srgbClr val="000000"/>
+                </a:solidFill>
+                <a:effectLst/>
+                <a:latin typeface="Consolas" panose="020B0609020204030204" pitchFamily="49" charset="0"/>
+              </a:rPr>
+              <a:t>arrayLists</a:t>
+            </a:r>
+            <a:r>
+              <a:rPr lang="en-US" altLang="ko-KR" b="0" dirty="0">
+                <a:solidFill>
+                  <a:srgbClr val="000000"/>
+                </a:solidFill>
+                <a:effectLst/>
+                <a:latin typeface="Consolas" panose="020B0609020204030204" pitchFamily="49" charset="0"/>
+              </a:rPr>
+              <a:t>, </a:t>
+            </a:r>
+            <a:r>
+              <a:rPr lang="en-US" altLang="ko-KR" b="0" dirty="0" err="1">
+                <a:solidFill>
+                  <a:srgbClr val="000000"/>
+                </a:solidFill>
+                <a:effectLst/>
+                <a:latin typeface="Consolas" panose="020B0609020204030204" pitchFamily="49" charset="0"/>
+              </a:rPr>
+              <a:t>i</a:t>
+            </a:r>
+            <a:r>
+              <a:rPr lang="en-US" altLang="ko-KR" b="0" dirty="0">
+                <a:solidFill>
+                  <a:srgbClr val="000000"/>
+                </a:solidFill>
+                <a:effectLst/>
+                <a:latin typeface="Consolas" panose="020B0609020204030204" pitchFamily="49" charset="0"/>
+              </a:rPr>
+              <a:t>, visited); // </a:t>
+            </a:r>
+            <a:r>
+              <a:rPr lang="en-US" altLang="ko-KR" b="0" dirty="0" err="1">
+                <a:solidFill>
+                  <a:srgbClr val="000000"/>
+                </a:solidFill>
+                <a:effectLst/>
+                <a:latin typeface="Consolas" panose="020B0609020204030204" pitchFamily="49" charset="0"/>
+              </a:rPr>
+              <a:t>dfs</a:t>
+            </a:r>
+            <a:r>
+              <a:rPr lang="en-US" altLang="ko-KR" b="0" dirty="0">
+                <a:solidFill>
+                  <a:srgbClr val="000000"/>
+                </a:solidFill>
+                <a:effectLst/>
+                <a:latin typeface="Consolas" panose="020B0609020204030204" pitchFamily="49" charset="0"/>
+              </a:rPr>
+              <a:t> </a:t>
+            </a:r>
+            <a:r>
+              <a:rPr lang="ko-KR" altLang="en-US" b="0" dirty="0">
+                <a:solidFill>
+                  <a:srgbClr val="000000"/>
+                </a:solidFill>
+                <a:effectLst/>
+                <a:latin typeface="Consolas" panose="020B0609020204030204" pitchFamily="49" charset="0"/>
+              </a:rPr>
+              <a:t>탐색</a:t>
+            </a:r>
+          </a:p>
+          <a:p>
+            <a:r>
+              <a:rPr lang="ko-KR" altLang="en-US" b="0" dirty="0">
+                <a:solidFill>
+                  <a:srgbClr val="000000"/>
+                </a:solidFill>
+                <a:effectLst/>
+                <a:latin typeface="Consolas" panose="020B0609020204030204" pitchFamily="49" charset="0"/>
+              </a:rPr>
+              <a:t>        </a:t>
+            </a:r>
+            <a:r>
+              <a:rPr lang="en-US" altLang="ko-KR" b="0" dirty="0" err="1">
+                <a:solidFill>
+                  <a:srgbClr val="000000"/>
+                </a:solidFill>
+                <a:effectLst/>
+                <a:latin typeface="Consolas" panose="020B0609020204030204" pitchFamily="49" charset="0"/>
+              </a:rPr>
+              <a:t>cntComponent</a:t>
+            </a:r>
+            <a:r>
+              <a:rPr lang="en-US" altLang="ko-KR" b="0" dirty="0">
+                <a:solidFill>
+                  <a:srgbClr val="CD3131"/>
+                </a:solidFill>
+                <a:effectLst/>
+                <a:latin typeface="Consolas" panose="020B0609020204030204" pitchFamily="49" charset="0"/>
+              </a:rPr>
+              <a:t>++</a:t>
+            </a:r>
+            <a:r>
+              <a:rPr lang="en-US" altLang="ko-KR" b="0" dirty="0">
+                <a:solidFill>
+                  <a:srgbClr val="000000"/>
+                </a:solidFill>
+                <a:effectLst/>
+                <a:latin typeface="Consolas" panose="020B0609020204030204" pitchFamily="49" charset="0"/>
+              </a:rPr>
+              <a:t>;</a:t>
+            </a:r>
+          </a:p>
+          <a:p>
+            <a:r>
+              <a:rPr lang="en-US" altLang="ko-KR" b="0" dirty="0">
+                <a:solidFill>
+                  <a:srgbClr val="000000"/>
+                </a:solidFill>
+                <a:effectLst/>
+                <a:latin typeface="Consolas" panose="020B0609020204030204" pitchFamily="49" charset="0"/>
+              </a:rPr>
+              <a:t>    }</a:t>
+            </a:r>
+          </a:p>
+          <a:p>
+            <a:r>
+              <a:rPr lang="en-US" altLang="ko-KR" b="0" dirty="0">
+                <a:solidFill>
+                  <a:srgbClr val="000000"/>
+                </a:solidFill>
+                <a:effectLst/>
+                <a:latin typeface="Consolas" panose="020B0609020204030204" pitchFamily="49" charset="0"/>
+              </a:rPr>
+              <a:t>}</a:t>
             </a:r>
           </a:p>
         </p:txBody>
@@ -6486,7 +9832,711 @@
     </p:spTree>
     <p:extLst>
       <p:ext uri="{BB962C8B-B14F-4D97-AF65-F5344CB8AC3E}">
-        <p14:creationId xmlns:p14="http://schemas.microsoft.com/office/powerpoint/2010/main" val="1381487637"/>
+        <p14:creationId xmlns:p14="http://schemas.microsoft.com/office/powerpoint/2010/main" val="2268530310"/>
+      </p:ext>
+    </p:extLst>
+  </p:cSld>
+  <p:clrMapOvr>
+    <a:masterClrMapping/>
+  </p:clrMapOvr>
+</p:sld>
+</file>
+
+<file path=ppt/slides/slide8.xml><?xml version="1.0" encoding="utf-8"?>
+<p:sld xmlns:a="http://schemas.openxmlformats.org/drawingml/2006/main" xmlns:r="http://schemas.openxmlformats.org/officeDocument/2006/relationships" xmlns:p="http://schemas.openxmlformats.org/presentationml/2006/main">
+  <p:cSld>
+    <p:spTree>
+      <p:nvGrpSpPr>
+        <p:cNvPr id="1" name=""/>
+        <p:cNvGrpSpPr/>
+        <p:nvPr/>
+      </p:nvGrpSpPr>
+      <p:grpSpPr>
+        <a:xfrm>
+          <a:off x="0" y="0"/>
+          <a:ext cx="0" cy="0"/>
+          <a:chOff x="0" y="0"/>
+          <a:chExt cx="0" cy="0"/>
+        </a:xfrm>
+      </p:grpSpPr>
+      <p:sp>
+        <p:nvSpPr>
+          <p:cNvPr id="2" name="TextBox 1">
+            <a:extLst>
+              <a:ext uri="{FF2B5EF4-FFF2-40B4-BE49-F238E27FC236}">
+                <a16:creationId xmlns:a16="http://schemas.microsoft.com/office/drawing/2014/main" id="{55BB2B3D-7EFE-4E80-80D2-F23079C3D781}"/>
+              </a:ext>
+            </a:extLst>
+          </p:cNvPr>
+          <p:cNvSpPr txBox="1"/>
+          <p:nvPr/>
+        </p:nvSpPr>
+        <p:spPr>
+          <a:xfrm>
+            <a:off x="351623" y="381178"/>
+            <a:ext cx="11294946" cy="2862322"/>
+          </a:xfrm>
+          <a:prstGeom prst="rect">
+            <a:avLst/>
+          </a:prstGeom>
+          <a:noFill/>
+        </p:spPr>
+        <p:txBody>
+          <a:bodyPr wrap="square" rtlCol="0">
+            <a:spAutoFit/>
+          </a:bodyPr>
+          <a:lstStyle/>
+          <a:p>
+            <a:r>
+              <a:rPr lang="en-US" altLang="ko-KR" sz="2000" b="1" dirty="0"/>
+              <a:t>- </a:t>
+            </a:r>
+            <a:r>
+              <a:rPr lang="ko-KR" altLang="en-US" sz="2000" b="1" dirty="0"/>
+              <a:t>신장 트리</a:t>
+            </a:r>
+            <a:r>
+              <a:rPr lang="en-US" altLang="ko-KR" sz="2000" b="1" dirty="0"/>
+              <a:t> Spanning Tree</a:t>
+            </a:r>
+          </a:p>
+          <a:p>
+            <a:r>
+              <a:rPr lang="ko-KR" altLang="en-US" sz="2000" dirty="0"/>
+              <a:t>그래프 내의 모든 정점을 포함하는 트리</a:t>
+            </a:r>
+            <a:endParaRPr lang="en-US" altLang="ko-KR" sz="2000" dirty="0"/>
+          </a:p>
+          <a:p>
+            <a:r>
+              <a:rPr lang="ko-KR" altLang="en-US" sz="2000" dirty="0"/>
+              <a:t>최소의 링크를 사용하는 네트워크 구축 시 사용 </a:t>
+            </a:r>
+            <a:r>
+              <a:rPr lang="en-US" altLang="ko-KR" sz="2000" dirty="0"/>
+              <a:t>(</a:t>
+            </a:r>
+            <a:r>
+              <a:rPr lang="ko-KR" altLang="en-US" sz="2000" dirty="0"/>
+              <a:t>통신망</a:t>
+            </a:r>
+            <a:r>
+              <a:rPr lang="en-US" altLang="ko-KR" sz="2000" dirty="0"/>
+              <a:t>, </a:t>
+            </a:r>
+            <a:r>
+              <a:rPr lang="ko-KR" altLang="en-US" sz="2000" dirty="0"/>
+              <a:t>도로망</a:t>
+            </a:r>
+            <a:r>
+              <a:rPr lang="en-US" altLang="ko-KR" sz="2000" dirty="0"/>
+              <a:t>, </a:t>
+            </a:r>
+            <a:r>
+              <a:rPr lang="ko-KR" altLang="en-US" sz="2000" dirty="0"/>
+              <a:t>유통망 등</a:t>
+            </a:r>
+            <a:r>
+              <a:rPr lang="en-US" altLang="ko-KR" sz="2000" dirty="0"/>
+              <a:t>)</a:t>
+            </a:r>
+          </a:p>
+          <a:p>
+            <a:endParaRPr lang="en-US" altLang="ko-KR" sz="2000" dirty="0"/>
+          </a:p>
+          <a:p>
+            <a:r>
+              <a:rPr lang="ko-KR" altLang="en-US" sz="2000" dirty="0"/>
+              <a:t>조건</a:t>
+            </a:r>
+            <a:endParaRPr lang="en-US" altLang="ko-KR" sz="2000" dirty="0"/>
+          </a:p>
+          <a:p>
+            <a:pPr marL="457200" indent="-457200">
+              <a:buAutoNum type="arabicPeriod"/>
+            </a:pPr>
+            <a:r>
+              <a:rPr lang="ko-KR" altLang="en-US" sz="2000" dirty="0"/>
+              <a:t>모든 정점들이 연결되어야 함</a:t>
+            </a:r>
+            <a:endParaRPr lang="en-US" altLang="ko-KR" sz="2000" dirty="0"/>
+          </a:p>
+          <a:p>
+            <a:pPr marL="457200" indent="-457200">
+              <a:buAutoNum type="arabicPeriod"/>
+            </a:pPr>
+            <a:r>
+              <a:rPr lang="ko-KR" altLang="en-US" sz="2000" dirty="0"/>
+              <a:t>사이클이 없어야 함</a:t>
+            </a:r>
+            <a:r>
+              <a:rPr lang="en-US" altLang="ko-KR" sz="2000" dirty="0"/>
+              <a:t>. </a:t>
+            </a:r>
+            <a:r>
+              <a:rPr lang="ko-KR" altLang="en-US" sz="2000" dirty="0"/>
+              <a:t>재방문</a:t>
+            </a:r>
+            <a:r>
+              <a:rPr lang="en-US" altLang="ko-KR" sz="2000" dirty="0"/>
+              <a:t>X</a:t>
+            </a:r>
+          </a:p>
+          <a:p>
+            <a:pPr marL="457200" indent="-457200">
+              <a:buAutoNum type="arabicPeriod"/>
+            </a:pPr>
+            <a:r>
+              <a:rPr lang="en-US" altLang="ko-KR" sz="2000" u="sng" dirty="0"/>
+              <a:t>n</a:t>
+            </a:r>
+            <a:r>
+              <a:rPr lang="ko-KR" altLang="en-US" sz="2000" u="sng" dirty="0"/>
+              <a:t>개의 정점</a:t>
+            </a:r>
+            <a:r>
+              <a:rPr lang="ko-KR" altLang="en-US" sz="2000" dirty="0"/>
+              <a:t>을 </a:t>
+            </a:r>
+            <a:r>
+              <a:rPr lang="en-US" altLang="ko-KR" sz="2000" u="sng" dirty="0"/>
+              <a:t>n-1</a:t>
+            </a:r>
+            <a:r>
+              <a:rPr lang="ko-KR" altLang="en-US" sz="2000" u="sng" dirty="0"/>
+              <a:t>개의 간선</a:t>
+            </a:r>
+            <a:r>
+              <a:rPr lang="ko-KR" altLang="en-US" sz="2000" dirty="0"/>
+              <a:t>으로 연결</a:t>
+            </a:r>
+            <a:endParaRPr lang="en-US" altLang="ko-KR" sz="2000" dirty="0"/>
+          </a:p>
+          <a:p>
+            <a:endParaRPr lang="en-US" altLang="ko-KR" sz="2000" dirty="0"/>
+          </a:p>
+        </p:txBody>
+      </p:sp>
+      <p:pic>
+        <p:nvPicPr>
+          <p:cNvPr id="4" name="그림 3">
+            <a:extLst>
+              <a:ext uri="{FF2B5EF4-FFF2-40B4-BE49-F238E27FC236}">
+                <a16:creationId xmlns:a16="http://schemas.microsoft.com/office/drawing/2014/main" id="{AC8EB90C-4ED9-A0A1-04F1-9A8C83544E92}"/>
+              </a:ext>
+            </a:extLst>
+          </p:cNvPr>
+          <p:cNvPicPr>
+            <a:picLocks noChangeAspect="1"/>
+          </p:cNvPicPr>
+          <p:nvPr/>
+        </p:nvPicPr>
+        <p:blipFill>
+          <a:blip r:embed="rId3"/>
+          <a:stretch>
+            <a:fillRect/>
+          </a:stretch>
+        </p:blipFill>
+        <p:spPr>
+          <a:xfrm>
+            <a:off x="3208656" y="3047822"/>
+            <a:ext cx="5774687" cy="3429000"/>
+          </a:xfrm>
+          <a:prstGeom prst="rect">
+            <a:avLst/>
+          </a:prstGeom>
+        </p:spPr>
+      </p:pic>
+    </p:spTree>
+    <p:extLst>
+      <p:ext uri="{BB962C8B-B14F-4D97-AF65-F5344CB8AC3E}">
+        <p14:creationId xmlns:p14="http://schemas.microsoft.com/office/powerpoint/2010/main" val="229115261"/>
+      </p:ext>
+    </p:extLst>
+  </p:cSld>
+  <p:clrMapOvr>
+    <a:masterClrMapping/>
+  </p:clrMapOvr>
+</p:sld>
+</file>
+
+<file path=ppt/slides/slide9.xml><?xml version="1.0" encoding="utf-8"?>
+<p:sld xmlns:a="http://schemas.openxmlformats.org/drawingml/2006/main" xmlns:r="http://schemas.openxmlformats.org/officeDocument/2006/relationships" xmlns:p="http://schemas.openxmlformats.org/presentationml/2006/main">
+  <p:cSld>
+    <p:spTree>
+      <p:nvGrpSpPr>
+        <p:cNvPr id="1" name=""/>
+        <p:cNvGrpSpPr/>
+        <p:nvPr/>
+      </p:nvGrpSpPr>
+      <p:grpSpPr>
+        <a:xfrm>
+          <a:off x="0" y="0"/>
+          <a:ext cx="0" cy="0"/>
+          <a:chOff x="0" y="0"/>
+          <a:chExt cx="0" cy="0"/>
+        </a:xfrm>
+      </p:grpSpPr>
+      <p:sp>
+        <p:nvSpPr>
+          <p:cNvPr id="2" name="TextBox 1">
+            <a:extLst>
+              <a:ext uri="{FF2B5EF4-FFF2-40B4-BE49-F238E27FC236}">
+                <a16:creationId xmlns:a16="http://schemas.microsoft.com/office/drawing/2014/main" id="{55BB2B3D-7EFE-4E80-80D2-F23079C3D781}"/>
+              </a:ext>
+            </a:extLst>
+          </p:cNvPr>
+          <p:cNvSpPr txBox="1"/>
+          <p:nvPr/>
+        </p:nvSpPr>
+        <p:spPr>
+          <a:xfrm>
+            <a:off x="256675" y="13603"/>
+            <a:ext cx="11726778" cy="6863417"/>
+          </a:xfrm>
+          <a:prstGeom prst="rect">
+            <a:avLst/>
+          </a:prstGeom>
+          <a:noFill/>
+        </p:spPr>
+        <p:txBody>
+          <a:bodyPr wrap="square" rtlCol="0">
+            <a:spAutoFit/>
+          </a:bodyPr>
+          <a:lstStyle/>
+          <a:p>
+            <a:r>
+              <a:rPr lang="en-US" altLang="ko-KR" sz="2000" b="1" dirty="0"/>
+              <a:t>- </a:t>
+            </a:r>
+            <a:r>
+              <a:rPr lang="ko-KR" altLang="en-US" sz="2000" b="1" dirty="0"/>
+              <a:t>최소 비용 신장 트리</a:t>
+            </a:r>
+            <a:r>
+              <a:rPr lang="en-US" altLang="ko-KR" sz="2000" b="1" dirty="0"/>
+              <a:t> minimum cost spanning tree (MST)</a:t>
+            </a:r>
+          </a:p>
+          <a:p>
+            <a:r>
+              <a:rPr lang="ko-KR" altLang="en-US" sz="2000" dirty="0"/>
+              <a:t>가중치가 부여된 </a:t>
+            </a:r>
+            <a:r>
+              <a:rPr lang="ko-KR" altLang="en-US" sz="2000" dirty="0" err="1"/>
+              <a:t>무방향</a:t>
+            </a:r>
+            <a:r>
+              <a:rPr lang="ko-KR" altLang="en-US" sz="2000" dirty="0"/>
+              <a:t> 그래프의 신장 트리 비용</a:t>
+            </a:r>
+            <a:r>
+              <a:rPr lang="en-US" altLang="ko-KR" sz="2000" dirty="0"/>
+              <a:t>: </a:t>
+            </a:r>
+            <a:r>
+              <a:rPr lang="ko-KR" altLang="en-US" sz="2000" dirty="0"/>
+              <a:t>신장 트리를 구성하는 모든 간선의 비용의 합</a:t>
+            </a:r>
+            <a:endParaRPr lang="en-US" altLang="ko-KR" sz="2000" dirty="0"/>
+          </a:p>
+          <a:p>
+            <a:r>
+              <a:rPr lang="ko-KR" altLang="en-US" sz="2000" dirty="0"/>
+              <a:t>최소 비용 신장 </a:t>
+            </a:r>
+            <a:r>
+              <a:rPr lang="ko-KR" altLang="en-US" sz="2000" dirty="0" err="1"/>
+              <a:t>트리란</a:t>
+            </a:r>
+            <a:r>
+              <a:rPr lang="en-US" altLang="ko-KR" sz="2000" dirty="0"/>
+              <a:t>? </a:t>
+            </a:r>
+            <a:r>
+              <a:rPr lang="ko-KR" altLang="en-US" sz="2000" dirty="0"/>
+              <a:t>트리를 구성하는 간선들의 가중치를 합한 것이 최소가 되는 신장 트리</a:t>
+            </a:r>
+            <a:endParaRPr lang="en-US" altLang="ko-KR" sz="2000" dirty="0"/>
+          </a:p>
+          <a:p>
+            <a:endParaRPr lang="en-US" altLang="ko-KR" sz="2000" dirty="0"/>
+          </a:p>
+          <a:p>
+            <a:r>
+              <a:rPr lang="ko-KR" altLang="en-US" sz="2000" dirty="0"/>
+              <a:t>최소 비용 신장 트리를 찾아내는 방법</a:t>
+            </a:r>
+            <a:r>
+              <a:rPr lang="en-US" altLang="ko-KR" sz="2000" dirty="0"/>
+              <a:t>: </a:t>
+            </a:r>
+            <a:r>
+              <a:rPr lang="ko-KR" altLang="en-US" sz="2000" dirty="0" err="1"/>
+              <a:t>크루스칼</a:t>
+            </a:r>
+            <a:r>
+              <a:rPr lang="en-US" altLang="ko-KR" sz="2000" dirty="0"/>
+              <a:t>(Kruskal),</a:t>
+            </a:r>
+            <a:r>
+              <a:rPr lang="ko-KR" altLang="en-US" sz="2000" dirty="0"/>
+              <a:t> </a:t>
+            </a:r>
+            <a:r>
+              <a:rPr lang="ko-KR" altLang="en-US" sz="2000" dirty="0" err="1"/>
+              <a:t>프림</a:t>
+            </a:r>
+            <a:r>
+              <a:rPr lang="en-US" altLang="ko-KR" sz="2000" dirty="0"/>
+              <a:t>(Prim) &lt;- greedy method</a:t>
+            </a:r>
+            <a:r>
+              <a:rPr lang="ko-KR" altLang="en-US" sz="2000" dirty="0"/>
+              <a:t>로 구현됨</a:t>
+            </a:r>
+            <a:endParaRPr lang="en-US" altLang="ko-KR" sz="2000" dirty="0"/>
+          </a:p>
+          <a:p>
+            <a:endParaRPr lang="en-US" altLang="ko-KR" sz="2000" dirty="0"/>
+          </a:p>
+          <a:p>
+            <a:r>
+              <a:rPr lang="en-US" altLang="ko-KR" sz="2000" b="1" dirty="0"/>
+              <a:t>- </a:t>
+            </a:r>
+            <a:r>
+              <a:rPr lang="ko-KR" altLang="en-US" sz="2000" b="1" dirty="0" err="1"/>
+              <a:t>크루스칼</a:t>
+            </a:r>
+            <a:r>
+              <a:rPr lang="ko-KR" altLang="en-US" sz="2000" b="1" dirty="0"/>
+              <a:t> 알고리즘 </a:t>
+            </a:r>
+            <a:r>
+              <a:rPr lang="en-US" altLang="ko-KR" sz="2000" b="1" dirty="0"/>
+              <a:t>Kruskal Algorithm</a:t>
+            </a:r>
+          </a:p>
+          <a:p>
+            <a:r>
+              <a:rPr lang="ko-KR" altLang="en-US" sz="2000" dirty="0"/>
+              <a:t>그래프의 </a:t>
+            </a:r>
+            <a:r>
+              <a:rPr lang="en-US" altLang="ko-KR" sz="2000" dirty="0"/>
+              <a:t>edge </a:t>
+            </a:r>
+            <a:r>
+              <a:rPr lang="ko-KR" altLang="en-US" sz="2000" dirty="0"/>
+              <a:t>중 비용이 가장 낮은 </a:t>
+            </a:r>
+            <a:r>
+              <a:rPr lang="en-US" altLang="ko-KR" sz="2000" dirty="0"/>
+              <a:t>edge</a:t>
+            </a:r>
+            <a:r>
+              <a:rPr lang="ko-KR" altLang="en-US" sz="2000" dirty="0"/>
+              <a:t>들로 트리를 구성하는 알고리즘</a:t>
+            </a:r>
+            <a:endParaRPr lang="en-US" altLang="ko-KR" sz="2000" dirty="0"/>
+          </a:p>
+          <a:p>
+            <a:pPr marL="457200" indent="-457200">
+              <a:buAutoNum type="arabicPeriod"/>
+            </a:pPr>
+            <a:r>
+              <a:rPr lang="ko-KR" altLang="en-US" sz="2000" dirty="0"/>
+              <a:t>간선들을 가중치의 오름차순으로 정렬</a:t>
+            </a:r>
+            <a:endParaRPr lang="en-US" altLang="ko-KR" sz="2000" dirty="0"/>
+          </a:p>
+          <a:p>
+            <a:pPr marL="457200" indent="-457200">
+              <a:buAutoNum type="arabicPeriod"/>
+            </a:pPr>
+            <a:r>
+              <a:rPr lang="ko-KR" altLang="en-US" sz="2000" dirty="0"/>
+              <a:t>간선들을 순서대로 하나씩 선택하되</a:t>
+            </a:r>
+            <a:r>
+              <a:rPr lang="en-US" altLang="ko-KR" sz="2000" dirty="0"/>
+              <a:t>, </a:t>
+            </a:r>
+            <a:r>
+              <a:rPr lang="ko-KR" altLang="en-US" sz="2000" dirty="0"/>
+              <a:t>이미 선택된 간선들과 사이클이 형성되면 선택 </a:t>
+            </a:r>
+            <a:r>
+              <a:rPr lang="en-US" altLang="ko-KR" sz="2000" dirty="0"/>
+              <a:t>X</a:t>
+            </a:r>
+          </a:p>
+          <a:p>
+            <a:pPr lvl="1"/>
+            <a:r>
+              <a:rPr lang="en-US" altLang="ko-KR" sz="2000" dirty="0"/>
+              <a:t>(</a:t>
+            </a:r>
+            <a:r>
+              <a:rPr lang="ko-KR" altLang="en-US" sz="2000" dirty="0"/>
+              <a:t>사이클 형성 되는지 확인 방법</a:t>
+            </a:r>
+            <a:r>
+              <a:rPr lang="en-US" altLang="ko-KR" sz="2000" dirty="0"/>
+              <a:t>: Disjoint Set </a:t>
+            </a:r>
+            <a:r>
+              <a:rPr lang="ko-KR" altLang="en-US" sz="2000" dirty="0"/>
+              <a:t>사용</a:t>
+            </a:r>
+            <a:r>
+              <a:rPr lang="en-US" altLang="ko-KR" sz="2000" dirty="0"/>
+              <a:t>)</a:t>
+            </a:r>
+          </a:p>
+          <a:p>
+            <a:pPr marL="457200" indent="-457200">
+              <a:buAutoNum type="arabicPeriod"/>
+            </a:pPr>
+            <a:r>
+              <a:rPr lang="en-US" altLang="ko-KR" sz="2000" dirty="0"/>
+              <a:t>N-1</a:t>
+            </a:r>
+            <a:r>
+              <a:rPr lang="ko-KR" altLang="en-US" sz="2000" dirty="0"/>
+              <a:t>개의 간선이 선택되면 종료</a:t>
+            </a:r>
+            <a:endParaRPr lang="en-US" altLang="ko-KR" sz="2000" dirty="0"/>
+          </a:p>
+          <a:p>
+            <a:endParaRPr lang="en-US" altLang="ko-KR" sz="2000" dirty="0"/>
+          </a:p>
+          <a:p>
+            <a:r>
+              <a:rPr lang="en-US" altLang="ko-KR" sz="2000" dirty="0"/>
+              <a:t>** Disjoint Set: </a:t>
+            </a:r>
+            <a:r>
+              <a:rPr lang="ko-KR" altLang="en-US" sz="2000" dirty="0"/>
+              <a:t>교집합이 없는 서로 다른 데이터들로 이루어진 자료구조</a:t>
+            </a:r>
+            <a:endParaRPr lang="en-US" altLang="ko-KR" sz="2000" dirty="0"/>
+          </a:p>
+          <a:p>
+            <a:r>
+              <a:rPr lang="ko-KR" altLang="en-US" sz="2000" dirty="0"/>
+              <a:t>전체집합 </a:t>
+            </a:r>
+            <a:r>
+              <a:rPr lang="en-US" altLang="ko-KR" sz="2000" dirty="0"/>
+              <a:t>S={1,2,3,4}, </a:t>
+            </a:r>
+            <a:r>
+              <a:rPr lang="ko-KR" altLang="en-US" sz="2000" dirty="0"/>
+              <a:t>부분집합 </a:t>
+            </a:r>
+            <a:r>
+              <a:rPr lang="en-US" altLang="ko-KR" sz="2000" dirty="0"/>
+              <a:t>A={1,2}, B={3,4}</a:t>
+            </a:r>
+            <a:r>
+              <a:rPr lang="ko-KR" altLang="en-US" sz="2000" dirty="0"/>
+              <a:t>는 서로 </a:t>
+            </a:r>
+            <a:r>
+              <a:rPr lang="en-US" altLang="ko-KR" sz="2000" dirty="0"/>
+              <a:t>Disjoint Set</a:t>
+            </a:r>
+          </a:p>
+          <a:p>
+            <a:r>
+              <a:rPr lang="en-US" altLang="ko-KR" sz="2000" dirty="0"/>
+              <a:t>- Disjoint Set </a:t>
+            </a:r>
+            <a:r>
+              <a:rPr lang="ko-KR" altLang="en-US" sz="2000" dirty="0"/>
+              <a:t>연산</a:t>
+            </a:r>
+            <a:endParaRPr lang="en-US" altLang="ko-KR" sz="2000" dirty="0"/>
+          </a:p>
+          <a:p>
+            <a:r>
+              <a:rPr lang="en-US" altLang="ko-KR" sz="2000" dirty="0"/>
+              <a:t>Make-Set(x): </a:t>
+            </a:r>
+            <a:r>
+              <a:rPr lang="ko-KR" altLang="en-US" sz="2000" dirty="0"/>
+              <a:t>원소 </a:t>
+            </a:r>
+            <a:r>
+              <a:rPr lang="en-US" altLang="ko-KR" sz="2000" dirty="0"/>
+              <a:t>x</a:t>
+            </a:r>
+            <a:r>
+              <a:rPr lang="ko-KR" altLang="en-US" sz="2000" dirty="0"/>
+              <a:t>에 대해 독립된 집합을 만듦</a:t>
+            </a:r>
+            <a:r>
+              <a:rPr lang="en-US" altLang="ko-KR" sz="2000" dirty="0"/>
+              <a:t>			</a:t>
+            </a:r>
+            <a:r>
+              <a:rPr lang="ko-KR" altLang="en-US" sz="2000" dirty="0" err="1"/>
+              <a:t>시간복잡도</a:t>
+            </a:r>
+            <a:r>
+              <a:rPr lang="en-US" altLang="ko-KR" sz="2000" dirty="0"/>
+              <a:t>: O(N)</a:t>
+            </a:r>
+          </a:p>
+          <a:p>
+            <a:r>
+              <a:rPr lang="en-US" altLang="ko-KR" sz="2000" dirty="0"/>
+              <a:t>Find(x): x</a:t>
+            </a:r>
+            <a:r>
+              <a:rPr lang="ko-KR" altLang="en-US" sz="2000" dirty="0"/>
+              <a:t>가 속한 부분집합의 대표 값</a:t>
+            </a:r>
+            <a:r>
+              <a:rPr lang="en-US" altLang="ko-KR" sz="2000" dirty="0"/>
+              <a:t>(</a:t>
+            </a:r>
+            <a:r>
+              <a:rPr lang="ko-KR" altLang="en-US" sz="2000" dirty="0"/>
+              <a:t>루트 노드</a:t>
+            </a:r>
+            <a:r>
+              <a:rPr lang="en-US" altLang="ko-KR" sz="2000" dirty="0"/>
+              <a:t>) </a:t>
+            </a:r>
+            <a:r>
+              <a:rPr lang="ko-KR" altLang="en-US" sz="2000" dirty="0"/>
+              <a:t>반환</a:t>
+            </a:r>
+            <a:r>
+              <a:rPr lang="en-US" altLang="ko-KR" sz="2000" dirty="0"/>
+              <a:t>		</a:t>
+            </a:r>
+            <a:r>
+              <a:rPr lang="ko-KR" altLang="en-US" sz="2000" dirty="0" err="1"/>
+              <a:t>시간복잡도</a:t>
+            </a:r>
+            <a:r>
+              <a:rPr lang="en-US" altLang="ko-KR" sz="2000" dirty="0"/>
+              <a:t>: O(h), h</a:t>
+            </a:r>
+            <a:r>
+              <a:rPr lang="ko-KR" altLang="en-US" sz="2000" dirty="0"/>
+              <a:t>는 트리의 높이</a:t>
+            </a:r>
+            <a:endParaRPr lang="en-US" altLang="ko-KR" sz="2000" dirty="0"/>
+          </a:p>
+          <a:p>
+            <a:r>
+              <a:rPr lang="en-US" altLang="ko-KR" sz="2000" dirty="0"/>
+              <a:t>									h</a:t>
+            </a:r>
+            <a:r>
+              <a:rPr lang="ko-KR" altLang="en-US" sz="2000" dirty="0"/>
+              <a:t>는 최대 </a:t>
+            </a:r>
+            <a:r>
+              <a:rPr lang="en-US" altLang="ko-KR" sz="2000" dirty="0" err="1"/>
+              <a:t>logN</a:t>
+            </a:r>
+            <a:r>
+              <a:rPr lang="en-US" altLang="ko-KR" sz="2000" dirty="0"/>
+              <a:t> =&gt; O(</a:t>
+            </a:r>
+            <a:r>
+              <a:rPr lang="en-US" altLang="ko-KR" sz="2000" dirty="0" err="1"/>
+              <a:t>logN</a:t>
+            </a:r>
+            <a:r>
+              <a:rPr lang="en-US" altLang="ko-KR" sz="2000" dirty="0"/>
+              <a:t>)</a:t>
+            </a:r>
+          </a:p>
+          <a:p>
+            <a:r>
+              <a:rPr lang="en-US" altLang="ko-KR" sz="2000" dirty="0"/>
+              <a:t>	Find </a:t>
+            </a:r>
+            <a:r>
+              <a:rPr lang="ko-KR" altLang="en-US" sz="2000" dirty="0"/>
+              <a:t>연산을 수행하면서 트리의 높이를 낮추는 것</a:t>
+            </a:r>
+            <a:r>
+              <a:rPr lang="en-US" altLang="ko-KR" sz="2000" dirty="0"/>
+              <a:t>: Path Compression</a:t>
+            </a:r>
+          </a:p>
+          <a:p>
+            <a:r>
+              <a:rPr lang="en-US" altLang="ko-KR" sz="2000" dirty="0"/>
+              <a:t>Union(</a:t>
+            </a:r>
+            <a:r>
+              <a:rPr lang="en-US" altLang="ko-KR" sz="2000" dirty="0" err="1"/>
+              <a:t>x,y</a:t>
+            </a:r>
+            <a:r>
+              <a:rPr lang="en-US" altLang="ko-KR" sz="2000" dirty="0"/>
+              <a:t>):</a:t>
+            </a:r>
+            <a:r>
+              <a:rPr lang="ko-KR" altLang="en-US" sz="2000" dirty="0"/>
+              <a:t> </a:t>
+            </a:r>
+            <a:r>
+              <a:rPr lang="en-US" altLang="ko-KR" sz="2000" dirty="0"/>
+              <a:t>x</a:t>
+            </a:r>
+            <a:r>
+              <a:rPr lang="ko-KR" altLang="en-US" sz="2000" dirty="0"/>
+              <a:t>가 속한 부분 집합과 </a:t>
+            </a:r>
+            <a:r>
+              <a:rPr lang="en-US" altLang="ko-KR" sz="2000" dirty="0"/>
+              <a:t>y</a:t>
+            </a:r>
+            <a:r>
+              <a:rPr lang="ko-KR" altLang="en-US" sz="2000" dirty="0"/>
+              <a:t>가 속한 부분집합을 합침</a:t>
+            </a:r>
+            <a:r>
+              <a:rPr lang="en-US" altLang="ko-KR" sz="2000" dirty="0"/>
+              <a:t>	</a:t>
+            </a:r>
+            <a:r>
+              <a:rPr lang="ko-KR" altLang="en-US" sz="2000" dirty="0" err="1"/>
+              <a:t>시간복잡도</a:t>
+            </a:r>
+            <a:r>
+              <a:rPr lang="en-US" altLang="ko-KR" sz="2000" dirty="0"/>
+              <a:t>: O(1)</a:t>
+            </a:r>
+          </a:p>
+          <a:p>
+            <a:r>
+              <a:rPr lang="en-US" altLang="ko-KR" sz="2000" dirty="0"/>
+              <a:t>	</a:t>
+            </a:r>
+            <a:r>
+              <a:rPr lang="ko-KR" altLang="en-US" sz="2000" dirty="0"/>
+              <a:t>높이가 낮은 트리를 높은 트리로 합침</a:t>
+            </a:r>
+            <a:endParaRPr lang="en-US" altLang="ko-KR" sz="2000" dirty="0"/>
+          </a:p>
+        </p:txBody>
+      </p:sp>
+    </p:spTree>
+    <p:extLst>
+      <p:ext uri="{BB962C8B-B14F-4D97-AF65-F5344CB8AC3E}">
+        <p14:creationId xmlns:p14="http://schemas.microsoft.com/office/powerpoint/2010/main" val="2269928585"/>
       </p:ext>
     </p:extLst>
   </p:cSld>

--- a/week5/graph&DFS,BFS.pptx
+++ b/week5/graph&DFS,BFS.pptx
@@ -5,7 +5,7 @@
     <p:sldMasterId id="2147483648" r:id="rId1"/>
   </p:sldMasterIdLst>
   <p:notesMasterIdLst>
-    <p:notesMasterId r:id="rId9"/>
+    <p:notesMasterId r:id="rId14"/>
   </p:notesMasterIdLst>
   <p:sldIdLst>
     <p:sldId id="256" r:id="rId2"/>
@@ -14,7 +14,12 @@
     <p:sldId id="262" r:id="rId5"/>
     <p:sldId id="263" r:id="rId6"/>
     <p:sldId id="264" r:id="rId7"/>
-    <p:sldId id="265" r:id="rId8"/>
+    <p:sldId id="266" r:id="rId8"/>
+    <p:sldId id="267" r:id="rId9"/>
+    <p:sldId id="269" r:id="rId10"/>
+    <p:sldId id="270" r:id="rId11"/>
+    <p:sldId id="268" r:id="rId12"/>
+    <p:sldId id="265" r:id="rId13"/>
   </p:sldIdLst>
   <p:sldSz cx="12192000" cy="6858000"/>
   <p:notesSz cx="6858000" cy="9144000"/>
@@ -203,7 +208,7 @@
           <a:p>
             <a:fld id="{286F87FE-048A-4ED4-8195-0DA2E6093C31}" type="datetimeFigureOut">
               <a:rPr lang="ko-KR" altLang="en-US" smtClean="0"/>
-              <a:t>2023-01-26</a:t>
+              <a:t>2023-02-04</a:t>
             </a:fld>
             <a:endParaRPr lang="ko-KR" altLang="en-US"/>
           </a:p>
@@ -554,6 +559,178 @@
 </p:notes>
 </file>
 
+<file path=ppt/notesSlides/notesSlide10.xml><?xml version="1.0" encoding="utf-8"?>
+<p:notes xmlns:a="http://schemas.openxmlformats.org/drawingml/2006/main" xmlns:r="http://schemas.openxmlformats.org/officeDocument/2006/relationships" xmlns:p="http://schemas.openxmlformats.org/presentationml/2006/main">
+  <p:cSld>
+    <p:spTree>
+      <p:nvGrpSpPr>
+        <p:cNvPr id="1" name=""/>
+        <p:cNvGrpSpPr/>
+        <p:nvPr/>
+      </p:nvGrpSpPr>
+      <p:grpSpPr>
+        <a:xfrm>
+          <a:off x="0" y="0"/>
+          <a:ext cx="0" cy="0"/>
+          <a:chOff x="0" y="0"/>
+          <a:chExt cx="0" cy="0"/>
+        </a:xfrm>
+      </p:grpSpPr>
+      <p:sp>
+        <p:nvSpPr>
+          <p:cNvPr id="2" name="슬라이드 이미지 개체 틀 1"/>
+          <p:cNvSpPr>
+            <a:spLocks noGrp="1" noRot="1" noChangeAspect="1"/>
+          </p:cNvSpPr>
+          <p:nvPr>
+            <p:ph type="sldImg"/>
+          </p:nvPr>
+        </p:nvSpPr>
+        <p:spPr/>
+      </p:sp>
+      <p:sp>
+        <p:nvSpPr>
+          <p:cNvPr id="3" name="슬라이드 노트 개체 틀 2"/>
+          <p:cNvSpPr>
+            <a:spLocks noGrp="1"/>
+          </p:cNvSpPr>
+          <p:nvPr>
+            <p:ph type="body" idx="1"/>
+          </p:nvPr>
+        </p:nvSpPr>
+        <p:spPr/>
+        <p:txBody>
+          <a:bodyPr/>
+          <a:lstStyle/>
+          <a:p>
+            <a:r>
+              <a:rPr lang="en-US" altLang="ko-KR" dirty="0"/>
+              <a:t>https://luv-n-interest.tistory.com/201</a:t>
+            </a:r>
+            <a:endParaRPr lang="ko-KR" altLang="en-US" dirty="0"/>
+          </a:p>
+        </p:txBody>
+      </p:sp>
+      <p:sp>
+        <p:nvSpPr>
+          <p:cNvPr id="4" name="슬라이드 번호 개체 틀 3"/>
+          <p:cNvSpPr>
+            <a:spLocks noGrp="1"/>
+          </p:cNvSpPr>
+          <p:nvPr>
+            <p:ph type="sldNum" sz="quarter" idx="5"/>
+          </p:nvPr>
+        </p:nvSpPr>
+        <p:spPr/>
+        <p:txBody>
+          <a:bodyPr/>
+          <a:lstStyle/>
+          <a:p>
+            <a:fld id="{63C2231A-1593-4E6E-A011-46D19C66ABEC}" type="slidenum">
+              <a:rPr lang="ko-KR" altLang="en-US" smtClean="0"/>
+              <a:t>11</a:t>
+            </a:fld>
+            <a:endParaRPr lang="ko-KR" altLang="en-US"/>
+          </a:p>
+        </p:txBody>
+      </p:sp>
+    </p:spTree>
+    <p:extLst>
+      <p:ext uri="{BB962C8B-B14F-4D97-AF65-F5344CB8AC3E}">
+        <p14:creationId xmlns:p14="http://schemas.microsoft.com/office/powerpoint/2010/main" val="67137319"/>
+      </p:ext>
+    </p:extLst>
+  </p:cSld>
+  <p:clrMapOvr>
+    <a:masterClrMapping/>
+  </p:clrMapOvr>
+</p:notes>
+</file>
+
+<file path=ppt/notesSlides/notesSlide11.xml><?xml version="1.0" encoding="utf-8"?>
+<p:notes xmlns:a="http://schemas.openxmlformats.org/drawingml/2006/main" xmlns:r="http://schemas.openxmlformats.org/officeDocument/2006/relationships" xmlns:p="http://schemas.openxmlformats.org/presentationml/2006/main">
+  <p:cSld>
+    <p:spTree>
+      <p:nvGrpSpPr>
+        <p:cNvPr id="1" name=""/>
+        <p:cNvGrpSpPr/>
+        <p:nvPr/>
+      </p:nvGrpSpPr>
+      <p:grpSpPr>
+        <a:xfrm>
+          <a:off x="0" y="0"/>
+          <a:ext cx="0" cy="0"/>
+          <a:chOff x="0" y="0"/>
+          <a:chExt cx="0" cy="0"/>
+        </a:xfrm>
+      </p:grpSpPr>
+      <p:sp>
+        <p:nvSpPr>
+          <p:cNvPr id="2" name="슬라이드 이미지 개체 틀 1"/>
+          <p:cNvSpPr>
+            <a:spLocks noGrp="1" noRot="1" noChangeAspect="1"/>
+          </p:cNvSpPr>
+          <p:nvPr>
+            <p:ph type="sldImg"/>
+          </p:nvPr>
+        </p:nvSpPr>
+        <p:spPr/>
+      </p:sp>
+      <p:sp>
+        <p:nvSpPr>
+          <p:cNvPr id="3" name="슬라이드 노트 개체 틀 2"/>
+          <p:cNvSpPr>
+            <a:spLocks noGrp="1"/>
+          </p:cNvSpPr>
+          <p:nvPr>
+            <p:ph type="body" idx="1"/>
+          </p:nvPr>
+        </p:nvSpPr>
+        <p:spPr/>
+        <p:txBody>
+          <a:bodyPr/>
+          <a:lstStyle/>
+          <a:p>
+            <a:endParaRPr lang="ko-KR" altLang="en-US" dirty="0"/>
+          </a:p>
+        </p:txBody>
+      </p:sp>
+      <p:sp>
+        <p:nvSpPr>
+          <p:cNvPr id="4" name="슬라이드 번호 개체 틀 3"/>
+          <p:cNvSpPr>
+            <a:spLocks noGrp="1"/>
+          </p:cNvSpPr>
+          <p:nvPr>
+            <p:ph type="sldNum" sz="quarter" idx="5"/>
+          </p:nvPr>
+        </p:nvSpPr>
+        <p:spPr/>
+        <p:txBody>
+          <a:bodyPr/>
+          <a:lstStyle/>
+          <a:p>
+            <a:fld id="{63C2231A-1593-4E6E-A011-46D19C66ABEC}" type="slidenum">
+              <a:rPr lang="ko-KR" altLang="en-US" smtClean="0"/>
+              <a:t>12</a:t>
+            </a:fld>
+            <a:endParaRPr lang="ko-KR" altLang="en-US"/>
+          </a:p>
+        </p:txBody>
+      </p:sp>
+    </p:spTree>
+    <p:extLst>
+      <p:ext uri="{BB962C8B-B14F-4D97-AF65-F5344CB8AC3E}">
+        <p14:creationId xmlns:p14="http://schemas.microsoft.com/office/powerpoint/2010/main" val="3857850576"/>
+      </p:ext>
+    </p:extLst>
+  </p:cSld>
+  <p:clrMapOvr>
+    <a:masterClrMapping/>
+  </p:clrMapOvr>
+</p:notes>
+</file>
+
 <file path=ppt/notesSlides/notesSlide2.xml><?xml version="1.0" encoding="utf-8"?>
 <p:notes xmlns:a="http://schemas.openxmlformats.org/drawingml/2006/main" xmlns:r="http://schemas.openxmlformats.org/officeDocument/2006/relationships" xmlns:p="http://schemas.openxmlformats.org/presentationml/2006/main">
   <p:cSld>
@@ -985,7 +1162,276 @@
     </p:spTree>
     <p:extLst>
       <p:ext uri="{BB962C8B-B14F-4D97-AF65-F5344CB8AC3E}">
-        <p14:creationId xmlns:p14="http://schemas.microsoft.com/office/powerpoint/2010/main" val="3857850576"/>
+        <p14:creationId xmlns:p14="http://schemas.microsoft.com/office/powerpoint/2010/main" val="2095671803"/>
+      </p:ext>
+    </p:extLst>
+  </p:cSld>
+  <p:clrMapOvr>
+    <a:masterClrMapping/>
+  </p:clrMapOvr>
+</p:notes>
+</file>
+
+<file path=ppt/notesSlides/notesSlide7.xml><?xml version="1.0" encoding="utf-8"?>
+<p:notes xmlns:a="http://schemas.openxmlformats.org/drawingml/2006/main" xmlns:r="http://schemas.openxmlformats.org/officeDocument/2006/relationships" xmlns:p="http://schemas.openxmlformats.org/presentationml/2006/main">
+  <p:cSld>
+    <p:spTree>
+      <p:nvGrpSpPr>
+        <p:cNvPr id="1" name=""/>
+        <p:cNvGrpSpPr/>
+        <p:nvPr/>
+      </p:nvGrpSpPr>
+      <p:grpSpPr>
+        <a:xfrm>
+          <a:off x="0" y="0"/>
+          <a:ext cx="0" cy="0"/>
+          <a:chOff x="0" y="0"/>
+          <a:chExt cx="0" cy="0"/>
+        </a:xfrm>
+      </p:grpSpPr>
+      <p:sp>
+        <p:nvSpPr>
+          <p:cNvPr id="2" name="슬라이드 이미지 개체 틀 1"/>
+          <p:cNvSpPr>
+            <a:spLocks noGrp="1" noRot="1" noChangeAspect="1"/>
+          </p:cNvSpPr>
+          <p:nvPr>
+            <p:ph type="sldImg"/>
+          </p:nvPr>
+        </p:nvSpPr>
+        <p:spPr/>
+      </p:sp>
+      <p:sp>
+        <p:nvSpPr>
+          <p:cNvPr id="3" name="슬라이드 노트 개체 틀 2"/>
+          <p:cNvSpPr>
+            <a:spLocks noGrp="1"/>
+          </p:cNvSpPr>
+          <p:nvPr>
+            <p:ph type="body" idx="1"/>
+          </p:nvPr>
+        </p:nvSpPr>
+        <p:spPr/>
+        <p:txBody>
+          <a:bodyPr/>
+          <a:lstStyle/>
+          <a:p>
+            <a:r>
+              <a:rPr lang="en-US" altLang="ko-KR" dirty="0"/>
+              <a:t>https://luv-n-interest.tistory.com/201</a:t>
+            </a:r>
+            <a:endParaRPr lang="ko-KR" altLang="en-US" dirty="0"/>
+          </a:p>
+        </p:txBody>
+      </p:sp>
+      <p:sp>
+        <p:nvSpPr>
+          <p:cNvPr id="4" name="슬라이드 번호 개체 틀 3"/>
+          <p:cNvSpPr>
+            <a:spLocks noGrp="1"/>
+          </p:cNvSpPr>
+          <p:nvPr>
+            <p:ph type="sldNum" sz="quarter" idx="5"/>
+          </p:nvPr>
+        </p:nvSpPr>
+        <p:spPr/>
+        <p:txBody>
+          <a:bodyPr/>
+          <a:lstStyle/>
+          <a:p>
+            <a:fld id="{63C2231A-1593-4E6E-A011-46D19C66ABEC}" type="slidenum">
+              <a:rPr lang="ko-KR" altLang="en-US" smtClean="0"/>
+              <a:t>8</a:t>
+            </a:fld>
+            <a:endParaRPr lang="ko-KR" altLang="en-US"/>
+          </a:p>
+        </p:txBody>
+      </p:sp>
+    </p:spTree>
+    <p:extLst>
+      <p:ext uri="{BB962C8B-B14F-4D97-AF65-F5344CB8AC3E}">
+        <p14:creationId xmlns:p14="http://schemas.microsoft.com/office/powerpoint/2010/main" val="1522600204"/>
+      </p:ext>
+    </p:extLst>
+  </p:cSld>
+  <p:clrMapOvr>
+    <a:masterClrMapping/>
+  </p:clrMapOvr>
+</p:notes>
+</file>
+
+<file path=ppt/notesSlides/notesSlide8.xml><?xml version="1.0" encoding="utf-8"?>
+<p:notes xmlns:a="http://schemas.openxmlformats.org/drawingml/2006/main" xmlns:r="http://schemas.openxmlformats.org/officeDocument/2006/relationships" xmlns:p="http://schemas.openxmlformats.org/presentationml/2006/main">
+  <p:cSld>
+    <p:spTree>
+      <p:nvGrpSpPr>
+        <p:cNvPr id="1" name=""/>
+        <p:cNvGrpSpPr/>
+        <p:nvPr/>
+      </p:nvGrpSpPr>
+      <p:grpSpPr>
+        <a:xfrm>
+          <a:off x="0" y="0"/>
+          <a:ext cx="0" cy="0"/>
+          <a:chOff x="0" y="0"/>
+          <a:chExt cx="0" cy="0"/>
+        </a:xfrm>
+      </p:grpSpPr>
+      <p:sp>
+        <p:nvSpPr>
+          <p:cNvPr id="2" name="슬라이드 이미지 개체 틀 1"/>
+          <p:cNvSpPr>
+            <a:spLocks noGrp="1" noRot="1" noChangeAspect="1"/>
+          </p:cNvSpPr>
+          <p:nvPr>
+            <p:ph type="sldImg"/>
+          </p:nvPr>
+        </p:nvSpPr>
+        <p:spPr/>
+      </p:sp>
+      <p:sp>
+        <p:nvSpPr>
+          <p:cNvPr id="3" name="슬라이드 노트 개체 틀 2"/>
+          <p:cNvSpPr>
+            <a:spLocks noGrp="1"/>
+          </p:cNvSpPr>
+          <p:nvPr>
+            <p:ph type="body" idx="1"/>
+          </p:nvPr>
+        </p:nvSpPr>
+        <p:spPr/>
+        <p:txBody>
+          <a:bodyPr/>
+          <a:lstStyle/>
+          <a:p>
+            <a:r>
+              <a:rPr lang="en-US" altLang="ko-KR" dirty="0"/>
+              <a:t>https://ghkvud2.tistory.com/97</a:t>
+            </a:r>
+          </a:p>
+          <a:p>
+            <a:r>
+              <a:rPr lang="en-US" altLang="ko-KR" dirty="0"/>
+              <a:t>Disjoint Set: https://ghkvud2.tistory.com/98</a:t>
+            </a:r>
+            <a:endParaRPr lang="ko-KR" altLang="en-US" dirty="0"/>
+          </a:p>
+          <a:p>
+            <a:endParaRPr lang="ko-KR" altLang="en-US" dirty="0"/>
+          </a:p>
+        </p:txBody>
+      </p:sp>
+      <p:sp>
+        <p:nvSpPr>
+          <p:cNvPr id="4" name="슬라이드 번호 개체 틀 3"/>
+          <p:cNvSpPr>
+            <a:spLocks noGrp="1"/>
+          </p:cNvSpPr>
+          <p:nvPr>
+            <p:ph type="sldNum" sz="quarter" idx="5"/>
+          </p:nvPr>
+        </p:nvSpPr>
+        <p:spPr/>
+        <p:txBody>
+          <a:bodyPr/>
+          <a:lstStyle/>
+          <a:p>
+            <a:fld id="{63C2231A-1593-4E6E-A011-46D19C66ABEC}" type="slidenum">
+              <a:rPr lang="ko-KR" altLang="en-US" smtClean="0"/>
+              <a:t>9</a:t>
+            </a:fld>
+            <a:endParaRPr lang="ko-KR" altLang="en-US"/>
+          </a:p>
+        </p:txBody>
+      </p:sp>
+    </p:spTree>
+    <p:extLst>
+      <p:ext uri="{BB962C8B-B14F-4D97-AF65-F5344CB8AC3E}">
+        <p14:creationId xmlns:p14="http://schemas.microsoft.com/office/powerpoint/2010/main" val="2097767174"/>
+      </p:ext>
+    </p:extLst>
+  </p:cSld>
+  <p:clrMapOvr>
+    <a:masterClrMapping/>
+  </p:clrMapOvr>
+</p:notes>
+</file>
+
+<file path=ppt/notesSlides/notesSlide9.xml><?xml version="1.0" encoding="utf-8"?>
+<p:notes xmlns:a="http://schemas.openxmlformats.org/drawingml/2006/main" xmlns:r="http://schemas.openxmlformats.org/officeDocument/2006/relationships" xmlns:p="http://schemas.openxmlformats.org/presentationml/2006/main">
+  <p:cSld>
+    <p:spTree>
+      <p:nvGrpSpPr>
+        <p:cNvPr id="1" name=""/>
+        <p:cNvGrpSpPr/>
+        <p:nvPr/>
+      </p:nvGrpSpPr>
+      <p:grpSpPr>
+        <a:xfrm>
+          <a:off x="0" y="0"/>
+          <a:ext cx="0" cy="0"/>
+          <a:chOff x="0" y="0"/>
+          <a:chExt cx="0" cy="0"/>
+        </a:xfrm>
+      </p:grpSpPr>
+      <p:sp>
+        <p:nvSpPr>
+          <p:cNvPr id="2" name="슬라이드 이미지 개체 틀 1"/>
+          <p:cNvSpPr>
+            <a:spLocks noGrp="1" noRot="1" noChangeAspect="1"/>
+          </p:cNvSpPr>
+          <p:nvPr>
+            <p:ph type="sldImg"/>
+          </p:nvPr>
+        </p:nvSpPr>
+        <p:spPr/>
+      </p:sp>
+      <p:sp>
+        <p:nvSpPr>
+          <p:cNvPr id="3" name="슬라이드 노트 개체 틀 2"/>
+          <p:cNvSpPr>
+            <a:spLocks noGrp="1"/>
+          </p:cNvSpPr>
+          <p:nvPr>
+            <p:ph type="body" idx="1"/>
+          </p:nvPr>
+        </p:nvSpPr>
+        <p:spPr/>
+        <p:txBody>
+          <a:bodyPr/>
+          <a:lstStyle/>
+          <a:p>
+            <a:endParaRPr lang="ko-KR" altLang="en-US" dirty="0"/>
+          </a:p>
+        </p:txBody>
+      </p:sp>
+      <p:sp>
+        <p:nvSpPr>
+          <p:cNvPr id="4" name="슬라이드 번호 개체 틀 3"/>
+          <p:cNvSpPr>
+            <a:spLocks noGrp="1"/>
+          </p:cNvSpPr>
+          <p:nvPr>
+            <p:ph type="sldNum" sz="quarter" idx="5"/>
+          </p:nvPr>
+        </p:nvSpPr>
+        <p:spPr/>
+        <p:txBody>
+          <a:bodyPr/>
+          <a:lstStyle/>
+          <a:p>
+            <a:fld id="{63C2231A-1593-4E6E-A011-46D19C66ABEC}" type="slidenum">
+              <a:rPr lang="ko-KR" altLang="en-US" smtClean="0"/>
+              <a:t>10</a:t>
+            </a:fld>
+            <a:endParaRPr lang="ko-KR" altLang="en-US"/>
+          </a:p>
+        </p:txBody>
+      </p:sp>
+    </p:spTree>
+    <p:extLst>
+      <p:ext uri="{BB962C8B-B14F-4D97-AF65-F5344CB8AC3E}">
+        <p14:creationId xmlns:p14="http://schemas.microsoft.com/office/powerpoint/2010/main" val="1841970723"/>
       </p:ext>
     </p:extLst>
   </p:cSld>
@@ -1142,7 +1588,7 @@
           <a:p>
             <a:fld id="{BA45EB35-398F-4593-8298-79268765641B}" type="datetimeFigureOut">
               <a:rPr lang="ko-KR" altLang="en-US" smtClean="0"/>
-              <a:t>2023-01-26</a:t>
+              <a:t>2023-02-04</a:t>
             </a:fld>
             <a:endParaRPr lang="ko-KR" altLang="en-US"/>
           </a:p>
@@ -1340,7 +1786,7 @@
           <a:p>
             <a:fld id="{BA45EB35-398F-4593-8298-79268765641B}" type="datetimeFigureOut">
               <a:rPr lang="ko-KR" altLang="en-US" smtClean="0"/>
-              <a:t>2023-01-26</a:t>
+              <a:t>2023-02-04</a:t>
             </a:fld>
             <a:endParaRPr lang="ko-KR" altLang="en-US"/>
           </a:p>
@@ -1548,7 +1994,7 @@
           <a:p>
             <a:fld id="{BA45EB35-398F-4593-8298-79268765641B}" type="datetimeFigureOut">
               <a:rPr lang="ko-KR" altLang="en-US" smtClean="0"/>
-              <a:t>2023-01-26</a:t>
+              <a:t>2023-02-04</a:t>
             </a:fld>
             <a:endParaRPr lang="ko-KR" altLang="en-US"/>
           </a:p>
@@ -1746,7 +2192,7 @@
           <a:p>
             <a:fld id="{BA45EB35-398F-4593-8298-79268765641B}" type="datetimeFigureOut">
               <a:rPr lang="ko-KR" altLang="en-US" smtClean="0"/>
-              <a:t>2023-01-26</a:t>
+              <a:t>2023-02-04</a:t>
             </a:fld>
             <a:endParaRPr lang="ko-KR" altLang="en-US"/>
           </a:p>
@@ -2021,7 +2467,7 @@
           <a:p>
             <a:fld id="{BA45EB35-398F-4593-8298-79268765641B}" type="datetimeFigureOut">
               <a:rPr lang="ko-KR" altLang="en-US" smtClean="0"/>
-              <a:t>2023-01-26</a:t>
+              <a:t>2023-02-04</a:t>
             </a:fld>
             <a:endParaRPr lang="ko-KR" altLang="en-US"/>
           </a:p>
@@ -2286,7 +2732,7 @@
           <a:p>
             <a:fld id="{BA45EB35-398F-4593-8298-79268765641B}" type="datetimeFigureOut">
               <a:rPr lang="ko-KR" altLang="en-US" smtClean="0"/>
-              <a:t>2023-01-26</a:t>
+              <a:t>2023-02-04</a:t>
             </a:fld>
             <a:endParaRPr lang="ko-KR" altLang="en-US"/>
           </a:p>
@@ -2698,7 +3144,7 @@
           <a:p>
             <a:fld id="{BA45EB35-398F-4593-8298-79268765641B}" type="datetimeFigureOut">
               <a:rPr lang="ko-KR" altLang="en-US" smtClean="0"/>
-              <a:t>2023-01-26</a:t>
+              <a:t>2023-02-04</a:t>
             </a:fld>
             <a:endParaRPr lang="ko-KR" altLang="en-US"/>
           </a:p>
@@ -2839,7 +3285,7 @@
           <a:p>
             <a:fld id="{BA45EB35-398F-4593-8298-79268765641B}" type="datetimeFigureOut">
               <a:rPr lang="ko-KR" altLang="en-US" smtClean="0"/>
-              <a:t>2023-01-26</a:t>
+              <a:t>2023-02-04</a:t>
             </a:fld>
             <a:endParaRPr lang="ko-KR" altLang="en-US"/>
           </a:p>
@@ -2952,7 +3398,7 @@
           <a:p>
             <a:fld id="{BA45EB35-398F-4593-8298-79268765641B}" type="datetimeFigureOut">
               <a:rPr lang="ko-KR" altLang="en-US" smtClean="0"/>
-              <a:t>2023-01-26</a:t>
+              <a:t>2023-02-04</a:t>
             </a:fld>
             <a:endParaRPr lang="ko-KR" altLang="en-US"/>
           </a:p>
@@ -3263,7 +3709,7 @@
           <a:p>
             <a:fld id="{BA45EB35-398F-4593-8298-79268765641B}" type="datetimeFigureOut">
               <a:rPr lang="ko-KR" altLang="en-US" smtClean="0"/>
-              <a:t>2023-01-26</a:t>
+              <a:t>2023-02-04</a:t>
             </a:fld>
             <a:endParaRPr lang="ko-KR" altLang="en-US"/>
           </a:p>
@@ -3551,7 +3997,7 @@
           <a:p>
             <a:fld id="{BA45EB35-398F-4593-8298-79268765641B}" type="datetimeFigureOut">
               <a:rPr lang="ko-KR" altLang="en-US" smtClean="0"/>
-              <a:t>2023-01-26</a:t>
+              <a:t>2023-02-04</a:t>
             </a:fld>
             <a:endParaRPr lang="ko-KR" altLang="en-US"/>
           </a:p>
@@ -3792,7 +4238,7 @@
           <a:p>
             <a:fld id="{BA45EB35-398F-4593-8298-79268765641B}" type="datetimeFigureOut">
               <a:rPr lang="ko-KR" altLang="en-US" smtClean="0"/>
-              <a:t>2023-01-26</a:t>
+              <a:t>2023-02-04</a:t>
             </a:fld>
             <a:endParaRPr lang="ko-KR" altLang="en-US"/>
           </a:p>
@@ -4302,6 +4748,846 @@
 </p:sld>
 </file>
 
+<file path=ppt/slides/slide10.xml><?xml version="1.0" encoding="utf-8"?>
+<p:sld xmlns:a="http://schemas.openxmlformats.org/drawingml/2006/main" xmlns:r="http://schemas.openxmlformats.org/officeDocument/2006/relationships" xmlns:p="http://schemas.openxmlformats.org/presentationml/2006/main">
+  <p:cSld>
+    <p:spTree>
+      <p:nvGrpSpPr>
+        <p:cNvPr id="1" name=""/>
+        <p:cNvGrpSpPr/>
+        <p:nvPr/>
+      </p:nvGrpSpPr>
+      <p:grpSpPr>
+        <a:xfrm>
+          <a:off x="0" y="0"/>
+          <a:ext cx="0" cy="0"/>
+          <a:chOff x="0" y="0"/>
+          <a:chExt cx="0" cy="0"/>
+        </a:xfrm>
+      </p:grpSpPr>
+      <p:sp>
+        <p:nvSpPr>
+          <p:cNvPr id="2" name="TextBox 1">
+            <a:extLst>
+              <a:ext uri="{FF2B5EF4-FFF2-40B4-BE49-F238E27FC236}">
+                <a16:creationId xmlns:a16="http://schemas.microsoft.com/office/drawing/2014/main" id="{55BB2B3D-7EFE-4E80-80D2-F23079C3D781}"/>
+              </a:ext>
+            </a:extLst>
+          </p:cNvPr>
+          <p:cNvSpPr txBox="1"/>
+          <p:nvPr/>
+        </p:nvSpPr>
+        <p:spPr>
+          <a:xfrm>
+            <a:off x="351623" y="381178"/>
+            <a:ext cx="11294946" cy="5324535"/>
+          </a:xfrm>
+          <a:prstGeom prst="rect">
+            <a:avLst/>
+          </a:prstGeom>
+          <a:noFill/>
+        </p:spPr>
+        <p:txBody>
+          <a:bodyPr wrap="square" rtlCol="0">
+            <a:spAutoFit/>
+          </a:bodyPr>
+          <a:lstStyle/>
+          <a:p>
+            <a:r>
+              <a:rPr lang="en-US" altLang="ko-KR" sz="2000" b="1" dirty="0"/>
+              <a:t>- </a:t>
+            </a:r>
+            <a:r>
+              <a:rPr lang="ko-KR" altLang="en-US" sz="2000" b="1" dirty="0"/>
+              <a:t>최소 비용 신장 트리</a:t>
+            </a:r>
+            <a:r>
+              <a:rPr lang="en-US" altLang="ko-KR" sz="2000" b="1" dirty="0"/>
+              <a:t> minimum cost spanning tree (MST)</a:t>
+            </a:r>
+          </a:p>
+          <a:p>
+            <a:r>
+              <a:rPr lang="ko-KR" altLang="en-US" sz="2000" dirty="0"/>
+              <a:t>가중치가 부여된 </a:t>
+            </a:r>
+            <a:r>
+              <a:rPr lang="ko-KR" altLang="en-US" sz="2000" dirty="0" err="1"/>
+              <a:t>무방향</a:t>
+            </a:r>
+            <a:r>
+              <a:rPr lang="ko-KR" altLang="en-US" sz="2000" dirty="0"/>
+              <a:t> 그래프의 신장 트리 비용</a:t>
+            </a:r>
+            <a:r>
+              <a:rPr lang="en-US" altLang="ko-KR" sz="2000" dirty="0"/>
+              <a:t>: </a:t>
+            </a:r>
+            <a:r>
+              <a:rPr lang="ko-KR" altLang="en-US" sz="2000" dirty="0"/>
+              <a:t>신장 트리를 구성하는 모든 간선의 비용의 합</a:t>
+            </a:r>
+            <a:endParaRPr lang="en-US" altLang="ko-KR" sz="2000" dirty="0"/>
+          </a:p>
+          <a:p>
+            <a:r>
+              <a:rPr lang="ko-KR" altLang="en-US" sz="2000" dirty="0"/>
+              <a:t>최소 비용 신장 </a:t>
+            </a:r>
+            <a:r>
+              <a:rPr lang="ko-KR" altLang="en-US" sz="2000" dirty="0" err="1"/>
+              <a:t>트리란</a:t>
+            </a:r>
+            <a:r>
+              <a:rPr lang="en-US" altLang="ko-KR" sz="2000" dirty="0"/>
+              <a:t>? </a:t>
+            </a:r>
+            <a:r>
+              <a:rPr lang="ko-KR" altLang="en-US" sz="2000" dirty="0"/>
+              <a:t>트리를 구성하는 간선들의 가중치를 합한 것이 최소가 되는 신장 트리</a:t>
+            </a:r>
+            <a:endParaRPr lang="en-US" altLang="ko-KR" sz="2000" dirty="0"/>
+          </a:p>
+          <a:p>
+            <a:endParaRPr lang="en-US" altLang="ko-KR" sz="2000" dirty="0"/>
+          </a:p>
+          <a:p>
+            <a:r>
+              <a:rPr lang="ko-KR" altLang="en-US" sz="2000" dirty="0"/>
+              <a:t>최소 비용 신장 트리를 찾아내는 방법</a:t>
+            </a:r>
+            <a:r>
+              <a:rPr lang="en-US" altLang="ko-KR" sz="2000" dirty="0"/>
+              <a:t>: </a:t>
+            </a:r>
+            <a:r>
+              <a:rPr lang="ko-KR" altLang="en-US" sz="2000" dirty="0" err="1"/>
+              <a:t>프림</a:t>
+            </a:r>
+            <a:r>
+              <a:rPr lang="en-US" altLang="ko-KR" sz="2000" dirty="0"/>
+              <a:t>(Prim), </a:t>
+            </a:r>
+            <a:r>
+              <a:rPr lang="ko-KR" altLang="en-US" sz="2000" dirty="0" err="1"/>
+              <a:t>크루스칼</a:t>
+            </a:r>
+            <a:r>
+              <a:rPr lang="en-US" altLang="ko-KR" sz="2000" dirty="0"/>
+              <a:t>(Kruskal) &lt;- greedy method</a:t>
+            </a:r>
+            <a:r>
+              <a:rPr lang="ko-KR" altLang="en-US" sz="2000" dirty="0"/>
+              <a:t>로 구현됨</a:t>
+            </a:r>
+            <a:endParaRPr lang="en-US" altLang="ko-KR" sz="2000" dirty="0"/>
+          </a:p>
+          <a:p>
+            <a:endParaRPr lang="en-US" altLang="ko-KR" sz="2000" dirty="0"/>
+          </a:p>
+          <a:p>
+            <a:r>
+              <a:rPr lang="en-US" altLang="ko-KR" sz="2000" b="1" dirty="0"/>
+              <a:t>- </a:t>
+            </a:r>
+            <a:r>
+              <a:rPr lang="ko-KR" altLang="en-US" sz="2000" b="1" dirty="0" err="1"/>
+              <a:t>프림</a:t>
+            </a:r>
+            <a:r>
+              <a:rPr lang="ko-KR" altLang="en-US" sz="2000" b="1" dirty="0"/>
+              <a:t> </a:t>
+            </a:r>
+            <a:r>
+              <a:rPr lang="en-US" altLang="ko-KR" sz="2000" b="1" dirty="0"/>
+              <a:t>prim </a:t>
+            </a:r>
+            <a:r>
+              <a:rPr lang="ko-KR" altLang="en-US" sz="2000" b="1" dirty="0"/>
+              <a:t>알고리즘</a:t>
+            </a:r>
+            <a:endParaRPr lang="en-US" altLang="ko-KR" sz="2000" b="1" dirty="0"/>
+          </a:p>
+          <a:p>
+            <a:r>
+              <a:rPr lang="ko-KR" altLang="en-US" sz="2000" dirty="0"/>
+              <a:t>임의의 노드부터 출발하여 신장 트리 집합을 단계적으로 확장해 나감</a:t>
+            </a:r>
+            <a:endParaRPr lang="en-US" altLang="ko-KR" sz="2000" dirty="0"/>
+          </a:p>
+          <a:p>
+            <a:pPr marL="457200" indent="-457200">
+              <a:buAutoNum type="arabicPeriod"/>
+            </a:pPr>
+            <a:r>
+              <a:rPr lang="ko-KR" altLang="en-US" sz="2000" dirty="0"/>
+              <a:t>임의의 노드를 출발 노드로 선택</a:t>
+            </a:r>
+            <a:endParaRPr lang="en-US" altLang="ko-KR" sz="2000" dirty="0"/>
+          </a:p>
+          <a:p>
+            <a:pPr marL="457200" indent="-457200">
+              <a:buAutoNum type="arabicPeriod"/>
+            </a:pPr>
+            <a:r>
+              <a:rPr lang="ko-KR" altLang="en-US" sz="2000" dirty="0"/>
+              <a:t>출발 노드를 포함하는 트리를 점점 확장해 나감</a:t>
+            </a:r>
+            <a:endParaRPr lang="en-US" altLang="ko-KR" sz="2000" dirty="0"/>
+          </a:p>
+          <a:p>
+            <a:pPr marL="457200" indent="-457200">
+              <a:buAutoNum type="arabicPeriod"/>
+            </a:pPr>
+            <a:r>
+              <a:rPr lang="ko-KR" altLang="en-US" sz="2000" dirty="0"/>
+              <a:t>매 단계에서 이미 트리에 포함된 노드와 포함되지 않은 노드를 연결하는 에지들 중 가장 가중치가 작은 </a:t>
+            </a:r>
+            <a:r>
+              <a:rPr lang="ko-KR" altLang="en-US" sz="2000" dirty="0" err="1"/>
+              <a:t>에지를</a:t>
+            </a:r>
+            <a:r>
+              <a:rPr lang="ko-KR" altLang="en-US" sz="2000" dirty="0"/>
+              <a:t> 선택</a:t>
+            </a:r>
+            <a:endParaRPr lang="en-US" altLang="ko-KR" sz="2000" dirty="0"/>
+          </a:p>
+          <a:p>
+            <a:endParaRPr lang="en-US" altLang="ko-KR" sz="2000" dirty="0"/>
+          </a:p>
+          <a:p>
+            <a:endParaRPr lang="en-US" altLang="ko-KR" sz="2000" dirty="0"/>
+          </a:p>
+          <a:p>
+            <a:r>
+              <a:rPr lang="ko-KR" altLang="en-US" sz="2000" dirty="0"/>
+              <a:t>각 가지에 부여된 비용이 모두 다른 경우에는 두 알고리즘으로 구한 최소신장 트리의 모양이 같지만</a:t>
+            </a:r>
+            <a:r>
+              <a:rPr lang="en-US" altLang="ko-KR" sz="2000" dirty="0"/>
+              <a:t>, </a:t>
+            </a:r>
+            <a:r>
+              <a:rPr lang="ko-KR" altLang="en-US" sz="2000" u="sng" dirty="0"/>
+              <a:t>비용이 같은 가지를 포함한 그래프에서는 두 알고리즘으로 구한 최소신장 트리의 모양이 같을 수도 있고 다를 수도 있다</a:t>
+            </a:r>
+            <a:endParaRPr lang="en-US" altLang="ko-KR" sz="2000" u="sng" dirty="0"/>
+          </a:p>
+        </p:txBody>
+      </p:sp>
+    </p:spTree>
+    <p:extLst>
+      <p:ext uri="{BB962C8B-B14F-4D97-AF65-F5344CB8AC3E}">
+        <p14:creationId xmlns:p14="http://schemas.microsoft.com/office/powerpoint/2010/main" val="2627903105"/>
+      </p:ext>
+    </p:extLst>
+  </p:cSld>
+  <p:clrMapOvr>
+    <a:masterClrMapping/>
+  </p:clrMapOvr>
+</p:sld>
+</file>
+
+<file path=ppt/slides/slide11.xml><?xml version="1.0" encoding="utf-8"?>
+<p:sld xmlns:a="http://schemas.openxmlformats.org/drawingml/2006/main" xmlns:r="http://schemas.openxmlformats.org/officeDocument/2006/relationships" xmlns:p="http://schemas.openxmlformats.org/presentationml/2006/main">
+  <p:cSld>
+    <p:spTree>
+      <p:nvGrpSpPr>
+        <p:cNvPr id="1" name=""/>
+        <p:cNvGrpSpPr/>
+        <p:nvPr/>
+      </p:nvGrpSpPr>
+      <p:grpSpPr>
+        <a:xfrm>
+          <a:off x="0" y="0"/>
+          <a:ext cx="0" cy="0"/>
+          <a:chOff x="0" y="0"/>
+          <a:chExt cx="0" cy="0"/>
+        </a:xfrm>
+      </p:grpSpPr>
+      <p:sp>
+        <p:nvSpPr>
+          <p:cNvPr id="2" name="TextBox 1">
+            <a:extLst>
+              <a:ext uri="{FF2B5EF4-FFF2-40B4-BE49-F238E27FC236}">
+                <a16:creationId xmlns:a16="http://schemas.microsoft.com/office/drawing/2014/main" id="{55BB2B3D-7EFE-4E80-80D2-F23079C3D781}"/>
+              </a:ext>
+            </a:extLst>
+          </p:cNvPr>
+          <p:cNvSpPr txBox="1"/>
+          <p:nvPr/>
+        </p:nvSpPr>
+        <p:spPr>
+          <a:xfrm>
+            <a:off x="351623" y="381178"/>
+            <a:ext cx="11294946" cy="1323439"/>
+          </a:xfrm>
+          <a:prstGeom prst="rect">
+            <a:avLst/>
+          </a:prstGeom>
+          <a:noFill/>
+        </p:spPr>
+        <p:txBody>
+          <a:bodyPr wrap="square" rtlCol="0">
+            <a:spAutoFit/>
+          </a:bodyPr>
+          <a:lstStyle/>
+          <a:p>
+            <a:r>
+              <a:rPr lang="en-US" altLang="ko-KR" sz="2000" b="1" dirty="0"/>
+              <a:t>- </a:t>
+            </a:r>
+            <a:r>
+              <a:rPr lang="ko-KR" altLang="en-US" sz="2000" b="1" dirty="0"/>
+              <a:t>위상 정렬</a:t>
+            </a:r>
+            <a:r>
+              <a:rPr lang="en-US" altLang="ko-KR" sz="2000" b="1" dirty="0"/>
+              <a:t> topological sort</a:t>
+            </a:r>
+          </a:p>
+          <a:p>
+            <a:r>
+              <a:rPr lang="ko-KR" altLang="en-US" sz="2000" dirty="0"/>
+              <a:t>그래프의 특성을 정말 잘 이용하는 정렬 방법</a:t>
+            </a:r>
+            <a:endParaRPr lang="en-US" altLang="ko-KR" sz="2000" dirty="0"/>
+          </a:p>
+          <a:p>
+            <a:r>
+              <a:rPr lang="ko-KR" altLang="en-US" sz="2000" dirty="0"/>
+              <a:t>방향 그래프에서 존재하는 정점들의 선행 순서를 위배하지 않으면서 모든 정점을 </a:t>
+            </a:r>
+            <a:r>
+              <a:rPr lang="ko-KR" altLang="en-US" sz="2000" dirty="0" err="1"/>
+              <a:t>나열시킴</a:t>
+            </a:r>
+            <a:endParaRPr lang="en-US" altLang="ko-KR" sz="2000" dirty="0"/>
+          </a:p>
+          <a:p>
+            <a:endParaRPr lang="en-US" altLang="ko-KR" sz="2000" dirty="0"/>
+          </a:p>
+        </p:txBody>
+      </p:sp>
+      <p:pic>
+        <p:nvPicPr>
+          <p:cNvPr id="5" name="그림 4">
+            <a:extLst>
+              <a:ext uri="{FF2B5EF4-FFF2-40B4-BE49-F238E27FC236}">
+                <a16:creationId xmlns:a16="http://schemas.microsoft.com/office/drawing/2014/main" id="{5C32BD99-BBA9-029F-D6C1-468DC682BFE8}"/>
+              </a:ext>
+            </a:extLst>
+          </p:cNvPr>
+          <p:cNvPicPr>
+            <a:picLocks noChangeAspect="1"/>
+          </p:cNvPicPr>
+          <p:nvPr/>
+        </p:nvPicPr>
+        <p:blipFill>
+          <a:blip r:embed="rId3"/>
+          <a:stretch>
+            <a:fillRect/>
+          </a:stretch>
+        </p:blipFill>
+        <p:spPr>
+          <a:xfrm>
+            <a:off x="1761874" y="1833562"/>
+            <a:ext cx="7705725" cy="3190875"/>
+          </a:xfrm>
+          <a:prstGeom prst="rect">
+            <a:avLst/>
+          </a:prstGeom>
+        </p:spPr>
+      </p:pic>
+      <p:sp>
+        <p:nvSpPr>
+          <p:cNvPr id="6" name="TextBox 5">
+            <a:extLst>
+              <a:ext uri="{FF2B5EF4-FFF2-40B4-BE49-F238E27FC236}">
+                <a16:creationId xmlns:a16="http://schemas.microsoft.com/office/drawing/2014/main" id="{76AEADC6-464F-5D05-46EF-8CAD0CDBC7C9}"/>
+              </a:ext>
+            </a:extLst>
+          </p:cNvPr>
+          <p:cNvSpPr txBox="1"/>
+          <p:nvPr/>
+        </p:nvSpPr>
+        <p:spPr>
+          <a:xfrm>
+            <a:off x="656423" y="5024437"/>
+            <a:ext cx="11294946" cy="1323439"/>
+          </a:xfrm>
+          <a:prstGeom prst="rect">
+            <a:avLst/>
+          </a:prstGeom>
+          <a:noFill/>
+        </p:spPr>
+        <p:txBody>
+          <a:bodyPr wrap="square" rtlCol="0">
+            <a:spAutoFit/>
+          </a:bodyPr>
+          <a:lstStyle/>
+          <a:p>
+            <a:pPr marL="457200" indent="-457200">
+              <a:buAutoNum type="arabicPeriod"/>
+            </a:pPr>
+            <a:r>
+              <a:rPr lang="ko-KR" altLang="en-US" sz="2000" dirty="0" err="1"/>
+              <a:t>진입차수가</a:t>
+            </a:r>
+            <a:r>
+              <a:rPr lang="ko-KR" altLang="en-US" sz="2000" dirty="0"/>
+              <a:t> </a:t>
+            </a:r>
+            <a:r>
+              <a:rPr lang="en-US" altLang="ko-KR" sz="2000" dirty="0"/>
+              <a:t>0</a:t>
+            </a:r>
+            <a:r>
+              <a:rPr lang="ko-KR" altLang="en-US" sz="2000" dirty="0"/>
+              <a:t>인 정점 선택</a:t>
+            </a:r>
+            <a:endParaRPr lang="en-US" altLang="ko-KR" sz="2000" dirty="0"/>
+          </a:p>
+          <a:p>
+            <a:pPr marL="457200" indent="-457200">
+              <a:buAutoNum type="arabicPeriod"/>
+            </a:pPr>
+            <a:r>
+              <a:rPr lang="ko-KR" altLang="en-US" sz="2000" dirty="0"/>
+              <a:t>선택된 정점과 여기에 부착된 모든 간선을 삭제</a:t>
+            </a:r>
+            <a:endParaRPr lang="en-US" altLang="ko-KR" sz="2000" dirty="0"/>
+          </a:p>
+          <a:p>
+            <a:pPr marL="457200" indent="-457200">
+              <a:buAutoNum type="arabicPeriod"/>
+            </a:pPr>
+            <a:r>
+              <a:rPr lang="ko-KR" altLang="en-US" sz="2000" dirty="0"/>
+              <a:t>삭제되는 간선과 연결된 남아있는 정점들의 </a:t>
+            </a:r>
+            <a:r>
+              <a:rPr lang="ko-KR" altLang="en-US" sz="2000" dirty="0" err="1"/>
+              <a:t>진입차수</a:t>
+            </a:r>
+            <a:r>
+              <a:rPr lang="ko-KR" altLang="en-US" sz="2000" dirty="0"/>
+              <a:t> 변경</a:t>
+            </a:r>
+            <a:endParaRPr lang="en-US" altLang="ko-KR" sz="2000" dirty="0"/>
+          </a:p>
+          <a:p>
+            <a:pPr marL="457200" indent="-457200">
+              <a:buAutoNum type="arabicPeriod"/>
+            </a:pPr>
+            <a:r>
+              <a:rPr lang="en-US" altLang="ko-KR" sz="2000" dirty="0"/>
+              <a:t>1-3 </a:t>
+            </a:r>
+            <a:r>
+              <a:rPr lang="ko-KR" altLang="en-US" sz="2000" dirty="0"/>
+              <a:t>반복</a:t>
+            </a:r>
+            <a:endParaRPr lang="en-US" altLang="ko-KR" sz="2000" dirty="0"/>
+          </a:p>
+        </p:txBody>
+      </p:sp>
+    </p:spTree>
+    <p:extLst>
+      <p:ext uri="{BB962C8B-B14F-4D97-AF65-F5344CB8AC3E}">
+        <p14:creationId xmlns:p14="http://schemas.microsoft.com/office/powerpoint/2010/main" val="1826260901"/>
+      </p:ext>
+    </p:extLst>
+  </p:cSld>
+  <p:clrMapOvr>
+    <a:masterClrMapping/>
+  </p:clrMapOvr>
+</p:sld>
+</file>
+
+<file path=ppt/slides/slide12.xml><?xml version="1.0" encoding="utf-8"?>
+<p:sld xmlns:a="http://schemas.openxmlformats.org/drawingml/2006/main" xmlns:r="http://schemas.openxmlformats.org/officeDocument/2006/relationships" xmlns:p="http://schemas.openxmlformats.org/presentationml/2006/main">
+  <p:cSld>
+    <p:spTree>
+      <p:nvGrpSpPr>
+        <p:cNvPr id="1" name=""/>
+        <p:cNvGrpSpPr/>
+        <p:nvPr/>
+      </p:nvGrpSpPr>
+      <p:grpSpPr>
+        <a:xfrm>
+          <a:off x="0" y="0"/>
+          <a:ext cx="0" cy="0"/>
+          <a:chOff x="0" y="0"/>
+          <a:chExt cx="0" cy="0"/>
+        </a:xfrm>
+      </p:grpSpPr>
+      <p:sp>
+        <p:nvSpPr>
+          <p:cNvPr id="2" name="TextBox 1">
+            <a:extLst>
+              <a:ext uri="{FF2B5EF4-FFF2-40B4-BE49-F238E27FC236}">
+                <a16:creationId xmlns:a16="http://schemas.microsoft.com/office/drawing/2014/main" id="{55BB2B3D-7EFE-4E80-80D2-F23079C3D781}"/>
+              </a:ext>
+            </a:extLst>
+          </p:cNvPr>
+          <p:cNvSpPr txBox="1"/>
+          <p:nvPr/>
+        </p:nvSpPr>
+        <p:spPr>
+          <a:xfrm>
+            <a:off x="351622" y="381178"/>
+            <a:ext cx="11840378" cy="6247864"/>
+          </a:xfrm>
+          <a:prstGeom prst="rect">
+            <a:avLst/>
+          </a:prstGeom>
+          <a:noFill/>
+        </p:spPr>
+        <p:txBody>
+          <a:bodyPr wrap="square" rtlCol="0">
+            <a:spAutoFit/>
+          </a:bodyPr>
+          <a:lstStyle/>
+          <a:p>
+            <a:r>
+              <a:rPr lang="en-US" altLang="ko-KR" sz="2000" b="1" dirty="0"/>
+              <a:t>[</a:t>
+            </a:r>
+            <a:r>
+              <a:rPr lang="ko-KR" altLang="en-US" sz="2000" b="1" dirty="0"/>
+              <a:t>그래프 탐색</a:t>
+            </a:r>
+            <a:r>
+              <a:rPr lang="en-US" altLang="ko-KR" sz="2000" b="1" dirty="0"/>
+              <a:t>]</a:t>
+            </a:r>
+          </a:p>
+          <a:p>
+            <a:endParaRPr lang="en-US" altLang="ko-KR" sz="2000" b="1" dirty="0"/>
+          </a:p>
+          <a:p>
+            <a:r>
+              <a:rPr lang="en-US" altLang="ko-KR" sz="2000" b="1" dirty="0"/>
+              <a:t>BFS, </a:t>
+            </a:r>
+            <a:r>
+              <a:rPr lang="ko-KR" altLang="en-US" sz="2000" dirty="0"/>
+              <a:t>넓이 우선 탐색</a:t>
+            </a:r>
+            <a:endParaRPr lang="en-US" altLang="ko-KR" sz="2000" dirty="0"/>
+          </a:p>
+          <a:p>
+            <a:r>
+              <a:rPr lang="ko-KR" altLang="en-US" sz="2000" dirty="0"/>
+              <a:t>정점을 기준으로 간선이 연결되어 있는 모든 정점들을 차례로 방문하고 </a:t>
+            </a:r>
+            <a:endParaRPr lang="en-US" altLang="ko-KR" sz="2000" dirty="0"/>
+          </a:p>
+          <a:p>
+            <a:r>
+              <a:rPr lang="ko-KR" altLang="en-US" sz="2000" dirty="0"/>
+              <a:t>찾고자 하는 정점을 만날 때까지 반복한다</a:t>
+            </a:r>
+            <a:r>
+              <a:rPr lang="en-US" altLang="ko-KR" sz="2000" dirty="0"/>
+              <a:t>. </a:t>
+            </a:r>
+            <a:r>
+              <a:rPr lang="ko-KR" altLang="en-US" sz="2000" dirty="0"/>
+              <a:t>일반적으로 </a:t>
+            </a:r>
+            <a:r>
+              <a:rPr lang="en-US" altLang="ko-KR" sz="2000" dirty="0">
+                <a:highlight>
+                  <a:srgbClr val="FFFF00"/>
+                </a:highlight>
+              </a:rPr>
+              <a:t>Queue</a:t>
+            </a:r>
+            <a:r>
+              <a:rPr lang="ko-KR" altLang="en-US" sz="2000" dirty="0">
+                <a:highlight>
+                  <a:srgbClr val="FFFF00"/>
+                </a:highlight>
+              </a:rPr>
+              <a:t>로 구현</a:t>
+            </a:r>
+            <a:endParaRPr lang="en-US" altLang="ko-KR" sz="2000" dirty="0">
+              <a:highlight>
+                <a:srgbClr val="FFFF00"/>
+              </a:highlight>
+            </a:endParaRPr>
+          </a:p>
+          <a:p>
+            <a:endParaRPr lang="en-US" altLang="ko-KR" sz="2000" dirty="0"/>
+          </a:p>
+          <a:p>
+            <a:r>
+              <a:rPr lang="ko-KR" altLang="en-US" sz="2000" dirty="0"/>
+              <a:t>주로 두 노드 사이의 </a:t>
+            </a:r>
+            <a:r>
+              <a:rPr lang="ko-KR" altLang="en-US" sz="2000" b="1" dirty="0"/>
+              <a:t>최단 경로</a:t>
+            </a:r>
+            <a:r>
+              <a:rPr lang="ko-KR" altLang="en-US" sz="2000" dirty="0"/>
+              <a:t>를 찾고 싶을 때 이 방법 선택</a:t>
+            </a:r>
+            <a:endParaRPr lang="en-US" altLang="ko-KR" sz="2000" dirty="0"/>
+          </a:p>
+          <a:p>
+            <a:endParaRPr lang="en-US" altLang="ko-KR" sz="2000" dirty="0"/>
+          </a:p>
+          <a:p>
+            <a:r>
+              <a:rPr lang="en-US" altLang="ko-KR" sz="2000" b="1" dirty="0"/>
+              <a:t>DFS</a:t>
+            </a:r>
+            <a:r>
+              <a:rPr lang="en-US" altLang="ko-KR" sz="2000" dirty="0"/>
+              <a:t>, </a:t>
+            </a:r>
+            <a:r>
+              <a:rPr lang="ko-KR" altLang="en-US" sz="2000" dirty="0"/>
+              <a:t>깊이 우선 탐색</a:t>
+            </a:r>
+            <a:endParaRPr lang="en-US" altLang="ko-KR" sz="2000" dirty="0"/>
+          </a:p>
+          <a:p>
+            <a:r>
+              <a:rPr lang="ko-KR" altLang="en-US" sz="2000" dirty="0"/>
+              <a:t>정점을 기준으로 간선이 연결되어 있는 정점들 중 하나를 선택해 이동하고 </a:t>
+            </a:r>
+            <a:endParaRPr lang="en-US" altLang="ko-KR" sz="2000" dirty="0"/>
+          </a:p>
+          <a:p>
+            <a:r>
+              <a:rPr lang="ko-KR" altLang="en-US" sz="2000" dirty="0"/>
+              <a:t>다시 이동한 정점을 기준으로 다시 인접 정점 선택</a:t>
+            </a:r>
+            <a:r>
+              <a:rPr lang="en-US" altLang="ko-KR" sz="2000" dirty="0"/>
+              <a:t>.</a:t>
+            </a:r>
+          </a:p>
+          <a:p>
+            <a:r>
+              <a:rPr lang="ko-KR" altLang="en-US" sz="2000" dirty="0"/>
+              <a:t>간선을 따라 찾고자 하는 정점을 만날 때까지 진행하고 찾지 못하면 다시 이전 정점으로 돌아와 반복</a:t>
+            </a:r>
+            <a:endParaRPr lang="en-US" altLang="ko-KR" sz="2000" dirty="0"/>
+          </a:p>
+          <a:p>
+            <a:r>
+              <a:rPr lang="ko-KR" altLang="en-US" sz="2000" dirty="0">
+                <a:highlight>
+                  <a:srgbClr val="FFFF00"/>
+                </a:highlight>
+              </a:rPr>
+              <a:t>재귀함수 또는 </a:t>
+            </a:r>
+            <a:r>
+              <a:rPr lang="en-US" altLang="ko-KR" sz="2000" dirty="0">
+                <a:highlight>
+                  <a:srgbClr val="FFFF00"/>
+                </a:highlight>
+              </a:rPr>
+              <a:t>Stack </a:t>
+            </a:r>
+            <a:r>
+              <a:rPr lang="ko-KR" altLang="en-US" sz="2000" dirty="0">
+                <a:highlight>
+                  <a:srgbClr val="FFFF00"/>
+                </a:highlight>
+              </a:rPr>
+              <a:t>으로 구현</a:t>
+            </a:r>
+            <a:r>
+              <a:rPr lang="en-US" altLang="ko-KR" sz="2000" dirty="0">
+                <a:highlight>
+                  <a:srgbClr val="FFFF00"/>
+                </a:highlight>
+              </a:rPr>
+              <a:t>,</a:t>
+            </a:r>
+            <a:r>
+              <a:rPr lang="en-US" altLang="ko-KR" sz="2000" dirty="0"/>
+              <a:t> </a:t>
+            </a:r>
+            <a:r>
+              <a:rPr lang="ko-KR" altLang="en-US" sz="2000" dirty="0"/>
+              <a:t>재귀 함수 이용하는 것이 가장 보편적이고 짧은 코드 작성</a:t>
+            </a:r>
+            <a:endParaRPr lang="en-US" altLang="ko-KR" sz="2000" dirty="0"/>
+          </a:p>
+          <a:p>
+            <a:endParaRPr lang="en-US" altLang="ko-KR" sz="2000" dirty="0">
+              <a:highlight>
+                <a:srgbClr val="FFFF00"/>
+              </a:highlight>
+            </a:endParaRPr>
+          </a:p>
+          <a:p>
+            <a:r>
+              <a:rPr lang="en-US" altLang="ko-KR" sz="2000" dirty="0"/>
+              <a:t>DFS</a:t>
+            </a:r>
+            <a:r>
+              <a:rPr lang="ko-KR" altLang="en-US" sz="2000" dirty="0"/>
+              <a:t>가 </a:t>
+            </a:r>
+            <a:r>
+              <a:rPr lang="en-US" altLang="ko-KR" sz="2000" dirty="0"/>
+              <a:t>BFS</a:t>
+            </a:r>
+            <a:r>
+              <a:rPr lang="ko-KR" altLang="en-US" sz="2000" dirty="0"/>
+              <a:t>보다 좀 더 간단</a:t>
+            </a:r>
+            <a:endParaRPr lang="en-US" altLang="ko-KR" sz="2000" dirty="0"/>
+          </a:p>
+          <a:p>
+            <a:r>
+              <a:rPr lang="ko-KR" altLang="en-US" sz="2000" dirty="0"/>
+              <a:t>검색 속도 자체는 </a:t>
+            </a:r>
+            <a:r>
+              <a:rPr lang="en-US" altLang="ko-KR" sz="2000" dirty="0"/>
+              <a:t>BFS</a:t>
+            </a:r>
+            <a:r>
+              <a:rPr lang="ko-KR" altLang="en-US" sz="2000" dirty="0"/>
+              <a:t>가 빠름</a:t>
+            </a:r>
+            <a:endParaRPr lang="en-US" altLang="ko-KR" sz="2000" dirty="0"/>
+          </a:p>
+          <a:p>
+            <a:r>
+              <a:rPr lang="ko-KR" altLang="en-US" sz="2000" dirty="0"/>
+              <a:t>두 방식 모두 조건 내의 모든 노드 검색하므로 </a:t>
+            </a:r>
+            <a:r>
+              <a:rPr lang="ko-KR" altLang="en-US" sz="2000" dirty="0" err="1"/>
+              <a:t>시간복잡도는</a:t>
+            </a:r>
+            <a:r>
+              <a:rPr lang="ko-KR" altLang="en-US" sz="2000" dirty="0"/>
+              <a:t> 동일</a:t>
+            </a:r>
+            <a:endParaRPr lang="en-US" altLang="ko-KR" sz="2000" dirty="0"/>
+          </a:p>
+          <a:p>
+            <a:r>
+              <a:rPr lang="en-US" altLang="ko-KR" sz="2000" dirty="0"/>
+              <a:t>	</a:t>
+            </a:r>
+            <a:r>
+              <a:rPr lang="ko-KR" altLang="en-US" sz="2000" dirty="0"/>
+              <a:t>인접 리스트</a:t>
+            </a:r>
+            <a:r>
+              <a:rPr lang="en-US" altLang="ko-KR" sz="2000" dirty="0"/>
+              <a:t>: O(N+E)</a:t>
+            </a:r>
+          </a:p>
+          <a:p>
+            <a:r>
+              <a:rPr lang="en-US" altLang="ko-KR" sz="2000" dirty="0"/>
+              <a:t>	</a:t>
+            </a:r>
+            <a:r>
+              <a:rPr lang="ko-KR" altLang="en-US" sz="2000" dirty="0"/>
+              <a:t>인접 행렬</a:t>
+            </a:r>
+            <a:r>
+              <a:rPr lang="en-US" altLang="ko-KR" sz="2000" dirty="0"/>
+              <a:t>: O(N^2)</a:t>
+            </a:r>
+          </a:p>
+          <a:p>
+            <a:r>
+              <a:rPr lang="en-US" altLang="ko-KR" sz="2000" dirty="0"/>
+              <a:t>	</a:t>
+            </a:r>
+            <a:r>
+              <a:rPr lang="ko-KR" altLang="en-US" sz="2000" dirty="0"/>
+              <a:t>일반적으로 </a:t>
+            </a:r>
+            <a:r>
+              <a:rPr lang="en-US" altLang="ko-KR" sz="2000" dirty="0"/>
+              <a:t>E&lt;N^2</a:t>
+            </a:r>
+            <a:r>
+              <a:rPr lang="ko-KR" altLang="en-US" sz="2000" dirty="0"/>
+              <a:t>이므로 인접 리스트 방식이 효율적</a:t>
+            </a:r>
+            <a:endParaRPr lang="en-US" altLang="ko-KR" sz="2000" dirty="0"/>
+          </a:p>
+        </p:txBody>
+      </p:sp>
+      <p:pic>
+        <p:nvPicPr>
+          <p:cNvPr id="1030" name="Picture 6">
+            <a:extLst>
+              <a:ext uri="{FF2B5EF4-FFF2-40B4-BE49-F238E27FC236}">
+                <a16:creationId xmlns:a16="http://schemas.microsoft.com/office/drawing/2014/main" id="{1EE9ECCB-991C-B02A-54E1-F02F4F02ED81}"/>
+              </a:ext>
+            </a:extLst>
+          </p:cNvPr>
+          <p:cNvPicPr>
+            <a:picLocks noChangeAspect="1" noChangeArrowheads="1"/>
+          </p:cNvPicPr>
+          <p:nvPr/>
+        </p:nvPicPr>
+        <p:blipFill>
+          <a:blip r:embed="rId3">
+            <a:extLst>
+              <a:ext uri="{28A0092B-C50C-407E-A947-70E740481C1C}">
+                <a14:useLocalDpi xmlns:a14="http://schemas.microsoft.com/office/drawing/2010/main" val="0"/>
+              </a:ext>
+            </a:extLst>
+          </a:blip>
+          <a:srcRect/>
+          <a:stretch>
+            <a:fillRect/>
+          </a:stretch>
+        </p:blipFill>
+        <p:spPr bwMode="auto">
+          <a:xfrm>
+            <a:off x="7929522" y="4576011"/>
+            <a:ext cx="4262478" cy="2217821"/>
+          </a:xfrm>
+          <a:prstGeom prst="rect">
+            <a:avLst/>
+          </a:prstGeom>
+          <a:noFill/>
+          <a:extLst>
+            <a:ext uri="{909E8E84-426E-40DD-AFC4-6F175D3DCCD1}">
+              <a14:hiddenFill xmlns:a14="http://schemas.microsoft.com/office/drawing/2010/main">
+                <a:solidFill>
+                  <a:srgbClr val="FFFFFF"/>
+                </a:solidFill>
+              </a14:hiddenFill>
+            </a:ext>
+          </a:extLst>
+        </p:spPr>
+      </p:pic>
+    </p:spTree>
+    <p:extLst>
+      <p:ext uri="{BB962C8B-B14F-4D97-AF65-F5344CB8AC3E}">
+        <p14:creationId xmlns:p14="http://schemas.microsoft.com/office/powerpoint/2010/main" val="1381487637"/>
+      </p:ext>
+    </p:extLst>
+  </p:cSld>
+  <p:clrMapOvr>
+    <a:masterClrMapping/>
+  </p:clrMapOvr>
+</p:sld>
+</file>
+
 <file path=ppt/slides/slide2.xml><?xml version="1.0" encoding="utf-8"?>
 <p:sld xmlns:a="http://schemas.openxmlformats.org/drawingml/2006/main" xmlns:r="http://schemas.openxmlformats.org/officeDocument/2006/relationships" xmlns:p="http://schemas.openxmlformats.org/presentationml/2006/main">
   <p:cSld>
@@ -4371,8 +5657,8 @@
         </p:nvSpPr>
         <p:spPr>
           <a:xfrm>
-            <a:off x="5312531" y="2177355"/>
-            <a:ext cx="3145670" cy="3201468"/>
+            <a:off x="1687015" y="1984850"/>
+            <a:ext cx="8515764" cy="4143234"/>
           </a:xfrm>
         </p:spPr>
         <p:txBody>
@@ -4387,6 +5673,73 @@
             <a:r>
               <a:rPr lang="en-US" altLang="ko-KR" dirty="0"/>
               <a:t>Graph</a:t>
+            </a:r>
+          </a:p>
+          <a:p>
+            <a:pPr marL="914400" lvl="1" indent="-457200" algn="l">
+              <a:buAutoNum type="arabicParenR"/>
+            </a:pPr>
+            <a:r>
+              <a:rPr lang="en-US" altLang="ko-KR" dirty="0"/>
+              <a:t>Adjacency matrix, list</a:t>
+            </a:r>
+          </a:p>
+          <a:p>
+            <a:pPr marL="914400" lvl="1" indent="-457200" algn="l">
+              <a:buAutoNum type="arabicParenR"/>
+            </a:pPr>
+            <a:r>
+              <a:rPr lang="en-US" altLang="ko-KR" dirty="0"/>
+              <a:t>Connected Component</a:t>
+            </a:r>
+          </a:p>
+          <a:p>
+            <a:pPr marL="914400" lvl="1" indent="-457200" algn="l">
+              <a:buAutoNum type="arabicParenR"/>
+            </a:pPr>
+            <a:r>
+              <a:rPr lang="en-US" altLang="ko-KR" dirty="0"/>
+              <a:t>Spanning tree</a:t>
+            </a:r>
+          </a:p>
+          <a:p>
+            <a:pPr marL="914400" lvl="1" indent="-457200" algn="l">
+              <a:buAutoNum type="arabicParenR"/>
+            </a:pPr>
+            <a:r>
+              <a:rPr lang="en-US" altLang="ko-KR" dirty="0"/>
+              <a:t>Minimum cost Spanning Tree (MST)</a:t>
+            </a:r>
+          </a:p>
+          <a:p>
+            <a:pPr marL="1371600" lvl="2" indent="-457200" algn="l">
+              <a:buAutoNum type="arabicParenR"/>
+            </a:pPr>
+            <a:r>
+              <a:rPr lang="en-US" altLang="ko-KR" dirty="0" err="1"/>
+              <a:t>Kruscal</a:t>
+            </a:r>
+            <a:r>
+              <a:rPr lang="en-US" altLang="ko-KR" dirty="0"/>
+              <a:t> Algorithm</a:t>
+            </a:r>
+          </a:p>
+          <a:p>
+            <a:pPr marL="1371600" lvl="2" indent="-457200" algn="l">
+              <a:buAutoNum type="arabicParenR"/>
+            </a:pPr>
+            <a:r>
+              <a:rPr lang="en-US" altLang="ko-KR" dirty="0"/>
+              <a:t>Prim Algorithm</a:t>
+            </a:r>
+          </a:p>
+          <a:p>
+            <a:pPr marL="914400" lvl="1" indent="-457200" algn="l">
+              <a:buAutoNum type="arabicParenR"/>
+            </a:pPr>
+            <a:r>
+              <a:rPr lang="en-US" altLang="ko-KR" dirty="0"/>
+              <a:t>Topological sort</a:t>
             </a:r>
           </a:p>
           <a:p>
@@ -5499,7 +6852,7 @@
         </p:nvSpPr>
         <p:spPr>
           <a:xfrm>
-            <a:off x="351622" y="4553957"/>
+            <a:off x="351622" y="4746462"/>
             <a:ext cx="11192488" cy="1477328"/>
           </a:xfrm>
           <a:prstGeom prst="rect">
@@ -6285,8 +7638,8 @@
         </p:nvSpPr>
         <p:spPr>
           <a:xfrm>
-            <a:off x="351622" y="381178"/>
-            <a:ext cx="11700639" cy="5324535"/>
+            <a:off x="351623" y="381178"/>
+            <a:ext cx="11294946" cy="3477875"/>
           </a:xfrm>
           <a:prstGeom prst="rect">
             <a:avLst/>
@@ -6294,109 +7647,60 @@
           <a:noFill/>
         </p:spPr>
         <p:txBody>
-          <a:bodyPr wrap="none" rtlCol="0">
+          <a:bodyPr wrap="square" rtlCol="0">
             <a:spAutoFit/>
           </a:bodyPr>
           <a:lstStyle/>
           <a:p>
             <a:r>
               <a:rPr lang="en-US" altLang="ko-KR" sz="2000" b="1" dirty="0"/>
-              <a:t>[</a:t>
+              <a:t>- </a:t>
             </a:r>
             <a:r>
               <a:rPr lang="ko-KR" altLang="en-US" sz="2000" b="1" dirty="0"/>
-              <a:t>그래프 탐색</a:t>
+              <a:t>연결 성분 </a:t>
             </a:r>
             <a:r>
               <a:rPr lang="en-US" altLang="ko-KR" sz="2000" b="1" dirty="0"/>
-              <a:t>]</a:t>
-            </a:r>
-          </a:p>
-          <a:p>
-            <a:endParaRPr lang="en-US" altLang="ko-KR" sz="2000" b="1" dirty="0"/>
-          </a:p>
-          <a:p>
-            <a:r>
-              <a:rPr lang="en-US" altLang="ko-KR" sz="2000" b="1" dirty="0"/>
-              <a:t>BFS, </a:t>
-            </a:r>
-            <a:r>
-              <a:rPr lang="ko-KR" altLang="en-US" sz="2000" dirty="0"/>
-              <a:t>넓이 우선 탐색</a:t>
+              <a:t>Connected Component</a:t>
+            </a:r>
+          </a:p>
+          <a:p>
+            <a:r>
+              <a:rPr lang="ko-KR" altLang="en-US" sz="2000" dirty="0"/>
+              <a:t>서로 연결되어 있는 여러 개의 고립된 부분 그래프</a:t>
             </a:r>
             <a:endParaRPr lang="en-US" altLang="ko-KR" sz="2000" dirty="0"/>
           </a:p>
           <a:p>
-            <a:r>
-              <a:rPr lang="ko-KR" altLang="en-US" sz="2000" dirty="0"/>
-              <a:t>정점을 기준으로 간선이 연결되어 있는 모든 정점들을 차례로 방문하고 </a:t>
-            </a:r>
             <a:endParaRPr lang="en-US" altLang="ko-KR" sz="2000" dirty="0"/>
           </a:p>
           <a:p>
             <a:r>
               <a:rPr lang="ko-KR" altLang="en-US" sz="2000" dirty="0"/>
-              <a:t>찾고자 하는 정점을 만날 때까지 반복한다</a:t>
+              <a:t>연결 성분을 찾는 방법</a:t>
             </a:r>
             <a:r>
               <a:rPr lang="en-US" altLang="ko-KR" sz="2000" dirty="0"/>
-              <a:t>. </a:t>
-            </a:r>
-            <a:r>
-              <a:rPr lang="ko-KR" altLang="en-US" sz="2000" dirty="0"/>
-              <a:t>일반적으로 </a:t>
-            </a:r>
-            <a:r>
-              <a:rPr lang="en-US" altLang="ko-KR" sz="2000" dirty="0">
-                <a:highlight>
-                  <a:srgbClr val="FFFF00"/>
-                </a:highlight>
-              </a:rPr>
-              <a:t>Queue</a:t>
-            </a:r>
-            <a:r>
-              <a:rPr lang="ko-KR" altLang="en-US" sz="2000" dirty="0">
-                <a:highlight>
-                  <a:srgbClr val="FFFF00"/>
-                </a:highlight>
-              </a:rPr>
-              <a:t>로 구현</a:t>
-            </a:r>
-            <a:endParaRPr lang="en-US" altLang="ko-KR" sz="2000" dirty="0">
-              <a:highlight>
-                <a:srgbClr val="FFFF00"/>
-              </a:highlight>
-            </a:endParaRPr>
-          </a:p>
-          <a:p>
+              <a:t>: BFS, DFS </a:t>
+            </a:r>
+            <a:r>
+              <a:rPr lang="ko-KR" altLang="en-US" sz="2000" dirty="0"/>
+              <a:t>탐색</a:t>
+            </a:r>
             <a:endParaRPr lang="en-US" altLang="ko-KR" sz="2000" dirty="0"/>
           </a:p>
           <a:p>
-            <a:r>
-              <a:rPr lang="en-US" altLang="ko-KR" sz="2000" b="1" dirty="0"/>
-              <a:t>DFS</a:t>
-            </a:r>
+            <a:pPr marL="457200" indent="-457200">
+              <a:buAutoNum type="arabicPeriod"/>
+            </a:pPr>
             <a:r>
               <a:rPr lang="en-US" altLang="ko-KR" sz="2000" dirty="0"/>
-              <a:t>, </a:t>
-            </a:r>
-            <a:r>
-              <a:rPr lang="ko-KR" altLang="en-US" sz="2000" dirty="0"/>
-              <a:t>깊이 우선 탐색</a:t>
-            </a:r>
-            <a:endParaRPr lang="en-US" altLang="ko-KR" sz="2000" dirty="0"/>
-          </a:p>
-          <a:p>
-            <a:r>
-              <a:rPr lang="ko-KR" altLang="en-US" sz="2000" dirty="0"/>
-              <a:t>정점을 기준으로 간선이 연결되어 있는 정점들 중 하나를 선택해 이동하고 </a:t>
-            </a:r>
-            <a:endParaRPr lang="en-US" altLang="ko-KR" sz="2000" dirty="0"/>
-          </a:p>
-          <a:p>
-            <a:r>
-              <a:rPr lang="ko-KR" altLang="en-US" sz="2000" dirty="0"/>
-              <a:t>다시 이동한 정점을 기준으로 다시 인접 정점 선택</a:t>
+              <a:t>BFS, DFS</a:t>
+            </a:r>
+            <a:r>
+              <a:rPr lang="ko-KR" altLang="en-US" sz="2000" dirty="0"/>
+              <a:t>를 시작하면 시작 정점으로부터 도달 가능한 모든 정점들이 하나의 연결 성분이 된다</a:t>
             </a:r>
             <a:r>
               <a:rPr lang="en-US" altLang="ko-KR" sz="2000" dirty="0"/>
@@ -6404,81 +7708,700 @@
             </a:r>
           </a:p>
           <a:p>
-            <a:r>
-              <a:rPr lang="ko-KR" altLang="en-US" sz="2000" dirty="0"/>
-              <a:t>간선을 따라 찾고자 하는 정점을 만날 때까지 진행하고 찾지 못하면 다시 이전 정점으로 돌아와 반복</a:t>
-            </a:r>
+            <a:pPr marL="457200" indent="-457200">
+              <a:buAutoNum type="arabicPeriod"/>
+            </a:pPr>
+            <a:r>
+              <a:rPr lang="ko-KR" altLang="en-US" sz="2000" dirty="0"/>
+              <a:t>다음에 방문하지 않은 정점을 선택해서 다시 탐색을 시작하면 그 정점을 포함하는 연결 성분이 구해진다</a:t>
+            </a:r>
+            <a:r>
+              <a:rPr lang="en-US" altLang="ko-KR" sz="2000" dirty="0"/>
+              <a:t>.</a:t>
+            </a:r>
+          </a:p>
+          <a:p>
+            <a:pPr marL="457200" indent="-457200">
+              <a:buAutoNum type="arabicPeriod"/>
+            </a:pPr>
+            <a:r>
+              <a:rPr lang="ko-KR" altLang="en-US" sz="2000" dirty="0"/>
+              <a:t>이 과정을 그래프 상의 모든 정점이 방문 될 때까지 반복하면 그래프에 존재하는 모든 연결 성분들을 찾을 수 있다</a:t>
+            </a:r>
+            <a:r>
+              <a:rPr lang="en-US" altLang="ko-KR" sz="2000" dirty="0"/>
+              <a:t>.</a:t>
+            </a:r>
+          </a:p>
+          <a:p>
             <a:endParaRPr lang="en-US" altLang="ko-KR" sz="2000" dirty="0"/>
           </a:p>
           <a:p>
             <a:r>
-              <a:rPr lang="ko-KR" altLang="en-US" sz="2000" dirty="0">
-                <a:highlight>
-                  <a:srgbClr val="FFFF00"/>
-                </a:highlight>
-              </a:rPr>
-              <a:t>재귀함수 또는 </a:t>
-            </a:r>
-            <a:r>
-              <a:rPr lang="en-US" altLang="ko-KR" sz="2000" dirty="0">
-                <a:highlight>
-                  <a:srgbClr val="FFFF00"/>
-                </a:highlight>
-              </a:rPr>
-              <a:t>Stack </a:t>
-            </a:r>
-            <a:r>
-              <a:rPr lang="ko-KR" altLang="en-US" sz="2000" dirty="0">
-                <a:highlight>
-                  <a:srgbClr val="FFFF00"/>
-                </a:highlight>
-              </a:rPr>
-              <a:t>으로 구현</a:t>
-            </a:r>
-            <a:endParaRPr lang="en-US" altLang="ko-KR" sz="2000" dirty="0">
-              <a:highlight>
-                <a:srgbClr val="FFFF00"/>
-              </a:highlight>
+              <a:rPr lang="ko-KR" altLang="en-US" sz="2000" dirty="0"/>
+              <a:t>연결 성분의 개수 구하는 방법</a:t>
+            </a:r>
+            <a:endParaRPr lang="en-US" altLang="ko-KR" sz="2000" dirty="0"/>
+          </a:p>
+        </p:txBody>
+      </p:sp>
+      <p:sp>
+        <p:nvSpPr>
+          <p:cNvPr id="12" name="TextBox 11">
+            <a:extLst>
+              <a:ext uri="{FF2B5EF4-FFF2-40B4-BE49-F238E27FC236}">
+                <a16:creationId xmlns:a16="http://schemas.microsoft.com/office/drawing/2014/main" id="{6FD876A3-FBD5-D0D2-1D74-C4AA87F939D4}"/>
+              </a:ext>
+            </a:extLst>
+          </p:cNvPr>
+          <p:cNvSpPr txBox="1"/>
+          <p:nvPr/>
+        </p:nvSpPr>
+        <p:spPr>
+          <a:xfrm>
+            <a:off x="385011" y="3859053"/>
+            <a:ext cx="11261558" cy="2585323"/>
+          </a:xfrm>
+          <a:prstGeom prst="rect">
+            <a:avLst/>
+          </a:prstGeom>
+          <a:noFill/>
+        </p:spPr>
+        <p:txBody>
+          <a:bodyPr wrap="square">
+            <a:spAutoFit/>
+          </a:bodyPr>
+          <a:lstStyle/>
+          <a:p>
+            <a:r>
+              <a:rPr lang="en-US" altLang="ko-KR" b="0" dirty="0" err="1">
+                <a:solidFill>
+                  <a:srgbClr val="000000"/>
+                </a:solidFill>
+                <a:effectLst/>
+                <a:latin typeface="Consolas" panose="020B0609020204030204" pitchFamily="49" charset="0"/>
+              </a:rPr>
+              <a:t>boolean</a:t>
+            </a:r>
+            <a:r>
+              <a:rPr lang="en-US" altLang="ko-KR" b="0" dirty="0">
+                <a:solidFill>
+                  <a:srgbClr val="000000"/>
+                </a:solidFill>
+                <a:effectLst/>
+                <a:latin typeface="Consolas" panose="020B0609020204030204" pitchFamily="49" charset="0"/>
+              </a:rPr>
+              <a:t>[] </a:t>
+            </a:r>
+            <a:r>
+              <a:rPr lang="en-US" altLang="ko-KR" b="0" dirty="0">
+                <a:solidFill>
+                  <a:srgbClr val="001080"/>
+                </a:solidFill>
+                <a:effectLst/>
+                <a:latin typeface="Consolas" panose="020B0609020204030204" pitchFamily="49" charset="0"/>
+              </a:rPr>
+              <a:t>visited</a:t>
+            </a:r>
+            <a:r>
+              <a:rPr lang="en-US" altLang="ko-KR" b="0" dirty="0">
+                <a:solidFill>
+                  <a:srgbClr val="000000"/>
+                </a:solidFill>
+                <a:effectLst/>
+                <a:latin typeface="Consolas" panose="020B0609020204030204" pitchFamily="49" charset="0"/>
+              </a:rPr>
+              <a:t> = new </a:t>
+            </a:r>
+            <a:r>
+              <a:rPr lang="en-US" altLang="ko-KR" b="0" dirty="0" err="1">
+                <a:solidFill>
+                  <a:srgbClr val="000000"/>
+                </a:solidFill>
+                <a:effectLst/>
+                <a:latin typeface="Consolas" panose="020B0609020204030204" pitchFamily="49" charset="0"/>
+              </a:rPr>
+              <a:t>boolean</a:t>
+            </a:r>
+            <a:r>
+              <a:rPr lang="en-US" altLang="ko-KR" b="0" dirty="0">
+                <a:solidFill>
+                  <a:srgbClr val="000000"/>
+                </a:solidFill>
+                <a:effectLst/>
+                <a:latin typeface="Consolas" panose="020B0609020204030204" pitchFamily="49" charset="0"/>
+              </a:rPr>
+              <a:t>[</a:t>
+            </a:r>
+            <a:r>
+              <a:rPr lang="en-US" altLang="ko-KR" b="0" dirty="0">
+                <a:solidFill>
+                  <a:srgbClr val="0070C1"/>
+                </a:solidFill>
+                <a:effectLst/>
+                <a:latin typeface="Consolas" panose="020B0609020204030204" pitchFamily="49" charset="0"/>
+              </a:rPr>
+              <a:t>N</a:t>
+            </a:r>
+            <a:r>
+              <a:rPr lang="en-US" altLang="ko-KR" b="0" dirty="0">
+                <a:solidFill>
+                  <a:srgbClr val="000000"/>
+                </a:solidFill>
+                <a:effectLst/>
+                <a:latin typeface="Consolas" panose="020B0609020204030204" pitchFamily="49" charset="0"/>
+              </a:rPr>
+              <a:t> + </a:t>
+            </a:r>
+            <a:r>
+              <a:rPr lang="en-US" altLang="ko-KR" b="0" dirty="0">
+                <a:solidFill>
+                  <a:srgbClr val="098658"/>
+                </a:solidFill>
+                <a:effectLst/>
+                <a:latin typeface="Consolas" panose="020B0609020204030204" pitchFamily="49" charset="0"/>
+              </a:rPr>
+              <a:t>1</a:t>
+            </a:r>
+            <a:r>
+              <a:rPr lang="en-US" altLang="ko-KR" b="0" dirty="0">
+                <a:solidFill>
+                  <a:srgbClr val="000000"/>
+                </a:solidFill>
+                <a:effectLst/>
+                <a:latin typeface="Consolas" panose="020B0609020204030204" pitchFamily="49" charset="0"/>
+              </a:rPr>
+              <a:t>]; // N: </a:t>
+            </a:r>
+            <a:r>
+              <a:rPr lang="ko-KR" altLang="en-US" b="0" dirty="0">
+                <a:solidFill>
+                  <a:srgbClr val="000000"/>
+                </a:solidFill>
+                <a:effectLst/>
+                <a:latin typeface="Consolas" panose="020B0609020204030204" pitchFamily="49" charset="0"/>
+              </a:rPr>
+              <a:t>정점의 수</a:t>
+            </a:r>
+          </a:p>
+          <a:p>
+            <a:r>
+              <a:rPr lang="en-US" altLang="ko-KR" b="0" dirty="0">
+                <a:solidFill>
+                  <a:srgbClr val="267F99"/>
+                </a:solidFill>
+                <a:effectLst/>
+                <a:latin typeface="Consolas" panose="020B0609020204030204" pitchFamily="49" charset="0"/>
+              </a:rPr>
+              <a:t>int</a:t>
+            </a:r>
+            <a:r>
+              <a:rPr lang="en-US" altLang="ko-KR" b="0" dirty="0">
+                <a:solidFill>
+                  <a:srgbClr val="000000"/>
+                </a:solidFill>
+                <a:effectLst/>
+                <a:latin typeface="Consolas" panose="020B0609020204030204" pitchFamily="49" charset="0"/>
+              </a:rPr>
+              <a:t> </a:t>
+            </a:r>
+            <a:r>
+              <a:rPr lang="en-US" altLang="ko-KR" b="0" dirty="0" err="1">
+                <a:solidFill>
+                  <a:srgbClr val="001080"/>
+                </a:solidFill>
+                <a:effectLst/>
+                <a:latin typeface="Consolas" panose="020B0609020204030204" pitchFamily="49" charset="0"/>
+              </a:rPr>
+              <a:t>cntComponent</a:t>
+            </a:r>
+            <a:r>
+              <a:rPr lang="en-US" altLang="ko-KR" b="0" dirty="0">
+                <a:solidFill>
+                  <a:srgbClr val="000000"/>
+                </a:solidFill>
+                <a:effectLst/>
+                <a:latin typeface="Consolas" panose="020B0609020204030204" pitchFamily="49" charset="0"/>
+              </a:rPr>
+              <a:t> = </a:t>
+            </a:r>
+            <a:r>
+              <a:rPr lang="en-US" altLang="ko-KR" b="0" dirty="0">
+                <a:solidFill>
+                  <a:srgbClr val="098658"/>
+                </a:solidFill>
+                <a:effectLst/>
+                <a:latin typeface="Consolas" panose="020B0609020204030204" pitchFamily="49" charset="0"/>
+              </a:rPr>
+              <a:t>0</a:t>
+            </a:r>
+            <a:r>
+              <a:rPr lang="en-US" altLang="ko-KR" b="0" dirty="0">
+                <a:solidFill>
+                  <a:srgbClr val="CD3131"/>
+                </a:solidFill>
+                <a:effectLst/>
+                <a:latin typeface="Consolas" panose="020B0609020204030204" pitchFamily="49" charset="0"/>
+              </a:rPr>
+              <a:t>;</a:t>
+            </a:r>
+            <a:endParaRPr lang="en-US" altLang="ko-KR" b="0" dirty="0">
+              <a:solidFill>
+                <a:srgbClr val="000000"/>
+              </a:solidFill>
+              <a:effectLst/>
+              <a:latin typeface="Consolas" panose="020B0609020204030204" pitchFamily="49" charset="0"/>
             </a:endParaRPr>
           </a:p>
           <a:p>
-            <a:endParaRPr lang="en-US" altLang="ko-KR" sz="2000" dirty="0">
-              <a:highlight>
-                <a:srgbClr val="FFFF00"/>
-              </a:highlight>
+            <a:r>
+              <a:rPr lang="en-US" altLang="ko-KR" b="0" dirty="0">
+                <a:solidFill>
+                  <a:srgbClr val="000000"/>
+                </a:solidFill>
+                <a:effectLst/>
+                <a:latin typeface="Consolas" panose="020B0609020204030204" pitchFamily="49" charset="0"/>
+              </a:rPr>
+              <a:t>// </a:t>
+            </a:r>
+            <a:r>
+              <a:rPr lang="ko-KR" altLang="en-US" b="0" dirty="0">
+                <a:solidFill>
+                  <a:srgbClr val="000000"/>
+                </a:solidFill>
+                <a:effectLst/>
+                <a:latin typeface="Consolas" panose="020B0609020204030204" pitchFamily="49" charset="0"/>
+              </a:rPr>
+              <a:t>각 정점에 대해서 한번씩 확인</a:t>
+            </a:r>
+            <a:r>
+              <a:rPr lang="en-US" altLang="ko-KR" b="0" dirty="0">
+                <a:solidFill>
+                  <a:srgbClr val="000000"/>
+                </a:solidFill>
+                <a:effectLst/>
+                <a:latin typeface="Consolas" panose="020B0609020204030204" pitchFamily="49" charset="0"/>
+              </a:rPr>
+              <a:t>.</a:t>
+            </a:r>
+          </a:p>
+          <a:p>
+            <a:r>
+              <a:rPr lang="en-US" altLang="ko-KR" b="0" dirty="0">
+                <a:solidFill>
+                  <a:srgbClr val="AF00DB"/>
+                </a:solidFill>
+                <a:effectLst/>
+                <a:latin typeface="Consolas" panose="020B0609020204030204" pitchFamily="49" charset="0"/>
+              </a:rPr>
+              <a:t>for</a:t>
+            </a:r>
+            <a:r>
+              <a:rPr lang="en-US" altLang="ko-KR" b="0" dirty="0">
+                <a:solidFill>
+                  <a:srgbClr val="000000"/>
+                </a:solidFill>
+                <a:effectLst/>
+                <a:latin typeface="Consolas" panose="020B0609020204030204" pitchFamily="49" charset="0"/>
+              </a:rPr>
+              <a:t> </a:t>
+            </a:r>
+            <a:r>
+              <a:rPr lang="en-US" altLang="ko-KR" b="0" dirty="0">
+                <a:solidFill>
+                  <a:srgbClr val="267F99"/>
+                </a:solidFill>
+                <a:effectLst/>
+                <a:latin typeface="Consolas" panose="020B0609020204030204" pitchFamily="49" charset="0"/>
+              </a:rPr>
+              <a:t>(int</a:t>
+            </a:r>
+            <a:r>
+              <a:rPr lang="en-US" altLang="ko-KR" b="0" dirty="0">
+                <a:solidFill>
+                  <a:srgbClr val="000000"/>
+                </a:solidFill>
+                <a:effectLst/>
+                <a:latin typeface="Consolas" panose="020B0609020204030204" pitchFamily="49" charset="0"/>
+              </a:rPr>
+              <a:t> </a:t>
+            </a:r>
+            <a:r>
+              <a:rPr lang="en-US" altLang="ko-KR" b="0" dirty="0" err="1">
+                <a:solidFill>
+                  <a:srgbClr val="000000"/>
+                </a:solidFill>
+                <a:effectLst/>
+                <a:latin typeface="Consolas" panose="020B0609020204030204" pitchFamily="49" charset="0"/>
+              </a:rPr>
+              <a:t>i</a:t>
+            </a:r>
+            <a:r>
+              <a:rPr lang="en-US" altLang="ko-KR" b="0" dirty="0">
+                <a:solidFill>
+                  <a:srgbClr val="000000"/>
+                </a:solidFill>
+                <a:effectLst/>
+                <a:latin typeface="Consolas" panose="020B0609020204030204" pitchFamily="49" charset="0"/>
+              </a:rPr>
+              <a:t> = </a:t>
+            </a:r>
+            <a:r>
+              <a:rPr lang="en-US" altLang="ko-KR" b="0" dirty="0">
+                <a:solidFill>
+                  <a:srgbClr val="098658"/>
+                </a:solidFill>
+                <a:effectLst/>
+                <a:latin typeface="Consolas" panose="020B0609020204030204" pitchFamily="49" charset="0"/>
+              </a:rPr>
+              <a:t>1</a:t>
+            </a:r>
+            <a:r>
+              <a:rPr lang="en-US" altLang="ko-KR" b="0" dirty="0">
+                <a:solidFill>
+                  <a:srgbClr val="000000"/>
+                </a:solidFill>
+                <a:effectLst/>
+                <a:latin typeface="Consolas" panose="020B0609020204030204" pitchFamily="49" charset="0"/>
+              </a:rPr>
+              <a:t>; </a:t>
+            </a:r>
+            <a:r>
+              <a:rPr lang="en-US" altLang="ko-KR" b="0" dirty="0" err="1">
+                <a:solidFill>
+                  <a:srgbClr val="000000"/>
+                </a:solidFill>
+                <a:effectLst/>
+                <a:latin typeface="Consolas" panose="020B0609020204030204" pitchFamily="49" charset="0"/>
+              </a:rPr>
+              <a:t>i</a:t>
+            </a:r>
+            <a:r>
+              <a:rPr lang="en-US" altLang="ko-KR" b="0" dirty="0">
+                <a:solidFill>
+                  <a:srgbClr val="000000"/>
+                </a:solidFill>
+                <a:effectLst/>
+                <a:latin typeface="Consolas" panose="020B0609020204030204" pitchFamily="49" charset="0"/>
+              </a:rPr>
+              <a:t> &lt;= N; </a:t>
+            </a:r>
+            <a:r>
+              <a:rPr lang="en-US" altLang="ko-KR" b="0" dirty="0" err="1">
+                <a:solidFill>
+                  <a:srgbClr val="000000"/>
+                </a:solidFill>
+                <a:effectLst/>
+                <a:latin typeface="Consolas" panose="020B0609020204030204" pitchFamily="49" charset="0"/>
+              </a:rPr>
+              <a:t>i</a:t>
+            </a:r>
+            <a:r>
+              <a:rPr lang="en-US" altLang="ko-KR" b="0" dirty="0">
+                <a:solidFill>
+                  <a:srgbClr val="CD3131"/>
+                </a:solidFill>
+                <a:effectLst/>
+                <a:latin typeface="Consolas" panose="020B0609020204030204" pitchFamily="49" charset="0"/>
+              </a:rPr>
+              <a:t>++</a:t>
+            </a:r>
+            <a:r>
+              <a:rPr lang="en-US" altLang="ko-KR" b="0" dirty="0">
+                <a:solidFill>
+                  <a:srgbClr val="000000"/>
+                </a:solidFill>
+                <a:effectLst/>
+                <a:latin typeface="Consolas" panose="020B0609020204030204" pitchFamily="49" charset="0"/>
+              </a:rPr>
+              <a:t>) {</a:t>
+            </a:r>
+          </a:p>
+          <a:p>
+            <a:r>
+              <a:rPr lang="en-US" altLang="ko-KR" b="0" dirty="0">
+                <a:solidFill>
+                  <a:srgbClr val="000000"/>
+                </a:solidFill>
+                <a:effectLst/>
+                <a:latin typeface="Consolas" panose="020B0609020204030204" pitchFamily="49" charset="0"/>
+              </a:rPr>
+              <a:t>    </a:t>
+            </a:r>
+            <a:r>
+              <a:rPr lang="en-US" altLang="ko-KR" b="0" dirty="0">
+                <a:solidFill>
+                  <a:srgbClr val="AF00DB"/>
+                </a:solidFill>
+                <a:effectLst/>
+                <a:latin typeface="Consolas" panose="020B0609020204030204" pitchFamily="49" charset="0"/>
+              </a:rPr>
+              <a:t>if</a:t>
+            </a:r>
+            <a:r>
+              <a:rPr lang="en-US" altLang="ko-KR" b="0" dirty="0">
+                <a:solidFill>
+                  <a:srgbClr val="000000"/>
+                </a:solidFill>
+                <a:effectLst/>
+                <a:latin typeface="Consolas" panose="020B0609020204030204" pitchFamily="49" charset="0"/>
+              </a:rPr>
+              <a:t> (</a:t>
+            </a:r>
+            <a:r>
+              <a:rPr lang="en-US" altLang="ko-KR" b="0" dirty="0">
+                <a:solidFill>
+                  <a:srgbClr val="CD3131"/>
+                </a:solidFill>
+                <a:effectLst/>
+                <a:latin typeface="Consolas" panose="020B0609020204030204" pitchFamily="49" charset="0"/>
+              </a:rPr>
+              <a:t>!</a:t>
+            </a:r>
+            <a:r>
+              <a:rPr lang="en-US" altLang="ko-KR" b="0" dirty="0">
+                <a:solidFill>
+                  <a:srgbClr val="000000"/>
+                </a:solidFill>
+                <a:effectLst/>
+                <a:latin typeface="Consolas" panose="020B0609020204030204" pitchFamily="49" charset="0"/>
+              </a:rPr>
+              <a:t>visited[</a:t>
+            </a:r>
+            <a:r>
+              <a:rPr lang="en-US" altLang="ko-KR" b="0" dirty="0" err="1">
+                <a:solidFill>
+                  <a:srgbClr val="000000"/>
+                </a:solidFill>
+                <a:effectLst/>
+                <a:latin typeface="Consolas" panose="020B0609020204030204" pitchFamily="49" charset="0"/>
+              </a:rPr>
+              <a:t>i</a:t>
+            </a:r>
+            <a:r>
+              <a:rPr lang="en-US" altLang="ko-KR" b="0" dirty="0">
+                <a:solidFill>
+                  <a:srgbClr val="000000"/>
+                </a:solidFill>
+                <a:effectLst/>
+                <a:latin typeface="Consolas" panose="020B0609020204030204" pitchFamily="49" charset="0"/>
+              </a:rPr>
+              <a:t>]) { // </a:t>
+            </a:r>
+            <a:r>
+              <a:rPr lang="ko-KR" altLang="en-US" b="0" dirty="0">
+                <a:solidFill>
+                  <a:srgbClr val="000000"/>
+                </a:solidFill>
+                <a:effectLst/>
+                <a:latin typeface="Consolas" panose="020B0609020204030204" pitchFamily="49" charset="0"/>
+              </a:rPr>
+              <a:t>방문했던 정점은 지나치므로</a:t>
+            </a:r>
+            <a:r>
+              <a:rPr lang="en-US" altLang="ko-KR" b="0" dirty="0">
+                <a:solidFill>
+                  <a:srgbClr val="000000"/>
+                </a:solidFill>
+                <a:effectLst/>
+                <a:latin typeface="Consolas" panose="020B0609020204030204" pitchFamily="49" charset="0"/>
+              </a:rPr>
+              <a:t>, </a:t>
+            </a:r>
+            <a:r>
+              <a:rPr lang="ko-KR" altLang="en-US" b="0" dirty="0">
+                <a:solidFill>
+                  <a:srgbClr val="000000"/>
+                </a:solidFill>
+                <a:effectLst/>
+                <a:latin typeface="Consolas" panose="020B0609020204030204" pitchFamily="49" charset="0"/>
+              </a:rPr>
+              <a:t>연결이 떨어진 정점에 대해서만 카운트</a:t>
+            </a:r>
+            <a:r>
+              <a:rPr lang="en-US" altLang="ko-KR" b="0" dirty="0">
+                <a:solidFill>
+                  <a:srgbClr val="CD3131"/>
+                </a:solidFill>
+                <a:effectLst/>
+                <a:latin typeface="Consolas" panose="020B0609020204030204" pitchFamily="49" charset="0"/>
+              </a:rPr>
+              <a:t>++</a:t>
+            </a:r>
+            <a:endParaRPr lang="ko-KR" altLang="en-US" b="0" dirty="0">
+              <a:solidFill>
+                <a:srgbClr val="000000"/>
+              </a:solidFill>
+              <a:effectLst/>
+              <a:latin typeface="Consolas" panose="020B0609020204030204" pitchFamily="49" charset="0"/>
             </a:endParaRPr>
           </a:p>
           <a:p>
             <a:r>
-              <a:rPr lang="ko-KR" altLang="en-US" sz="2000" b="1" dirty="0"/>
-              <a:t>연결 성분 </a:t>
-            </a:r>
-            <a:r>
-              <a:rPr lang="en-US" altLang="ko-KR" sz="2000" b="1" dirty="0"/>
-              <a:t>Connected Component</a:t>
-            </a:r>
-          </a:p>
-          <a:p>
-            <a:r>
-              <a:rPr lang="ko-KR" altLang="en-US" sz="2000" dirty="0"/>
-              <a:t>여러 개의 노드 집합에서 간선으로 연결된 각각의 그래프</a:t>
-            </a:r>
-            <a:endParaRPr lang="en-US" altLang="ko-KR" sz="2000" dirty="0"/>
-          </a:p>
-          <a:p>
-            <a:endParaRPr lang="en-US" altLang="ko-KR" sz="2000" dirty="0"/>
-          </a:p>
-          <a:p>
-            <a:endParaRPr lang="en-US" altLang="ko-KR" sz="2000" b="1" dirty="0"/>
-          </a:p>
-          <a:p>
-            <a:r>
-              <a:rPr lang="ko-KR" altLang="en-US" sz="2000" b="1" dirty="0"/>
-              <a:t>신장 트리</a:t>
-            </a:r>
-            <a:r>
-              <a:rPr lang="en-US" altLang="ko-KR" sz="2000" b="1" dirty="0"/>
-              <a:t> Spanning Tree</a:t>
+              <a:rPr lang="ko-KR" altLang="en-US" b="0" dirty="0">
+                <a:solidFill>
+                  <a:srgbClr val="000000"/>
+                </a:solidFill>
+                <a:effectLst/>
+                <a:latin typeface="Consolas" panose="020B0609020204030204" pitchFamily="49" charset="0"/>
+              </a:rPr>
+              <a:t>        </a:t>
+            </a:r>
+            <a:r>
+              <a:rPr lang="en-US" altLang="ko-KR" b="0" dirty="0" err="1">
+                <a:solidFill>
+                  <a:srgbClr val="000000"/>
+                </a:solidFill>
+                <a:effectLst/>
+                <a:latin typeface="Consolas" panose="020B0609020204030204" pitchFamily="49" charset="0"/>
+              </a:rPr>
+              <a:t>dfs</a:t>
+            </a:r>
+            <a:r>
+              <a:rPr lang="en-US" altLang="ko-KR" b="0" dirty="0">
+                <a:solidFill>
+                  <a:srgbClr val="000000"/>
+                </a:solidFill>
+                <a:effectLst/>
+                <a:latin typeface="Consolas" panose="020B0609020204030204" pitchFamily="49" charset="0"/>
+              </a:rPr>
+              <a:t>(</a:t>
+            </a:r>
+            <a:r>
+              <a:rPr lang="en-US" altLang="ko-KR" b="0" dirty="0" err="1">
+                <a:solidFill>
+                  <a:srgbClr val="000000"/>
+                </a:solidFill>
+                <a:effectLst/>
+                <a:latin typeface="Consolas" panose="020B0609020204030204" pitchFamily="49" charset="0"/>
+              </a:rPr>
+              <a:t>arrayLists</a:t>
+            </a:r>
+            <a:r>
+              <a:rPr lang="en-US" altLang="ko-KR" b="0" dirty="0">
+                <a:solidFill>
+                  <a:srgbClr val="000000"/>
+                </a:solidFill>
+                <a:effectLst/>
+                <a:latin typeface="Consolas" panose="020B0609020204030204" pitchFamily="49" charset="0"/>
+              </a:rPr>
+              <a:t>, </a:t>
+            </a:r>
+            <a:r>
+              <a:rPr lang="en-US" altLang="ko-KR" b="0" dirty="0" err="1">
+                <a:solidFill>
+                  <a:srgbClr val="000000"/>
+                </a:solidFill>
+                <a:effectLst/>
+                <a:latin typeface="Consolas" panose="020B0609020204030204" pitchFamily="49" charset="0"/>
+              </a:rPr>
+              <a:t>i</a:t>
+            </a:r>
+            <a:r>
+              <a:rPr lang="en-US" altLang="ko-KR" b="0" dirty="0">
+                <a:solidFill>
+                  <a:srgbClr val="000000"/>
+                </a:solidFill>
+                <a:effectLst/>
+                <a:latin typeface="Consolas" panose="020B0609020204030204" pitchFamily="49" charset="0"/>
+              </a:rPr>
+              <a:t>, visited); // </a:t>
+            </a:r>
+            <a:r>
+              <a:rPr lang="en-US" altLang="ko-KR" b="0" dirty="0" err="1">
+                <a:solidFill>
+                  <a:srgbClr val="000000"/>
+                </a:solidFill>
+                <a:effectLst/>
+                <a:latin typeface="Consolas" panose="020B0609020204030204" pitchFamily="49" charset="0"/>
+              </a:rPr>
+              <a:t>dfs</a:t>
+            </a:r>
+            <a:r>
+              <a:rPr lang="en-US" altLang="ko-KR" b="0" dirty="0">
+                <a:solidFill>
+                  <a:srgbClr val="000000"/>
+                </a:solidFill>
+                <a:effectLst/>
+                <a:latin typeface="Consolas" panose="020B0609020204030204" pitchFamily="49" charset="0"/>
+              </a:rPr>
+              <a:t> </a:t>
+            </a:r>
+            <a:r>
+              <a:rPr lang="ko-KR" altLang="en-US" b="0" dirty="0">
+                <a:solidFill>
+                  <a:srgbClr val="000000"/>
+                </a:solidFill>
+                <a:effectLst/>
+                <a:latin typeface="Consolas" panose="020B0609020204030204" pitchFamily="49" charset="0"/>
+              </a:rPr>
+              <a:t>탐색</a:t>
+            </a:r>
+          </a:p>
+          <a:p>
+            <a:r>
+              <a:rPr lang="ko-KR" altLang="en-US" b="0" dirty="0">
+                <a:solidFill>
+                  <a:srgbClr val="000000"/>
+                </a:solidFill>
+                <a:effectLst/>
+                <a:latin typeface="Consolas" panose="020B0609020204030204" pitchFamily="49" charset="0"/>
+              </a:rPr>
+              <a:t>        </a:t>
+            </a:r>
+            <a:r>
+              <a:rPr lang="en-US" altLang="ko-KR" b="0" dirty="0" err="1">
+                <a:solidFill>
+                  <a:srgbClr val="000000"/>
+                </a:solidFill>
+                <a:effectLst/>
+                <a:latin typeface="Consolas" panose="020B0609020204030204" pitchFamily="49" charset="0"/>
+              </a:rPr>
+              <a:t>cntComponent</a:t>
+            </a:r>
+            <a:r>
+              <a:rPr lang="en-US" altLang="ko-KR" b="0" dirty="0">
+                <a:solidFill>
+                  <a:srgbClr val="CD3131"/>
+                </a:solidFill>
+                <a:effectLst/>
+                <a:latin typeface="Consolas" panose="020B0609020204030204" pitchFamily="49" charset="0"/>
+              </a:rPr>
+              <a:t>++</a:t>
+            </a:r>
+            <a:r>
+              <a:rPr lang="en-US" altLang="ko-KR" b="0" dirty="0">
+                <a:solidFill>
+                  <a:srgbClr val="000000"/>
+                </a:solidFill>
+                <a:effectLst/>
+                <a:latin typeface="Consolas" panose="020B0609020204030204" pitchFamily="49" charset="0"/>
+              </a:rPr>
+              <a:t>;</a:t>
+            </a:r>
+          </a:p>
+          <a:p>
+            <a:r>
+              <a:rPr lang="en-US" altLang="ko-KR" b="0" dirty="0">
+                <a:solidFill>
+                  <a:srgbClr val="000000"/>
+                </a:solidFill>
+                <a:effectLst/>
+                <a:latin typeface="Consolas" panose="020B0609020204030204" pitchFamily="49" charset="0"/>
+              </a:rPr>
+              <a:t>    }</a:t>
+            </a:r>
+          </a:p>
+          <a:p>
+            <a:r>
+              <a:rPr lang="en-US" altLang="ko-KR" b="0" dirty="0">
+                <a:solidFill>
+                  <a:srgbClr val="000000"/>
+                </a:solidFill>
+                <a:effectLst/>
+                <a:latin typeface="Consolas" panose="020B0609020204030204" pitchFamily="49" charset="0"/>
+              </a:rPr>
+              <a:t>}</a:t>
             </a:r>
           </a:p>
         </p:txBody>
@@ -6486,7 +8409,699 @@
     </p:spTree>
     <p:extLst>
       <p:ext uri="{BB962C8B-B14F-4D97-AF65-F5344CB8AC3E}">
-        <p14:creationId xmlns:p14="http://schemas.microsoft.com/office/powerpoint/2010/main" val="1381487637"/>
+        <p14:creationId xmlns:p14="http://schemas.microsoft.com/office/powerpoint/2010/main" val="2268530310"/>
+      </p:ext>
+    </p:extLst>
+  </p:cSld>
+  <p:clrMapOvr>
+    <a:masterClrMapping/>
+  </p:clrMapOvr>
+</p:sld>
+</file>
+
+<file path=ppt/slides/slide8.xml><?xml version="1.0" encoding="utf-8"?>
+<p:sld xmlns:a="http://schemas.openxmlformats.org/drawingml/2006/main" xmlns:r="http://schemas.openxmlformats.org/officeDocument/2006/relationships" xmlns:p="http://schemas.openxmlformats.org/presentationml/2006/main">
+  <p:cSld>
+    <p:spTree>
+      <p:nvGrpSpPr>
+        <p:cNvPr id="1" name=""/>
+        <p:cNvGrpSpPr/>
+        <p:nvPr/>
+      </p:nvGrpSpPr>
+      <p:grpSpPr>
+        <a:xfrm>
+          <a:off x="0" y="0"/>
+          <a:ext cx="0" cy="0"/>
+          <a:chOff x="0" y="0"/>
+          <a:chExt cx="0" cy="0"/>
+        </a:xfrm>
+      </p:grpSpPr>
+      <p:sp>
+        <p:nvSpPr>
+          <p:cNvPr id="2" name="TextBox 1">
+            <a:extLst>
+              <a:ext uri="{FF2B5EF4-FFF2-40B4-BE49-F238E27FC236}">
+                <a16:creationId xmlns:a16="http://schemas.microsoft.com/office/drawing/2014/main" id="{55BB2B3D-7EFE-4E80-80D2-F23079C3D781}"/>
+              </a:ext>
+            </a:extLst>
+          </p:cNvPr>
+          <p:cNvSpPr txBox="1"/>
+          <p:nvPr/>
+        </p:nvSpPr>
+        <p:spPr>
+          <a:xfrm>
+            <a:off x="351623" y="381178"/>
+            <a:ext cx="11294946" cy="2862322"/>
+          </a:xfrm>
+          <a:prstGeom prst="rect">
+            <a:avLst/>
+          </a:prstGeom>
+          <a:noFill/>
+        </p:spPr>
+        <p:txBody>
+          <a:bodyPr wrap="square" rtlCol="0">
+            <a:spAutoFit/>
+          </a:bodyPr>
+          <a:lstStyle/>
+          <a:p>
+            <a:r>
+              <a:rPr lang="en-US" altLang="ko-KR" sz="2000" b="1" dirty="0"/>
+              <a:t>- </a:t>
+            </a:r>
+            <a:r>
+              <a:rPr lang="ko-KR" altLang="en-US" sz="2000" b="1" dirty="0"/>
+              <a:t>신장 트리</a:t>
+            </a:r>
+            <a:r>
+              <a:rPr lang="en-US" altLang="ko-KR" sz="2000" b="1" dirty="0"/>
+              <a:t> Spanning Tree</a:t>
+            </a:r>
+          </a:p>
+          <a:p>
+            <a:r>
+              <a:rPr lang="ko-KR" altLang="en-US" sz="2000" dirty="0"/>
+              <a:t>그래프 내의 모든 정점을 포함하는 트리</a:t>
+            </a:r>
+            <a:endParaRPr lang="en-US" altLang="ko-KR" sz="2000" dirty="0"/>
+          </a:p>
+          <a:p>
+            <a:r>
+              <a:rPr lang="ko-KR" altLang="en-US" sz="2000" dirty="0"/>
+              <a:t>최소의 링크를 사용하는 네트워크 구축 시 사용 </a:t>
+            </a:r>
+            <a:r>
+              <a:rPr lang="en-US" altLang="ko-KR" sz="2000" dirty="0"/>
+              <a:t>(</a:t>
+            </a:r>
+            <a:r>
+              <a:rPr lang="ko-KR" altLang="en-US" sz="2000" dirty="0"/>
+              <a:t>통신망</a:t>
+            </a:r>
+            <a:r>
+              <a:rPr lang="en-US" altLang="ko-KR" sz="2000" dirty="0"/>
+              <a:t>, </a:t>
+            </a:r>
+            <a:r>
+              <a:rPr lang="ko-KR" altLang="en-US" sz="2000" dirty="0"/>
+              <a:t>도로망</a:t>
+            </a:r>
+            <a:r>
+              <a:rPr lang="en-US" altLang="ko-KR" sz="2000" dirty="0"/>
+              <a:t>, </a:t>
+            </a:r>
+            <a:r>
+              <a:rPr lang="ko-KR" altLang="en-US" sz="2000" dirty="0"/>
+              <a:t>유통망 등</a:t>
+            </a:r>
+            <a:r>
+              <a:rPr lang="en-US" altLang="ko-KR" sz="2000" dirty="0"/>
+              <a:t>)</a:t>
+            </a:r>
+          </a:p>
+          <a:p>
+            <a:endParaRPr lang="en-US" altLang="ko-KR" sz="2000" dirty="0"/>
+          </a:p>
+          <a:p>
+            <a:r>
+              <a:rPr lang="ko-KR" altLang="en-US" sz="2000" dirty="0"/>
+              <a:t>조건</a:t>
+            </a:r>
+            <a:endParaRPr lang="en-US" altLang="ko-KR" sz="2000" dirty="0"/>
+          </a:p>
+          <a:p>
+            <a:pPr marL="457200" indent="-457200">
+              <a:buAutoNum type="arabicPeriod"/>
+            </a:pPr>
+            <a:r>
+              <a:rPr lang="ko-KR" altLang="en-US" sz="2000" dirty="0"/>
+              <a:t>모든 정점들이 연결되어야 함</a:t>
+            </a:r>
+            <a:endParaRPr lang="en-US" altLang="ko-KR" sz="2000" dirty="0"/>
+          </a:p>
+          <a:p>
+            <a:pPr marL="457200" indent="-457200">
+              <a:buAutoNum type="arabicPeriod"/>
+            </a:pPr>
+            <a:r>
+              <a:rPr lang="ko-KR" altLang="en-US" sz="2000" dirty="0"/>
+              <a:t>사이클이 없어야 함</a:t>
+            </a:r>
+            <a:r>
+              <a:rPr lang="en-US" altLang="ko-KR" sz="2000" dirty="0"/>
+              <a:t>. </a:t>
+            </a:r>
+            <a:r>
+              <a:rPr lang="ko-KR" altLang="en-US" sz="2000" dirty="0"/>
+              <a:t>재방문</a:t>
+            </a:r>
+            <a:r>
+              <a:rPr lang="en-US" altLang="ko-KR" sz="2000" dirty="0"/>
+              <a:t>X</a:t>
+            </a:r>
+          </a:p>
+          <a:p>
+            <a:pPr marL="457200" indent="-457200">
+              <a:buAutoNum type="arabicPeriod"/>
+            </a:pPr>
+            <a:r>
+              <a:rPr lang="en-US" altLang="ko-KR" sz="2000" dirty="0"/>
+              <a:t>n</a:t>
+            </a:r>
+            <a:r>
+              <a:rPr lang="ko-KR" altLang="en-US" sz="2000" dirty="0"/>
+              <a:t>개의 정점을 </a:t>
+            </a:r>
+            <a:r>
+              <a:rPr lang="en-US" altLang="ko-KR" sz="2000" dirty="0"/>
+              <a:t>n-1</a:t>
+            </a:r>
+            <a:r>
+              <a:rPr lang="ko-KR" altLang="en-US" sz="2000" dirty="0"/>
+              <a:t>개의 간선으로 연결</a:t>
+            </a:r>
+            <a:endParaRPr lang="en-US" altLang="ko-KR" sz="2000" dirty="0"/>
+          </a:p>
+          <a:p>
+            <a:endParaRPr lang="en-US" altLang="ko-KR" sz="2000" dirty="0"/>
+          </a:p>
+        </p:txBody>
+      </p:sp>
+      <p:pic>
+        <p:nvPicPr>
+          <p:cNvPr id="4" name="그림 3">
+            <a:extLst>
+              <a:ext uri="{FF2B5EF4-FFF2-40B4-BE49-F238E27FC236}">
+                <a16:creationId xmlns:a16="http://schemas.microsoft.com/office/drawing/2014/main" id="{AC8EB90C-4ED9-A0A1-04F1-9A8C83544E92}"/>
+              </a:ext>
+            </a:extLst>
+          </p:cNvPr>
+          <p:cNvPicPr>
+            <a:picLocks noChangeAspect="1"/>
+          </p:cNvPicPr>
+          <p:nvPr/>
+        </p:nvPicPr>
+        <p:blipFill>
+          <a:blip r:embed="rId3"/>
+          <a:stretch>
+            <a:fillRect/>
+          </a:stretch>
+        </p:blipFill>
+        <p:spPr>
+          <a:xfrm>
+            <a:off x="3208656" y="3047822"/>
+            <a:ext cx="5774687" cy="3429000"/>
+          </a:xfrm>
+          <a:prstGeom prst="rect">
+            <a:avLst/>
+          </a:prstGeom>
+        </p:spPr>
+      </p:pic>
+    </p:spTree>
+    <p:extLst>
+      <p:ext uri="{BB962C8B-B14F-4D97-AF65-F5344CB8AC3E}">
+        <p14:creationId xmlns:p14="http://schemas.microsoft.com/office/powerpoint/2010/main" val="229115261"/>
+      </p:ext>
+    </p:extLst>
+  </p:cSld>
+  <p:clrMapOvr>
+    <a:masterClrMapping/>
+  </p:clrMapOvr>
+</p:sld>
+</file>
+
+<file path=ppt/slides/slide9.xml><?xml version="1.0" encoding="utf-8"?>
+<p:sld xmlns:a="http://schemas.openxmlformats.org/drawingml/2006/main" xmlns:r="http://schemas.openxmlformats.org/officeDocument/2006/relationships" xmlns:p="http://schemas.openxmlformats.org/presentationml/2006/main">
+  <p:cSld>
+    <p:spTree>
+      <p:nvGrpSpPr>
+        <p:cNvPr id="1" name=""/>
+        <p:cNvGrpSpPr/>
+        <p:nvPr/>
+      </p:nvGrpSpPr>
+      <p:grpSpPr>
+        <a:xfrm>
+          <a:off x="0" y="0"/>
+          <a:ext cx="0" cy="0"/>
+          <a:chOff x="0" y="0"/>
+          <a:chExt cx="0" cy="0"/>
+        </a:xfrm>
+      </p:grpSpPr>
+      <p:sp>
+        <p:nvSpPr>
+          <p:cNvPr id="2" name="TextBox 1">
+            <a:extLst>
+              <a:ext uri="{FF2B5EF4-FFF2-40B4-BE49-F238E27FC236}">
+                <a16:creationId xmlns:a16="http://schemas.microsoft.com/office/drawing/2014/main" id="{55BB2B3D-7EFE-4E80-80D2-F23079C3D781}"/>
+              </a:ext>
+            </a:extLst>
+          </p:cNvPr>
+          <p:cNvSpPr txBox="1"/>
+          <p:nvPr/>
+        </p:nvSpPr>
+        <p:spPr>
+          <a:xfrm>
+            <a:off x="256675" y="13603"/>
+            <a:ext cx="11726778" cy="6863417"/>
+          </a:xfrm>
+          <a:prstGeom prst="rect">
+            <a:avLst/>
+          </a:prstGeom>
+          <a:noFill/>
+        </p:spPr>
+        <p:txBody>
+          <a:bodyPr wrap="square" rtlCol="0">
+            <a:spAutoFit/>
+          </a:bodyPr>
+          <a:lstStyle/>
+          <a:p>
+            <a:r>
+              <a:rPr lang="en-US" altLang="ko-KR" sz="2000" b="1" dirty="0"/>
+              <a:t>- </a:t>
+            </a:r>
+            <a:r>
+              <a:rPr lang="ko-KR" altLang="en-US" sz="2000" b="1" dirty="0"/>
+              <a:t>최소 비용 신장 트리</a:t>
+            </a:r>
+            <a:r>
+              <a:rPr lang="en-US" altLang="ko-KR" sz="2000" b="1" dirty="0"/>
+              <a:t> minimum cost spanning tree (MST)</a:t>
+            </a:r>
+          </a:p>
+          <a:p>
+            <a:r>
+              <a:rPr lang="ko-KR" altLang="en-US" sz="2000" dirty="0"/>
+              <a:t>가중치가 부여된 </a:t>
+            </a:r>
+            <a:r>
+              <a:rPr lang="ko-KR" altLang="en-US" sz="2000" dirty="0" err="1"/>
+              <a:t>무방향</a:t>
+            </a:r>
+            <a:r>
+              <a:rPr lang="ko-KR" altLang="en-US" sz="2000" dirty="0"/>
+              <a:t> 그래프의 신장 트리 비용</a:t>
+            </a:r>
+            <a:r>
+              <a:rPr lang="en-US" altLang="ko-KR" sz="2000" dirty="0"/>
+              <a:t>: </a:t>
+            </a:r>
+            <a:r>
+              <a:rPr lang="ko-KR" altLang="en-US" sz="2000" dirty="0"/>
+              <a:t>신장 트리를 구성하는 모든 간선의 비용의 합</a:t>
+            </a:r>
+            <a:endParaRPr lang="en-US" altLang="ko-KR" sz="2000" dirty="0"/>
+          </a:p>
+          <a:p>
+            <a:r>
+              <a:rPr lang="ko-KR" altLang="en-US" sz="2000" dirty="0"/>
+              <a:t>최소 비용 신장 </a:t>
+            </a:r>
+            <a:r>
+              <a:rPr lang="ko-KR" altLang="en-US" sz="2000" dirty="0" err="1"/>
+              <a:t>트리란</a:t>
+            </a:r>
+            <a:r>
+              <a:rPr lang="en-US" altLang="ko-KR" sz="2000" dirty="0"/>
+              <a:t>? </a:t>
+            </a:r>
+            <a:r>
+              <a:rPr lang="ko-KR" altLang="en-US" sz="2000" dirty="0"/>
+              <a:t>트리를 구성하는 간선들의 가중치를 합한 것이 최소가 되는 신장 트리</a:t>
+            </a:r>
+            <a:endParaRPr lang="en-US" altLang="ko-KR" sz="2000" dirty="0"/>
+          </a:p>
+          <a:p>
+            <a:endParaRPr lang="en-US" altLang="ko-KR" sz="2000" dirty="0"/>
+          </a:p>
+          <a:p>
+            <a:r>
+              <a:rPr lang="ko-KR" altLang="en-US" sz="2000" dirty="0"/>
+              <a:t>최소 비용 신장 트리를 찾아내는 방법</a:t>
+            </a:r>
+            <a:r>
+              <a:rPr lang="en-US" altLang="ko-KR" sz="2000" dirty="0"/>
+              <a:t>: </a:t>
+            </a:r>
+            <a:r>
+              <a:rPr lang="ko-KR" altLang="en-US" sz="2000" dirty="0" err="1"/>
+              <a:t>프림</a:t>
+            </a:r>
+            <a:r>
+              <a:rPr lang="en-US" altLang="ko-KR" sz="2000" dirty="0"/>
+              <a:t>(Prim), </a:t>
+            </a:r>
+            <a:r>
+              <a:rPr lang="ko-KR" altLang="en-US" sz="2000" dirty="0" err="1"/>
+              <a:t>크루스칼</a:t>
+            </a:r>
+            <a:r>
+              <a:rPr lang="en-US" altLang="ko-KR" sz="2000" dirty="0"/>
+              <a:t>(Kruskal) &lt;- greedy method</a:t>
+            </a:r>
+            <a:r>
+              <a:rPr lang="ko-KR" altLang="en-US" sz="2000" dirty="0"/>
+              <a:t>로 구현됨</a:t>
+            </a:r>
+            <a:endParaRPr lang="en-US" altLang="ko-KR" sz="2000" dirty="0"/>
+          </a:p>
+          <a:p>
+            <a:endParaRPr lang="en-US" altLang="ko-KR" sz="2000" dirty="0"/>
+          </a:p>
+          <a:p>
+            <a:r>
+              <a:rPr lang="en-US" altLang="ko-KR" sz="2000" b="1" dirty="0"/>
+              <a:t>- </a:t>
+            </a:r>
+            <a:r>
+              <a:rPr lang="ko-KR" altLang="en-US" sz="2000" b="1" dirty="0" err="1"/>
+              <a:t>크루스칼</a:t>
+            </a:r>
+            <a:r>
+              <a:rPr lang="ko-KR" altLang="en-US" sz="2000" b="1" dirty="0"/>
+              <a:t> 알고리즘 </a:t>
+            </a:r>
+            <a:r>
+              <a:rPr lang="en-US" altLang="ko-KR" sz="2000" b="1" dirty="0"/>
+              <a:t>Kruskal Algorithm</a:t>
+            </a:r>
+          </a:p>
+          <a:p>
+            <a:r>
+              <a:rPr lang="ko-KR" altLang="en-US" sz="2000" dirty="0"/>
+              <a:t>그래프의 </a:t>
+            </a:r>
+            <a:r>
+              <a:rPr lang="en-US" altLang="ko-KR" sz="2000" dirty="0"/>
+              <a:t>edge </a:t>
+            </a:r>
+            <a:r>
+              <a:rPr lang="ko-KR" altLang="en-US" sz="2000" dirty="0"/>
+              <a:t>중 비용이 가장 낮은 </a:t>
+            </a:r>
+            <a:r>
+              <a:rPr lang="en-US" altLang="ko-KR" sz="2000" dirty="0"/>
+              <a:t>edge</a:t>
+            </a:r>
+            <a:r>
+              <a:rPr lang="ko-KR" altLang="en-US" sz="2000" dirty="0"/>
+              <a:t>들로 트리를 구성하는 알고리즘</a:t>
+            </a:r>
+            <a:endParaRPr lang="en-US" altLang="ko-KR" sz="2000" dirty="0"/>
+          </a:p>
+          <a:p>
+            <a:pPr marL="457200" indent="-457200">
+              <a:buAutoNum type="arabicPeriod"/>
+            </a:pPr>
+            <a:r>
+              <a:rPr lang="ko-KR" altLang="en-US" sz="2000" dirty="0"/>
+              <a:t>간선들을 가중치의 오름차순으로 정렬</a:t>
+            </a:r>
+            <a:endParaRPr lang="en-US" altLang="ko-KR" sz="2000" dirty="0"/>
+          </a:p>
+          <a:p>
+            <a:pPr marL="457200" indent="-457200">
+              <a:buAutoNum type="arabicPeriod"/>
+            </a:pPr>
+            <a:r>
+              <a:rPr lang="ko-KR" altLang="en-US" sz="2000" dirty="0"/>
+              <a:t>간선들을 순서대로 하나씩 선택하되</a:t>
+            </a:r>
+            <a:r>
+              <a:rPr lang="en-US" altLang="ko-KR" sz="2000" dirty="0"/>
+              <a:t>, </a:t>
+            </a:r>
+            <a:r>
+              <a:rPr lang="ko-KR" altLang="en-US" sz="2000" dirty="0"/>
+              <a:t>이미 선택된 간선들과 사이클이 형성되면 선택 </a:t>
+            </a:r>
+            <a:r>
+              <a:rPr lang="en-US" altLang="ko-KR" sz="2000" dirty="0"/>
+              <a:t>X</a:t>
+            </a:r>
+          </a:p>
+          <a:p>
+            <a:pPr lvl="1"/>
+            <a:r>
+              <a:rPr lang="en-US" altLang="ko-KR" sz="2000" dirty="0"/>
+              <a:t>(</a:t>
+            </a:r>
+            <a:r>
+              <a:rPr lang="ko-KR" altLang="en-US" sz="2000" dirty="0"/>
+              <a:t>사이클 형성 되는지 확인 방법</a:t>
+            </a:r>
+            <a:r>
+              <a:rPr lang="en-US" altLang="ko-KR" sz="2000" dirty="0"/>
+              <a:t>: Disjoint Set </a:t>
+            </a:r>
+            <a:r>
+              <a:rPr lang="ko-KR" altLang="en-US" sz="2000" dirty="0"/>
+              <a:t>사용</a:t>
+            </a:r>
+            <a:r>
+              <a:rPr lang="en-US" altLang="ko-KR" sz="2000" dirty="0"/>
+              <a:t>)</a:t>
+            </a:r>
+          </a:p>
+          <a:p>
+            <a:pPr marL="457200" indent="-457200">
+              <a:buAutoNum type="arabicPeriod"/>
+            </a:pPr>
+            <a:r>
+              <a:rPr lang="en-US" altLang="ko-KR" sz="2000" dirty="0"/>
+              <a:t>N-1</a:t>
+            </a:r>
+            <a:r>
+              <a:rPr lang="ko-KR" altLang="en-US" sz="2000" dirty="0"/>
+              <a:t>개의 간선이 선택되면 종료</a:t>
+            </a:r>
+            <a:endParaRPr lang="en-US" altLang="ko-KR" sz="2000" dirty="0"/>
+          </a:p>
+          <a:p>
+            <a:endParaRPr lang="en-US" altLang="ko-KR" sz="2000" dirty="0"/>
+          </a:p>
+          <a:p>
+            <a:r>
+              <a:rPr lang="en-US" altLang="ko-KR" sz="2000" dirty="0"/>
+              <a:t>** Disjoint Set: </a:t>
+            </a:r>
+            <a:r>
+              <a:rPr lang="ko-KR" altLang="en-US" sz="2000" dirty="0"/>
+              <a:t>교집합이 없는 서로 다른 데이터들로 이루어진 자료구조</a:t>
+            </a:r>
+            <a:endParaRPr lang="en-US" altLang="ko-KR" sz="2000" dirty="0"/>
+          </a:p>
+          <a:p>
+            <a:r>
+              <a:rPr lang="ko-KR" altLang="en-US" sz="2000" dirty="0"/>
+              <a:t>전체집합 </a:t>
+            </a:r>
+            <a:r>
+              <a:rPr lang="en-US" altLang="ko-KR" sz="2000" dirty="0"/>
+              <a:t>S={1,2,3,4}, </a:t>
+            </a:r>
+            <a:r>
+              <a:rPr lang="ko-KR" altLang="en-US" sz="2000" dirty="0"/>
+              <a:t>부분집합 </a:t>
+            </a:r>
+            <a:r>
+              <a:rPr lang="en-US" altLang="ko-KR" sz="2000" dirty="0"/>
+              <a:t>A={1,2}, B={3,4}</a:t>
+            </a:r>
+            <a:r>
+              <a:rPr lang="ko-KR" altLang="en-US" sz="2000" dirty="0"/>
+              <a:t>는 서로 </a:t>
+            </a:r>
+            <a:r>
+              <a:rPr lang="en-US" altLang="ko-KR" sz="2000" dirty="0"/>
+              <a:t>Disjoint Set</a:t>
+            </a:r>
+          </a:p>
+          <a:p>
+            <a:r>
+              <a:rPr lang="en-US" altLang="ko-KR" sz="2000" dirty="0"/>
+              <a:t>- Disjoint Set </a:t>
+            </a:r>
+            <a:r>
+              <a:rPr lang="ko-KR" altLang="en-US" sz="2000" dirty="0"/>
+              <a:t>연산</a:t>
+            </a:r>
+            <a:endParaRPr lang="en-US" altLang="ko-KR" sz="2000" dirty="0"/>
+          </a:p>
+          <a:p>
+            <a:r>
+              <a:rPr lang="en-US" altLang="ko-KR" sz="2000" dirty="0"/>
+              <a:t>Make-Set(x): </a:t>
+            </a:r>
+            <a:r>
+              <a:rPr lang="ko-KR" altLang="en-US" sz="2000" dirty="0"/>
+              <a:t>원소 </a:t>
+            </a:r>
+            <a:r>
+              <a:rPr lang="en-US" altLang="ko-KR" sz="2000" dirty="0"/>
+              <a:t>x</a:t>
+            </a:r>
+            <a:r>
+              <a:rPr lang="ko-KR" altLang="en-US" sz="2000" dirty="0"/>
+              <a:t>에 대해 독립된 집합을 만듦</a:t>
+            </a:r>
+            <a:r>
+              <a:rPr lang="en-US" altLang="ko-KR" sz="2000" dirty="0"/>
+              <a:t>			</a:t>
+            </a:r>
+            <a:r>
+              <a:rPr lang="ko-KR" altLang="en-US" sz="2000" dirty="0" err="1"/>
+              <a:t>시간복잡도</a:t>
+            </a:r>
+            <a:r>
+              <a:rPr lang="en-US" altLang="ko-KR" sz="2000" dirty="0"/>
+              <a:t>: O(N)</a:t>
+            </a:r>
+          </a:p>
+          <a:p>
+            <a:r>
+              <a:rPr lang="en-US" altLang="ko-KR" sz="2000" dirty="0"/>
+              <a:t>Find(x): x</a:t>
+            </a:r>
+            <a:r>
+              <a:rPr lang="ko-KR" altLang="en-US" sz="2000" dirty="0"/>
+              <a:t>가 속한 부분집합의 대표 값</a:t>
+            </a:r>
+            <a:r>
+              <a:rPr lang="en-US" altLang="ko-KR" sz="2000" dirty="0"/>
+              <a:t>(</a:t>
+            </a:r>
+            <a:r>
+              <a:rPr lang="ko-KR" altLang="en-US" sz="2000" dirty="0"/>
+              <a:t>루트 노드</a:t>
+            </a:r>
+            <a:r>
+              <a:rPr lang="en-US" altLang="ko-KR" sz="2000" dirty="0"/>
+              <a:t>) </a:t>
+            </a:r>
+            <a:r>
+              <a:rPr lang="ko-KR" altLang="en-US" sz="2000" dirty="0"/>
+              <a:t>반환</a:t>
+            </a:r>
+            <a:r>
+              <a:rPr lang="en-US" altLang="ko-KR" sz="2000" dirty="0"/>
+              <a:t>		</a:t>
+            </a:r>
+            <a:r>
+              <a:rPr lang="ko-KR" altLang="en-US" sz="2000" dirty="0" err="1"/>
+              <a:t>시간복잡도</a:t>
+            </a:r>
+            <a:r>
+              <a:rPr lang="en-US" altLang="ko-KR" sz="2000" dirty="0"/>
+              <a:t>: O(h), h</a:t>
+            </a:r>
+            <a:r>
+              <a:rPr lang="ko-KR" altLang="en-US" sz="2000" dirty="0"/>
+              <a:t>는 트리의 높이</a:t>
+            </a:r>
+            <a:endParaRPr lang="en-US" altLang="ko-KR" sz="2000" dirty="0"/>
+          </a:p>
+          <a:p>
+            <a:r>
+              <a:rPr lang="en-US" altLang="ko-KR" sz="2000" dirty="0"/>
+              <a:t>									h</a:t>
+            </a:r>
+            <a:r>
+              <a:rPr lang="ko-KR" altLang="en-US" sz="2000" dirty="0"/>
+              <a:t>는 최대 </a:t>
+            </a:r>
+            <a:r>
+              <a:rPr lang="en-US" altLang="ko-KR" sz="2000" dirty="0" err="1"/>
+              <a:t>logN</a:t>
+            </a:r>
+            <a:r>
+              <a:rPr lang="en-US" altLang="ko-KR" sz="2000" dirty="0"/>
+              <a:t> =&gt; O(</a:t>
+            </a:r>
+            <a:r>
+              <a:rPr lang="en-US" altLang="ko-KR" sz="2000" dirty="0" err="1"/>
+              <a:t>logN</a:t>
+            </a:r>
+            <a:r>
+              <a:rPr lang="en-US" altLang="ko-KR" sz="2000" dirty="0"/>
+              <a:t>)</a:t>
+            </a:r>
+          </a:p>
+          <a:p>
+            <a:r>
+              <a:rPr lang="en-US" altLang="ko-KR" sz="2000" dirty="0"/>
+              <a:t>	Find </a:t>
+            </a:r>
+            <a:r>
+              <a:rPr lang="ko-KR" altLang="en-US" sz="2000" dirty="0"/>
+              <a:t>연산을 수행하면서 트리의 높이를 낮추는 것</a:t>
+            </a:r>
+            <a:r>
+              <a:rPr lang="en-US" altLang="ko-KR" sz="2000" dirty="0"/>
+              <a:t>: Path Compression</a:t>
+            </a:r>
+          </a:p>
+          <a:p>
+            <a:r>
+              <a:rPr lang="en-US" altLang="ko-KR" sz="2000" dirty="0"/>
+              <a:t>Union(</a:t>
+            </a:r>
+            <a:r>
+              <a:rPr lang="en-US" altLang="ko-KR" sz="2000" dirty="0" err="1"/>
+              <a:t>x,y</a:t>
+            </a:r>
+            <a:r>
+              <a:rPr lang="en-US" altLang="ko-KR" sz="2000" dirty="0"/>
+              <a:t>):</a:t>
+            </a:r>
+            <a:r>
+              <a:rPr lang="ko-KR" altLang="en-US" sz="2000" dirty="0"/>
+              <a:t> </a:t>
+            </a:r>
+            <a:r>
+              <a:rPr lang="en-US" altLang="ko-KR" sz="2000" dirty="0"/>
+              <a:t>x</a:t>
+            </a:r>
+            <a:r>
+              <a:rPr lang="ko-KR" altLang="en-US" sz="2000" dirty="0"/>
+              <a:t>가 속한 부분 집합과 </a:t>
+            </a:r>
+            <a:r>
+              <a:rPr lang="en-US" altLang="ko-KR" sz="2000" dirty="0"/>
+              <a:t>y</a:t>
+            </a:r>
+            <a:r>
+              <a:rPr lang="ko-KR" altLang="en-US" sz="2000" dirty="0"/>
+              <a:t>가 속한 부분집합을 합침</a:t>
+            </a:r>
+            <a:r>
+              <a:rPr lang="en-US" altLang="ko-KR" sz="2000" dirty="0"/>
+              <a:t>	</a:t>
+            </a:r>
+            <a:r>
+              <a:rPr lang="ko-KR" altLang="en-US" sz="2000" dirty="0" err="1"/>
+              <a:t>시간복잡도</a:t>
+            </a:r>
+            <a:r>
+              <a:rPr lang="en-US" altLang="ko-KR" sz="2000" dirty="0"/>
+              <a:t>: O(1)</a:t>
+            </a:r>
+          </a:p>
+          <a:p>
+            <a:r>
+              <a:rPr lang="en-US" altLang="ko-KR" sz="2000" dirty="0"/>
+              <a:t>	</a:t>
+            </a:r>
+            <a:r>
+              <a:rPr lang="ko-KR" altLang="en-US" sz="2000" dirty="0"/>
+              <a:t>높이가 낮은 트리를 높은 트리로 합침</a:t>
+            </a:r>
+            <a:endParaRPr lang="en-US" altLang="ko-KR" sz="2000" dirty="0"/>
+          </a:p>
+        </p:txBody>
+      </p:sp>
+    </p:spTree>
+    <p:extLst>
+      <p:ext uri="{BB962C8B-B14F-4D97-AF65-F5344CB8AC3E}">
+        <p14:creationId xmlns:p14="http://schemas.microsoft.com/office/powerpoint/2010/main" val="2269928585"/>
       </p:ext>
     </p:extLst>
   </p:cSld>

--- a/week5/graph&DFS,BFS.pptx
+++ b/week5/graph&DFS,BFS.pptx
@@ -7602,6 +7602,35 @@
               <a:t>= </a:t>
             </a:r>
             <a:r>
+              <a:rPr lang="ko-KR" altLang="en-US" b="0" i="0">
+                <a:solidFill>
+                  <a:srgbClr val="212529"/>
+                </a:solidFill>
+                <a:effectLst/>
+                <a:latin typeface="-apple-system"/>
+              </a:rPr>
+              <a:t>동일한 </a:t>
+            </a:r>
+            <a:r>
+              <a:rPr lang="ko-KR" altLang="en-US">
+                <a:solidFill>
+                  <a:srgbClr val="212529"/>
+                </a:solidFill>
+                <a:latin typeface="-apple-system"/>
+              </a:rPr>
+              <a:t>정점</a:t>
+            </a:r>
+            <a:r>
+              <a:rPr lang="ko-KR" altLang="en-US" b="0" i="0">
+                <a:solidFill>
+                  <a:srgbClr val="212529"/>
+                </a:solidFill>
+                <a:effectLst/>
+                <a:latin typeface="-apple-system"/>
+              </a:rPr>
+              <a:t>을 </a:t>
+            </a:r>
+            <a:r>
               <a:rPr lang="ko-KR" altLang="en-US" b="0" i="0" dirty="0">
                 <a:solidFill>
                   <a:srgbClr val="212529"/>
@@ -7609,7 +7638,7 @@
                 <a:effectLst/>
                 <a:latin typeface="-apple-system"/>
               </a:rPr>
-              <a:t>동일한 간선을 지나지 않는 경로</a:t>
+              <a:t>지나지 않는 경로</a:t>
             </a:r>
           </a:p>
           <a:p>
